--- a/report/[KyThuatXuLyDuLieu]Báo cáo đồ án cuối kỳ_Nhóm_11.pptx
+++ b/report/[KyThuatXuLyDuLieu]Báo cáo đồ án cuối kỳ_Nhóm_11.pptx
@@ -18211,7 +18211,7 @@
           <p:cNvPr id="2" name="Title 1">
             <a:extLst>
               <a:ext uri="{FF2B5EF4-FFF2-40B4-BE49-F238E27FC236}">
-                <a16:creationId xmlns="" xmlns:a16="http://schemas.microsoft.com/office/drawing/2014/main" id="{AE7ED732-9F48-46D0-9606-C01E66898756}"/>
+                <a16:creationId xmlns:a16="http://schemas.microsoft.com/office/drawing/2014/main" xmlns="" id="{AE7ED732-9F48-46D0-9606-C01E66898756}"/>
               </a:ext>
             </a:extLst>
           </p:cNvPr>
@@ -18736,7 +18736,7 @@
           <p:cNvPr id="3" name="Subtitle 2">
             <a:extLst>
               <a:ext uri="{FF2B5EF4-FFF2-40B4-BE49-F238E27FC236}">
-                <a16:creationId xmlns="" xmlns:a16="http://schemas.microsoft.com/office/drawing/2014/main" id="{4EDECE05-59F3-4F93-A209-A298C2F6D3A2}"/>
+                <a16:creationId xmlns:a16="http://schemas.microsoft.com/office/drawing/2014/main" xmlns="" id="{4EDECE05-59F3-4F93-A209-A298C2F6D3A2}"/>
               </a:ext>
             </a:extLst>
           </p:cNvPr>
@@ -19013,7 +19013,7 @@
           <p:cNvPr id="4" name="Title 1">
             <a:extLst>
               <a:ext uri="{FF2B5EF4-FFF2-40B4-BE49-F238E27FC236}">
-                <a16:creationId xmlns="" xmlns:a16="http://schemas.microsoft.com/office/drawing/2014/main" id="{AE7ED732-9F48-46D0-9606-C01E66898756}"/>
+                <a16:creationId xmlns:a16="http://schemas.microsoft.com/office/drawing/2014/main" xmlns="" id="{AE7ED732-9F48-46D0-9606-C01E66898756}"/>
               </a:ext>
             </a:extLst>
           </p:cNvPr>
@@ -19238,15 +19238,7 @@
                 <a:latin typeface="Times New Roman" panose="02020603050405020304" pitchFamily="18" charset="0"/>
                 <a:cs typeface="Times New Roman" panose="02020603050405020304" pitchFamily="18" charset="0"/>
               </a:rPr>
-              <a:t>GVHD: </a:t>
-            </a:r>
-            <a:r>
-              <a:rPr lang="en-US" altLang="ja-JP" sz="4000" kern="0" dirty="0" smtClean="0">
-                <a:effectLst/>
-                <a:latin typeface="Times New Roman" panose="02020603050405020304" pitchFamily="18" charset="0"/>
-                <a:cs typeface="Times New Roman" panose="02020603050405020304" pitchFamily="18" charset="0"/>
-              </a:rPr>
-              <a:t>TS. </a:t>
+              <a:t>GVHD: TS. </a:t>
             </a:r>
             <a:r>
               <a:rPr lang="en-US" altLang="ja-JP" sz="4000" kern="0" dirty="0" err="1" smtClean="0">
@@ -22567,7 +22559,7 @@
           <p:cNvPr id="5" name="Title 1">
             <a:extLst>
               <a:ext uri="{FF2B5EF4-FFF2-40B4-BE49-F238E27FC236}">
-                <a16:creationId xmlns="" xmlns:a16="http://schemas.microsoft.com/office/drawing/2014/main" id="{AE7ED732-9F48-46D0-9606-C01E66898756}"/>
+                <a16:creationId xmlns:a16="http://schemas.microsoft.com/office/drawing/2014/main" xmlns="" id="{AE7ED732-9F48-46D0-9606-C01E66898756}"/>
               </a:ext>
             </a:extLst>
           </p:cNvPr>
@@ -23006,7 +22998,7 @@
           <p:cNvPr id="6" name="Title 1">
             <a:extLst>
               <a:ext uri="{FF2B5EF4-FFF2-40B4-BE49-F238E27FC236}">
-                <a16:creationId xmlns="" xmlns:a16="http://schemas.microsoft.com/office/drawing/2014/main" id="{AE7ED732-9F48-46D0-9606-C01E66898756}"/>
+                <a16:creationId xmlns:a16="http://schemas.microsoft.com/office/drawing/2014/main" xmlns="" id="{AE7ED732-9F48-46D0-9606-C01E66898756}"/>
               </a:ext>
             </a:extLst>
           </p:cNvPr>
@@ -23489,7 +23481,7 @@
           <p:cNvPr id="5" name="Title 1">
             <a:extLst>
               <a:ext uri="{FF2B5EF4-FFF2-40B4-BE49-F238E27FC236}">
-                <a16:creationId xmlns="" xmlns:a16="http://schemas.microsoft.com/office/drawing/2014/main" id="{AE7ED732-9F48-46D0-9606-C01E66898756}"/>
+                <a16:creationId xmlns:a16="http://schemas.microsoft.com/office/drawing/2014/main" xmlns="" id="{AE7ED732-9F48-46D0-9606-C01E66898756}"/>
               </a:ext>
             </a:extLst>
           </p:cNvPr>
@@ -24860,17 +24852,7 @@
                 <a:latin typeface="Times New Roman" panose="02020603050405020304" pitchFamily="18" charset="0"/>
                 <a:cs typeface="Times New Roman" panose="02020603050405020304" pitchFamily="18" charset="0"/>
               </a:rPr>
-              <a:t>quan</a:t>
-            </a:r>
-            <a:r>
-              <a:rPr lang="en-US" altLang="ja-JP" sz="2400" dirty="0" err="1" smtClean="0">
-                <a:solidFill>
-                  <a:schemeClr val="tx1"/>
-                </a:solidFill>
-                <a:latin typeface="Times New Roman" panose="02020603050405020304" pitchFamily="18" charset="0"/>
-                <a:cs typeface="Times New Roman" panose="02020603050405020304" pitchFamily="18" charset="0"/>
-              </a:rPr>
-              <a:t>h</a:t>
+              <a:t>quanh</a:t>
             </a:r>
             <a:r>
               <a:rPr lang="en-US" altLang="ja-JP" sz="2400" dirty="0" smtClean="0">
@@ -27682,13 +27664,6 @@
               </a:rPr>
               <a:t>:</a:t>
             </a:r>
-            <a:endParaRPr lang="en-US" sz="3200" dirty="0" smtClean="0">
-              <a:solidFill>
-                <a:schemeClr val="tx1"/>
-              </a:solidFill>
-              <a:latin typeface="Times New Roman" panose="02020603050405020304" pitchFamily="18" charset="0"/>
-              <a:cs typeface="Times New Roman" panose="02020603050405020304" pitchFamily="18" charset="0"/>
-            </a:endParaRPr>
           </a:p>
           <a:p>
             <a:pPr lvl="0"/>
@@ -28140,7 +28115,47 @@
                 <a:latin typeface="Times New Roman" panose="02020603050405020304" pitchFamily="18" charset="0"/>
                 <a:cs typeface="Times New Roman" panose="02020603050405020304" pitchFamily="18" charset="0"/>
               </a:rPr>
-              <a:t> qua code Python.</a:t>
+              <a:t> qua </a:t>
+            </a:r>
+            <a:r>
+              <a:rPr lang="en-US" sz="2400" dirty="0" smtClean="0">
+                <a:solidFill>
+                  <a:schemeClr val="tx1"/>
+                </a:solidFill>
+                <a:latin typeface="Times New Roman" panose="02020603050405020304" pitchFamily="18" charset="0"/>
+                <a:cs typeface="Times New Roman" panose="02020603050405020304" pitchFamily="18" charset="0"/>
+              </a:rPr>
+              <a:t>Selenium </a:t>
+            </a:r>
+            <a:r>
+              <a:rPr lang="en-US" sz="2400" dirty="0" err="1" smtClean="0">
+                <a:solidFill>
+                  <a:schemeClr val="tx1"/>
+                </a:solidFill>
+                <a:latin typeface="Times New Roman" panose="02020603050405020304" pitchFamily="18" charset="0"/>
+                <a:cs typeface="Times New Roman" panose="02020603050405020304" pitchFamily="18" charset="0"/>
+              </a:rPr>
+              <a:t>và</a:t>
+            </a:r>
+            <a:r>
+              <a:rPr lang="en-US" sz="2400" smtClean="0">
+                <a:solidFill>
+                  <a:schemeClr val="tx1"/>
+                </a:solidFill>
+                <a:latin typeface="Times New Roman" panose="02020603050405020304" pitchFamily="18" charset="0"/>
+                <a:cs typeface="Times New Roman" panose="02020603050405020304" pitchFamily="18" charset="0"/>
+              </a:rPr>
+              <a:t> code </a:t>
+            </a:r>
+            <a:r>
+              <a:rPr lang="en-US" sz="2400" dirty="0" smtClean="0">
+                <a:solidFill>
+                  <a:schemeClr val="tx1"/>
+                </a:solidFill>
+                <a:latin typeface="Times New Roman" panose="02020603050405020304" pitchFamily="18" charset="0"/>
+                <a:cs typeface="Times New Roman" panose="02020603050405020304" pitchFamily="18" charset="0"/>
+              </a:rPr>
+              <a:t>Python.</a:t>
             </a:r>
             <a:endParaRPr lang="en-US" sz="2400" dirty="0">
               <a:solidFill>
@@ -28498,13 +28513,6 @@
               </a:rPr>
               <a:t>:</a:t>
             </a:r>
-            <a:endParaRPr lang="en-US" sz="3200" dirty="0" smtClean="0">
-              <a:solidFill>
-                <a:schemeClr val="tx1"/>
-              </a:solidFill>
-              <a:latin typeface="Times New Roman" panose="02020603050405020304" pitchFamily="18" charset="0"/>
-              <a:cs typeface="Times New Roman" panose="02020603050405020304" pitchFamily="18" charset="0"/>
-            </a:endParaRPr>
           </a:p>
           <a:p>
             <a:pPr lvl="0"/>
@@ -29115,13 +29123,6 @@
               </a:rPr>
               <a:t>1.4 Database:</a:t>
             </a:r>
-            <a:endParaRPr lang="en-US" sz="3200" dirty="0" smtClean="0">
-              <a:solidFill>
-                <a:schemeClr val="tx1"/>
-              </a:solidFill>
-              <a:latin typeface="Times New Roman" panose="02020603050405020304" pitchFamily="18" charset="0"/>
-              <a:cs typeface="Times New Roman" panose="02020603050405020304" pitchFamily="18" charset="0"/>
-            </a:endParaRPr>
           </a:p>
         </p:txBody>
       </p:sp>
@@ -30256,13 +30257,6 @@
               </a:rPr>
               <a:t>:</a:t>
             </a:r>
-            <a:endParaRPr lang="en-US" sz="2400" dirty="0" smtClean="0">
-              <a:solidFill>
-                <a:schemeClr val="tx1"/>
-              </a:solidFill>
-              <a:latin typeface="Times New Roman" panose="02020603050405020304" pitchFamily="18" charset="0"/>
-              <a:cs typeface="Times New Roman" panose="02020603050405020304" pitchFamily="18" charset="0"/>
-            </a:endParaRPr>
           </a:p>
         </p:txBody>
       </p:sp>

--- a/report/[KyThuatXuLyDuLieu]Báo cáo đồ án cuối kỳ_Nhóm_11.pptx
+++ b/report/[KyThuatXuLyDuLieu]Báo cáo đồ án cuối kỳ_Nhóm_11.pptx
@@ -5,7 +5,7 @@
     <p:sldMasterId id="2147483678" r:id="rId1"/>
   </p:sldMasterIdLst>
   <p:notesMasterIdLst>
-    <p:notesMasterId r:id="rId16"/>
+    <p:notesMasterId r:id="rId18"/>
   </p:notesMasterIdLst>
   <p:sldIdLst>
     <p:sldId id="284" r:id="rId2"/>
@@ -14,14 +14,16 @@
     <p:sldId id="259" r:id="rId5"/>
     <p:sldId id="266" r:id="rId6"/>
     <p:sldId id="271" r:id="rId7"/>
-    <p:sldId id="269" r:id="rId8"/>
-    <p:sldId id="287" r:id="rId9"/>
-    <p:sldId id="265" r:id="rId10"/>
-    <p:sldId id="281" r:id="rId11"/>
-    <p:sldId id="282" r:id="rId12"/>
-    <p:sldId id="275" r:id="rId13"/>
-    <p:sldId id="280" r:id="rId14"/>
-    <p:sldId id="283" r:id="rId15"/>
+    <p:sldId id="288" r:id="rId8"/>
+    <p:sldId id="289" r:id="rId9"/>
+    <p:sldId id="269" r:id="rId10"/>
+    <p:sldId id="287" r:id="rId11"/>
+    <p:sldId id="265" r:id="rId12"/>
+    <p:sldId id="281" r:id="rId13"/>
+    <p:sldId id="282" r:id="rId14"/>
+    <p:sldId id="275" r:id="rId15"/>
+    <p:sldId id="280" r:id="rId16"/>
+    <p:sldId id="283" r:id="rId17"/>
   </p:sldIdLst>
   <p:sldSz cx="9144000" cy="5143500" type="screen16x9"/>
   <p:notesSz cx="6858000" cy="9144000"/>
@@ -834,6 +836,224 @@
   <p:cSld>
     <p:spTree>
       <p:nvGrpSpPr>
+        <p:cNvPr id="1" name="Shape 1118"/>
+        <p:cNvGrpSpPr/>
+        <p:nvPr/>
+      </p:nvGrpSpPr>
+      <p:grpSpPr>
+        <a:xfrm>
+          <a:off x="0" y="0"/>
+          <a:ext cx="0" cy="0"/>
+          <a:chOff x="0" y="0"/>
+          <a:chExt cx="0" cy="0"/>
+        </a:xfrm>
+      </p:grpSpPr>
+      <p:sp>
+        <p:nvSpPr>
+          <p:cNvPr id="1119" name="Google Shape;1119;ge49ec3022a_1_61:notes"/>
+          <p:cNvSpPr>
+            <a:spLocks noGrp="1" noRot="1" noChangeAspect="1"/>
+          </p:cNvSpPr>
+          <p:nvPr>
+            <p:ph type="sldImg" idx="2"/>
+          </p:nvPr>
+        </p:nvSpPr>
+        <p:spPr>
+          <a:xfrm>
+            <a:off x="381000" y="685800"/>
+            <a:ext cx="6096000" cy="3429000"/>
+          </a:xfrm>
+          <a:custGeom>
+            <a:avLst/>
+            <a:gdLst/>
+            <a:ahLst/>
+            <a:cxnLst/>
+            <a:rect l="l" t="t" r="r" b="b"/>
+            <a:pathLst>
+              <a:path w="120000" h="120000" extrusionOk="0">
+                <a:moveTo>
+                  <a:pt x="0" y="0"/>
+                </a:moveTo>
+                <a:lnTo>
+                  <a:pt x="120000" y="0"/>
+                </a:lnTo>
+                <a:lnTo>
+                  <a:pt x="120000" y="120000"/>
+                </a:lnTo>
+                <a:lnTo>
+                  <a:pt x="0" y="120000"/>
+                </a:lnTo>
+                <a:close/>
+              </a:path>
+            </a:pathLst>
+          </a:custGeom>
+        </p:spPr>
+      </p:sp>
+      <p:sp>
+        <p:nvSpPr>
+          <p:cNvPr id="1120" name="Google Shape;1120;ge49ec3022a_1_61:notes"/>
+          <p:cNvSpPr txBox="1">
+            <a:spLocks noGrp="1"/>
+          </p:cNvSpPr>
+          <p:nvPr>
+            <p:ph type="body" idx="1"/>
+          </p:nvPr>
+        </p:nvSpPr>
+        <p:spPr>
+          <a:xfrm>
+            <a:off x="685800" y="4343400"/>
+            <a:ext cx="5486400" cy="4114800"/>
+          </a:xfrm>
+          <a:prstGeom prst="rect">
+            <a:avLst/>
+          </a:prstGeom>
+        </p:spPr>
+        <p:txBody>
+          <a:bodyPr spcFirstLastPara="1" wrap="square" lIns="91425" tIns="91425" rIns="91425" bIns="91425" anchor="t" anchorCtr="0">
+            <a:noAutofit/>
+          </a:bodyPr>
+          <a:lstStyle/>
+          <a:p>
+            <a:pPr marL="0" lvl="0" indent="0" algn="l" rtl="0">
+              <a:spcBef>
+                <a:spcPts val="0"/>
+              </a:spcBef>
+              <a:spcAft>
+                <a:spcPts val="0"/>
+              </a:spcAft>
+              <a:buNone/>
+            </a:pPr>
+            <a:endParaRPr/>
+          </a:p>
+        </p:txBody>
+      </p:sp>
+    </p:spTree>
+    <p:extLst>
+      <p:ext uri="{BB962C8B-B14F-4D97-AF65-F5344CB8AC3E}">
+        <p14:creationId xmlns:p14="http://schemas.microsoft.com/office/powerpoint/2010/main" val="1749791600"/>
+      </p:ext>
+    </p:extLst>
+  </p:cSld>
+  <p:clrMapOvr>
+    <a:masterClrMapping/>
+  </p:clrMapOvr>
+</p:notes>
+</file>
+
+<file path=ppt/notesSlides/notesSlide11.xml><?xml version="1.0" encoding="utf-8"?>
+<p:notes xmlns:a="http://schemas.openxmlformats.org/drawingml/2006/main" xmlns:r="http://schemas.openxmlformats.org/officeDocument/2006/relationships" xmlns:p="http://schemas.openxmlformats.org/presentationml/2006/main" showMasterSp="0" showMasterPhAnim="0">
+  <p:cSld>
+    <p:spTree>
+      <p:nvGrpSpPr>
+        <p:cNvPr id="1" name="Shape 2285"/>
+        <p:cNvGrpSpPr/>
+        <p:nvPr/>
+      </p:nvGrpSpPr>
+      <p:grpSpPr>
+        <a:xfrm>
+          <a:off x="0" y="0"/>
+          <a:ext cx="0" cy="0"/>
+          <a:chOff x="0" y="0"/>
+          <a:chExt cx="0" cy="0"/>
+        </a:xfrm>
+      </p:grpSpPr>
+      <p:sp>
+        <p:nvSpPr>
+          <p:cNvPr id="2286" name="Google Shape;2286;ge39e3565a8_0_616:notes"/>
+          <p:cNvSpPr>
+            <a:spLocks noGrp="1" noRot="1" noChangeAspect="1"/>
+          </p:cNvSpPr>
+          <p:nvPr>
+            <p:ph type="sldImg" idx="2"/>
+          </p:nvPr>
+        </p:nvSpPr>
+        <p:spPr>
+          <a:xfrm>
+            <a:off x="381000" y="685800"/>
+            <a:ext cx="6096000" cy="3429000"/>
+          </a:xfrm>
+          <a:custGeom>
+            <a:avLst/>
+            <a:gdLst/>
+            <a:ahLst/>
+            <a:cxnLst/>
+            <a:rect l="l" t="t" r="r" b="b"/>
+            <a:pathLst>
+              <a:path w="120000" h="120000" extrusionOk="0">
+                <a:moveTo>
+                  <a:pt x="0" y="0"/>
+                </a:moveTo>
+                <a:lnTo>
+                  <a:pt x="120000" y="0"/>
+                </a:lnTo>
+                <a:lnTo>
+                  <a:pt x="120000" y="120000"/>
+                </a:lnTo>
+                <a:lnTo>
+                  <a:pt x="0" y="120000"/>
+                </a:lnTo>
+                <a:close/>
+              </a:path>
+            </a:pathLst>
+          </a:custGeom>
+        </p:spPr>
+      </p:sp>
+      <p:sp>
+        <p:nvSpPr>
+          <p:cNvPr id="2287" name="Google Shape;2287;ge39e3565a8_0_616:notes"/>
+          <p:cNvSpPr txBox="1">
+            <a:spLocks noGrp="1"/>
+          </p:cNvSpPr>
+          <p:nvPr>
+            <p:ph type="body" idx="1"/>
+          </p:nvPr>
+        </p:nvSpPr>
+        <p:spPr>
+          <a:xfrm>
+            <a:off x="685800" y="4343400"/>
+            <a:ext cx="5486400" cy="4114800"/>
+          </a:xfrm>
+          <a:prstGeom prst="rect">
+            <a:avLst/>
+          </a:prstGeom>
+        </p:spPr>
+        <p:txBody>
+          <a:bodyPr spcFirstLastPara="1" wrap="square" lIns="91425" tIns="91425" rIns="91425" bIns="91425" anchor="t" anchorCtr="0">
+            <a:noAutofit/>
+          </a:bodyPr>
+          <a:lstStyle/>
+          <a:p>
+            <a:pPr marL="0" lvl="0" indent="0" algn="l" rtl="0">
+              <a:spcBef>
+                <a:spcPts val="0"/>
+              </a:spcBef>
+              <a:spcAft>
+                <a:spcPts val="0"/>
+              </a:spcAft>
+              <a:buNone/>
+            </a:pPr>
+            <a:endParaRPr/>
+          </a:p>
+        </p:txBody>
+      </p:sp>
+    </p:spTree>
+    <p:extLst>
+      <p:ext uri="{BB962C8B-B14F-4D97-AF65-F5344CB8AC3E}">
+        <p14:creationId xmlns:p14="http://schemas.microsoft.com/office/powerpoint/2010/main" val="3659691915"/>
+      </p:ext>
+    </p:extLst>
+  </p:cSld>
+  <p:clrMapOvr>
+    <a:masterClrMapping/>
+  </p:clrMapOvr>
+</p:notes>
+</file>
+
+<file path=ppt/notesSlides/notesSlide12.xml><?xml version="1.0" encoding="utf-8"?>
+<p:notes xmlns:a="http://schemas.openxmlformats.org/drawingml/2006/main" xmlns:r="http://schemas.openxmlformats.org/officeDocument/2006/relationships" xmlns:p="http://schemas.openxmlformats.org/presentationml/2006/main" showMasterSp="0" showMasterPhAnim="0">
+  <p:cSld>
+    <p:spTree>
+      <p:nvGrpSpPr>
         <p:cNvPr id="1" name="Shape 2465"/>
         <p:cNvGrpSpPr/>
         <p:nvPr/>
@@ -1161,7 +1381,7 @@
   <p:cSld>
     <p:spTree>
       <p:nvGrpSpPr>
-        <p:cNvPr id="1" name="Shape 1244"/>
+        <p:cNvPr id="1" name="Shape 1303"/>
         <p:cNvGrpSpPr/>
         <p:nvPr/>
       </p:nvGrpSpPr>
@@ -1175,7 +1395,7 @@
       </p:grpSpPr>
       <p:sp>
         <p:nvSpPr>
-          <p:cNvPr id="1245" name="Google Shape;1245;ge39e3565a8_0_81:notes"/>
+          <p:cNvPr id="1304" name="Google Shape;1304;ge39e3565a8_0_184:notes"/>
           <p:cNvSpPr>
             <a:spLocks noGrp="1" noRot="1" noChangeAspect="1"/>
           </p:cNvSpPr>
@@ -1216,7 +1436,7 @@
       </p:sp>
       <p:sp>
         <p:nvSpPr>
-          <p:cNvPr id="1246" name="Google Shape;1246;ge39e3565a8_0_81:notes"/>
+          <p:cNvPr id="1305" name="Google Shape;1305;ge39e3565a8_0_184:notes"/>
           <p:cNvSpPr txBox="1">
             <a:spLocks noGrp="1"/>
           </p:cNvSpPr>
@@ -1255,7 +1475,7 @@
     </p:spTree>
     <p:extLst>
       <p:ext uri="{BB962C8B-B14F-4D97-AF65-F5344CB8AC3E}">
-        <p14:creationId xmlns:p14="http://schemas.microsoft.com/office/powerpoint/2010/main" val="156260274"/>
+        <p14:creationId xmlns:p14="http://schemas.microsoft.com/office/powerpoint/2010/main" val="1055101912"/>
       </p:ext>
     </p:extLst>
   </p:cSld>
@@ -1266,6 +1486,115 @@
 </file>
 
 <file path=ppt/notesSlides/notesSlide5.xml><?xml version="1.0" encoding="utf-8"?>
+<p:notes xmlns:a="http://schemas.openxmlformats.org/drawingml/2006/main" xmlns:r="http://schemas.openxmlformats.org/officeDocument/2006/relationships" xmlns:p="http://schemas.openxmlformats.org/presentationml/2006/main" showMasterSp="0" showMasterPhAnim="0">
+  <p:cSld>
+    <p:spTree>
+      <p:nvGrpSpPr>
+        <p:cNvPr id="1" name="Shape 1303"/>
+        <p:cNvGrpSpPr/>
+        <p:nvPr/>
+      </p:nvGrpSpPr>
+      <p:grpSpPr>
+        <a:xfrm>
+          <a:off x="0" y="0"/>
+          <a:ext cx="0" cy="0"/>
+          <a:chOff x="0" y="0"/>
+          <a:chExt cx="0" cy="0"/>
+        </a:xfrm>
+      </p:grpSpPr>
+      <p:sp>
+        <p:nvSpPr>
+          <p:cNvPr id="1304" name="Google Shape;1304;ge39e3565a8_0_184:notes"/>
+          <p:cNvSpPr>
+            <a:spLocks noGrp="1" noRot="1" noChangeAspect="1"/>
+          </p:cNvSpPr>
+          <p:nvPr>
+            <p:ph type="sldImg" idx="2"/>
+          </p:nvPr>
+        </p:nvSpPr>
+        <p:spPr>
+          <a:xfrm>
+            <a:off x="381000" y="685800"/>
+            <a:ext cx="6096000" cy="3429000"/>
+          </a:xfrm>
+          <a:custGeom>
+            <a:avLst/>
+            <a:gdLst/>
+            <a:ahLst/>
+            <a:cxnLst/>
+            <a:rect l="l" t="t" r="r" b="b"/>
+            <a:pathLst>
+              <a:path w="120000" h="120000" extrusionOk="0">
+                <a:moveTo>
+                  <a:pt x="0" y="0"/>
+                </a:moveTo>
+                <a:lnTo>
+                  <a:pt x="120000" y="0"/>
+                </a:lnTo>
+                <a:lnTo>
+                  <a:pt x="120000" y="120000"/>
+                </a:lnTo>
+                <a:lnTo>
+                  <a:pt x="0" y="120000"/>
+                </a:lnTo>
+                <a:close/>
+              </a:path>
+            </a:pathLst>
+          </a:custGeom>
+        </p:spPr>
+      </p:sp>
+      <p:sp>
+        <p:nvSpPr>
+          <p:cNvPr id="1305" name="Google Shape;1305;ge39e3565a8_0_184:notes"/>
+          <p:cNvSpPr txBox="1">
+            <a:spLocks noGrp="1"/>
+          </p:cNvSpPr>
+          <p:nvPr>
+            <p:ph type="body" idx="1"/>
+          </p:nvPr>
+        </p:nvSpPr>
+        <p:spPr>
+          <a:xfrm>
+            <a:off x="685800" y="4343400"/>
+            <a:ext cx="5486400" cy="4114800"/>
+          </a:xfrm>
+          <a:prstGeom prst="rect">
+            <a:avLst/>
+          </a:prstGeom>
+        </p:spPr>
+        <p:txBody>
+          <a:bodyPr spcFirstLastPara="1" wrap="square" lIns="91425" tIns="91425" rIns="91425" bIns="91425" anchor="t" anchorCtr="0">
+            <a:noAutofit/>
+          </a:bodyPr>
+          <a:lstStyle/>
+          <a:p>
+            <a:pPr marL="0" lvl="0" indent="0" algn="l" rtl="0">
+              <a:spcBef>
+                <a:spcPts val="0"/>
+              </a:spcBef>
+              <a:spcAft>
+                <a:spcPts val="0"/>
+              </a:spcAft>
+              <a:buNone/>
+            </a:pPr>
+            <a:endParaRPr/>
+          </a:p>
+        </p:txBody>
+      </p:sp>
+    </p:spTree>
+    <p:extLst>
+      <p:ext uri="{BB962C8B-B14F-4D97-AF65-F5344CB8AC3E}">
+        <p14:creationId xmlns:p14="http://schemas.microsoft.com/office/powerpoint/2010/main" val="4119126150"/>
+      </p:ext>
+    </p:extLst>
+  </p:cSld>
+  <p:clrMapOvr>
+    <a:masterClrMapping/>
+  </p:clrMapOvr>
+</p:notes>
+</file>
+
+<file path=ppt/notesSlides/notesSlide6.xml><?xml version="1.0" encoding="utf-8"?>
 <p:notes xmlns:a="http://schemas.openxmlformats.org/drawingml/2006/main" xmlns:r="http://schemas.openxmlformats.org/officeDocument/2006/relationships" xmlns:p="http://schemas.openxmlformats.org/presentationml/2006/main" showMasterSp="0" showMasterPhAnim="0">
   <p:cSld>
     <p:spTree>
@@ -1364,7 +1693,7 @@
     </p:spTree>
     <p:extLst>
       <p:ext uri="{BB962C8B-B14F-4D97-AF65-F5344CB8AC3E}">
-        <p14:creationId xmlns:p14="http://schemas.microsoft.com/office/powerpoint/2010/main" val="3638776099"/>
+        <p14:creationId xmlns:p14="http://schemas.microsoft.com/office/powerpoint/2010/main" val="156260274"/>
       </p:ext>
     </p:extLst>
   </p:cSld>
@@ -1374,12 +1703,12 @@
 </p:notes>
 </file>
 
-<file path=ppt/notesSlides/notesSlide6.xml><?xml version="1.0" encoding="utf-8"?>
+<file path=ppt/notesSlides/notesSlide7.xml><?xml version="1.0" encoding="utf-8"?>
 <p:notes xmlns:a="http://schemas.openxmlformats.org/drawingml/2006/main" xmlns:r="http://schemas.openxmlformats.org/officeDocument/2006/relationships" xmlns:p="http://schemas.openxmlformats.org/presentationml/2006/main" showMasterSp="0" showMasterPhAnim="0">
   <p:cSld>
     <p:spTree>
       <p:nvGrpSpPr>
-        <p:cNvPr id="1" name="Shape 1118"/>
+        <p:cNvPr id="1" name="Shape 1244"/>
         <p:cNvGrpSpPr/>
         <p:nvPr/>
       </p:nvGrpSpPr>
@@ -1393,7 +1722,7 @@
       </p:grpSpPr>
       <p:sp>
         <p:nvSpPr>
-          <p:cNvPr id="1119" name="Google Shape;1119;ge49ec3022a_1_61:notes"/>
+          <p:cNvPr id="1245" name="Google Shape;1245;ge39e3565a8_0_81:notes"/>
           <p:cNvSpPr>
             <a:spLocks noGrp="1" noRot="1" noChangeAspect="1"/>
           </p:cNvSpPr>
@@ -1434,7 +1763,7 @@
       </p:sp>
       <p:sp>
         <p:nvSpPr>
-          <p:cNvPr id="1120" name="Google Shape;1120;ge49ec3022a_1_61:notes"/>
+          <p:cNvPr id="1246" name="Google Shape;1246;ge39e3565a8_0_81:notes"/>
           <p:cNvSpPr txBox="1">
             <a:spLocks noGrp="1"/>
           </p:cNvSpPr>
@@ -1473,116 +1802,7 @@
     </p:spTree>
     <p:extLst>
       <p:ext uri="{BB962C8B-B14F-4D97-AF65-F5344CB8AC3E}">
-        <p14:creationId xmlns:p14="http://schemas.microsoft.com/office/powerpoint/2010/main" val="3152042002"/>
-      </p:ext>
-    </p:extLst>
-  </p:cSld>
-  <p:clrMapOvr>
-    <a:masterClrMapping/>
-  </p:clrMapOvr>
-</p:notes>
-</file>
-
-<file path=ppt/notesSlides/notesSlide7.xml><?xml version="1.0" encoding="utf-8"?>
-<p:notes xmlns:a="http://schemas.openxmlformats.org/drawingml/2006/main" xmlns:r="http://schemas.openxmlformats.org/officeDocument/2006/relationships" xmlns:p="http://schemas.openxmlformats.org/presentationml/2006/main" showMasterSp="0" showMasterPhAnim="0">
-  <p:cSld>
-    <p:spTree>
-      <p:nvGrpSpPr>
-        <p:cNvPr id="1" name="Shape 1118"/>
-        <p:cNvGrpSpPr/>
-        <p:nvPr/>
-      </p:nvGrpSpPr>
-      <p:grpSpPr>
-        <a:xfrm>
-          <a:off x="0" y="0"/>
-          <a:ext cx="0" cy="0"/>
-          <a:chOff x="0" y="0"/>
-          <a:chExt cx="0" cy="0"/>
-        </a:xfrm>
-      </p:grpSpPr>
-      <p:sp>
-        <p:nvSpPr>
-          <p:cNvPr id="1119" name="Google Shape;1119;ge49ec3022a_1_61:notes"/>
-          <p:cNvSpPr>
-            <a:spLocks noGrp="1" noRot="1" noChangeAspect="1"/>
-          </p:cNvSpPr>
-          <p:nvPr>
-            <p:ph type="sldImg" idx="2"/>
-          </p:nvPr>
-        </p:nvSpPr>
-        <p:spPr>
-          <a:xfrm>
-            <a:off x="381000" y="685800"/>
-            <a:ext cx="6096000" cy="3429000"/>
-          </a:xfrm>
-          <a:custGeom>
-            <a:avLst/>
-            <a:gdLst/>
-            <a:ahLst/>
-            <a:cxnLst/>
-            <a:rect l="l" t="t" r="r" b="b"/>
-            <a:pathLst>
-              <a:path w="120000" h="120000" extrusionOk="0">
-                <a:moveTo>
-                  <a:pt x="0" y="0"/>
-                </a:moveTo>
-                <a:lnTo>
-                  <a:pt x="120000" y="0"/>
-                </a:lnTo>
-                <a:lnTo>
-                  <a:pt x="120000" y="120000"/>
-                </a:lnTo>
-                <a:lnTo>
-                  <a:pt x="0" y="120000"/>
-                </a:lnTo>
-                <a:close/>
-              </a:path>
-            </a:pathLst>
-          </a:custGeom>
-        </p:spPr>
-      </p:sp>
-      <p:sp>
-        <p:nvSpPr>
-          <p:cNvPr id="1120" name="Google Shape;1120;ge49ec3022a_1_61:notes"/>
-          <p:cNvSpPr txBox="1">
-            <a:spLocks noGrp="1"/>
-          </p:cNvSpPr>
-          <p:nvPr>
-            <p:ph type="body" idx="1"/>
-          </p:nvPr>
-        </p:nvSpPr>
-        <p:spPr>
-          <a:xfrm>
-            <a:off x="685800" y="4343400"/>
-            <a:ext cx="5486400" cy="4114800"/>
-          </a:xfrm>
-          <a:prstGeom prst="rect">
-            <a:avLst/>
-          </a:prstGeom>
-        </p:spPr>
-        <p:txBody>
-          <a:bodyPr spcFirstLastPara="1" wrap="square" lIns="91425" tIns="91425" rIns="91425" bIns="91425" anchor="t" anchorCtr="0">
-            <a:noAutofit/>
-          </a:bodyPr>
-          <a:lstStyle/>
-          <a:p>
-            <a:pPr marL="0" lvl="0" indent="0" algn="l" rtl="0">
-              <a:spcBef>
-                <a:spcPts val="0"/>
-              </a:spcBef>
-              <a:spcAft>
-                <a:spcPts val="0"/>
-              </a:spcAft>
-              <a:buNone/>
-            </a:pPr>
-            <a:endParaRPr/>
-          </a:p>
-        </p:txBody>
-      </p:sp>
-    </p:spTree>
-    <p:extLst>
-      <p:ext uri="{BB962C8B-B14F-4D97-AF65-F5344CB8AC3E}">
-        <p14:creationId xmlns:p14="http://schemas.microsoft.com/office/powerpoint/2010/main" val="23082763"/>
+        <p14:creationId xmlns:p14="http://schemas.microsoft.com/office/powerpoint/2010/main" val="3638776099"/>
       </p:ext>
     </p:extLst>
   </p:cSld>
@@ -1691,7 +1911,7 @@
     </p:spTree>
     <p:extLst>
       <p:ext uri="{BB962C8B-B14F-4D97-AF65-F5344CB8AC3E}">
-        <p14:creationId xmlns:p14="http://schemas.microsoft.com/office/powerpoint/2010/main" val="1749791600"/>
+        <p14:creationId xmlns:p14="http://schemas.microsoft.com/office/powerpoint/2010/main" val="3152042002"/>
       </p:ext>
     </p:extLst>
   </p:cSld>
@@ -1706,7 +1926,7 @@
   <p:cSld>
     <p:spTree>
       <p:nvGrpSpPr>
-        <p:cNvPr id="1" name="Shape 2285"/>
+        <p:cNvPr id="1" name="Shape 1118"/>
         <p:cNvGrpSpPr/>
         <p:nvPr/>
       </p:nvGrpSpPr>
@@ -1720,7 +1940,7 @@
       </p:grpSpPr>
       <p:sp>
         <p:nvSpPr>
-          <p:cNvPr id="2286" name="Google Shape;2286;ge39e3565a8_0_616:notes"/>
+          <p:cNvPr id="1119" name="Google Shape;1119;ge49ec3022a_1_61:notes"/>
           <p:cNvSpPr>
             <a:spLocks noGrp="1" noRot="1" noChangeAspect="1"/>
           </p:cNvSpPr>
@@ -1761,7 +1981,7 @@
       </p:sp>
       <p:sp>
         <p:nvSpPr>
-          <p:cNvPr id="2287" name="Google Shape;2287;ge39e3565a8_0_616:notes"/>
+          <p:cNvPr id="1120" name="Google Shape;1120;ge49ec3022a_1_61:notes"/>
           <p:cNvSpPr txBox="1">
             <a:spLocks noGrp="1"/>
           </p:cNvSpPr>
@@ -1800,7 +2020,7 @@
     </p:spTree>
     <p:extLst>
       <p:ext uri="{BB962C8B-B14F-4D97-AF65-F5344CB8AC3E}">
-        <p14:creationId xmlns:p14="http://schemas.microsoft.com/office/powerpoint/2010/main" val="3659691915"/>
+        <p14:creationId xmlns:p14="http://schemas.microsoft.com/office/powerpoint/2010/main" val="23082763"/>
       </p:ext>
     </p:extLst>
   </p:cSld>
@@ -18211,7 +18431,7 @@
           <p:cNvPr id="2" name="Title 1">
             <a:extLst>
               <a:ext uri="{FF2B5EF4-FFF2-40B4-BE49-F238E27FC236}">
-                <a16:creationId xmlns:a16="http://schemas.microsoft.com/office/drawing/2014/main" xmlns="" id="{AE7ED732-9F48-46D0-9606-C01E66898756}"/>
+                <a16:creationId xmlns="" xmlns:a16="http://schemas.microsoft.com/office/drawing/2014/main" id="{AE7ED732-9F48-46D0-9606-C01E66898756}"/>
               </a:ext>
             </a:extLst>
           </p:cNvPr>
@@ -18736,7 +18956,7 @@
           <p:cNvPr id="3" name="Subtitle 2">
             <a:extLst>
               <a:ext uri="{FF2B5EF4-FFF2-40B4-BE49-F238E27FC236}">
-                <a16:creationId xmlns:a16="http://schemas.microsoft.com/office/drawing/2014/main" xmlns="" id="{4EDECE05-59F3-4F93-A209-A298C2F6D3A2}"/>
+                <a16:creationId xmlns="" xmlns:a16="http://schemas.microsoft.com/office/drawing/2014/main" id="{4EDECE05-59F3-4F93-A209-A298C2F6D3A2}"/>
               </a:ext>
             </a:extLst>
           </p:cNvPr>
@@ -19013,7 +19233,7 @@
           <p:cNvPr id="4" name="Title 1">
             <a:extLst>
               <a:ext uri="{FF2B5EF4-FFF2-40B4-BE49-F238E27FC236}">
-                <a16:creationId xmlns:a16="http://schemas.microsoft.com/office/drawing/2014/main" xmlns="" id="{AE7ED732-9F48-46D0-9606-C01E66898756}"/>
+                <a16:creationId xmlns="" xmlns:a16="http://schemas.microsoft.com/office/drawing/2014/main" id="{AE7ED732-9F48-46D0-9606-C01E66898756}"/>
               </a:ext>
             </a:extLst>
           </p:cNvPr>
@@ -19302,6 +19522,1494 @@
 </file>
 
 <file path=ppt/slides/slide10.xml><?xml version="1.0" encoding="utf-8"?>
+<p:sld xmlns:a="http://schemas.openxmlformats.org/drawingml/2006/main" xmlns:r="http://schemas.openxmlformats.org/officeDocument/2006/relationships" xmlns:p="http://schemas.openxmlformats.org/presentationml/2006/main">
+  <p:cSld>
+    <p:spTree>
+      <p:nvGrpSpPr>
+        <p:cNvPr id="1" name="Shape 1247"/>
+        <p:cNvGrpSpPr/>
+        <p:nvPr/>
+      </p:nvGrpSpPr>
+      <p:grpSpPr>
+        <a:xfrm>
+          <a:off x="0" y="0"/>
+          <a:ext cx="0" cy="0"/>
+          <a:chOff x="0" y="0"/>
+          <a:chExt cx="0" cy="0"/>
+        </a:xfrm>
+      </p:grpSpPr>
+      <p:sp>
+        <p:nvSpPr>
+          <p:cNvPr id="6" name="Google Shape;1318;p48"/>
+          <p:cNvSpPr txBox="1">
+            <a:spLocks/>
+          </p:cNvSpPr>
+          <p:nvPr/>
+        </p:nvSpPr>
+        <p:spPr>
+          <a:xfrm>
+            <a:off x="770427" y="135734"/>
+            <a:ext cx="7552041" cy="420542"/>
+          </a:xfrm>
+          <a:prstGeom prst="rect">
+            <a:avLst/>
+          </a:prstGeom>
+        </p:spPr>
+        <p:txBody>
+          <a:bodyPr spcFirstLastPara="1" wrap="square" lIns="91425" tIns="91425" rIns="91425" bIns="91425" anchor="ctr" anchorCtr="0">
+            <a:noAutofit/>
+          </a:bodyPr>
+          <a:lstStyle>
+            <a:defPPr marR="0" lvl="0" algn="l" rtl="0">
+              <a:lnSpc>
+                <a:spcPct val="100000"/>
+              </a:lnSpc>
+              <a:spcBef>
+                <a:spcPts val="0"/>
+              </a:spcBef>
+              <a:spcAft>
+                <a:spcPts val="0"/>
+              </a:spcAft>
+            </a:defPPr>
+            <a:lvl1pPr marR="0" lvl="0" algn="l" rtl="0">
+              <a:lnSpc>
+                <a:spcPct val="100000"/>
+              </a:lnSpc>
+              <a:spcBef>
+                <a:spcPts val="0"/>
+              </a:spcBef>
+              <a:spcAft>
+                <a:spcPts val="0"/>
+              </a:spcAft>
+              <a:buClr>
+                <a:srgbClr val="000000"/>
+              </a:buClr>
+              <a:buFont typeface="Arial"/>
+              <a:defRPr sz="1400" b="0" i="0" u="none" strike="noStrike" cap="none">
+                <a:solidFill>
+                  <a:srgbClr val="000000"/>
+                </a:solidFill>
+                <a:latin typeface="Arial"/>
+                <a:ea typeface="Arial"/>
+                <a:cs typeface="Arial"/>
+                <a:sym typeface="Arial"/>
+              </a:defRPr>
+            </a:lvl1pPr>
+            <a:lvl2pPr marR="0" lvl="1" algn="l" rtl="0">
+              <a:lnSpc>
+                <a:spcPct val="100000"/>
+              </a:lnSpc>
+              <a:spcBef>
+                <a:spcPts val="0"/>
+              </a:spcBef>
+              <a:spcAft>
+                <a:spcPts val="0"/>
+              </a:spcAft>
+              <a:buClr>
+                <a:srgbClr val="000000"/>
+              </a:buClr>
+              <a:buFont typeface="Arial"/>
+              <a:defRPr sz="1400" b="0" i="0" u="none" strike="noStrike" cap="none">
+                <a:solidFill>
+                  <a:srgbClr val="000000"/>
+                </a:solidFill>
+                <a:latin typeface="Arial"/>
+                <a:ea typeface="Arial"/>
+                <a:cs typeface="Arial"/>
+                <a:sym typeface="Arial"/>
+              </a:defRPr>
+            </a:lvl2pPr>
+            <a:lvl3pPr marR="0" lvl="2" algn="l" rtl="0">
+              <a:lnSpc>
+                <a:spcPct val="100000"/>
+              </a:lnSpc>
+              <a:spcBef>
+                <a:spcPts val="0"/>
+              </a:spcBef>
+              <a:spcAft>
+                <a:spcPts val="0"/>
+              </a:spcAft>
+              <a:buClr>
+                <a:srgbClr val="000000"/>
+              </a:buClr>
+              <a:buFont typeface="Arial"/>
+              <a:defRPr sz="1400" b="0" i="0" u="none" strike="noStrike" cap="none">
+                <a:solidFill>
+                  <a:srgbClr val="000000"/>
+                </a:solidFill>
+                <a:latin typeface="Arial"/>
+                <a:ea typeface="Arial"/>
+                <a:cs typeface="Arial"/>
+                <a:sym typeface="Arial"/>
+              </a:defRPr>
+            </a:lvl3pPr>
+            <a:lvl4pPr marR="0" lvl="3" algn="l" rtl="0">
+              <a:lnSpc>
+                <a:spcPct val="100000"/>
+              </a:lnSpc>
+              <a:spcBef>
+                <a:spcPts val="0"/>
+              </a:spcBef>
+              <a:spcAft>
+                <a:spcPts val="0"/>
+              </a:spcAft>
+              <a:buClr>
+                <a:srgbClr val="000000"/>
+              </a:buClr>
+              <a:buFont typeface="Arial"/>
+              <a:defRPr sz="1400" b="0" i="0" u="none" strike="noStrike" cap="none">
+                <a:solidFill>
+                  <a:srgbClr val="000000"/>
+                </a:solidFill>
+                <a:latin typeface="Arial"/>
+                <a:ea typeface="Arial"/>
+                <a:cs typeface="Arial"/>
+                <a:sym typeface="Arial"/>
+              </a:defRPr>
+            </a:lvl4pPr>
+            <a:lvl5pPr marR="0" lvl="4" algn="l" rtl="0">
+              <a:lnSpc>
+                <a:spcPct val="100000"/>
+              </a:lnSpc>
+              <a:spcBef>
+                <a:spcPts val="0"/>
+              </a:spcBef>
+              <a:spcAft>
+                <a:spcPts val="0"/>
+              </a:spcAft>
+              <a:buClr>
+                <a:srgbClr val="000000"/>
+              </a:buClr>
+              <a:buFont typeface="Arial"/>
+              <a:defRPr sz="1400" b="0" i="0" u="none" strike="noStrike" cap="none">
+                <a:solidFill>
+                  <a:srgbClr val="000000"/>
+                </a:solidFill>
+                <a:latin typeface="Arial"/>
+                <a:ea typeface="Arial"/>
+                <a:cs typeface="Arial"/>
+                <a:sym typeface="Arial"/>
+              </a:defRPr>
+            </a:lvl5pPr>
+            <a:lvl6pPr marR="0" lvl="5" algn="l" rtl="0">
+              <a:lnSpc>
+                <a:spcPct val="100000"/>
+              </a:lnSpc>
+              <a:spcBef>
+                <a:spcPts val="0"/>
+              </a:spcBef>
+              <a:spcAft>
+                <a:spcPts val="0"/>
+              </a:spcAft>
+              <a:buClr>
+                <a:srgbClr val="000000"/>
+              </a:buClr>
+              <a:buFont typeface="Arial"/>
+              <a:defRPr sz="1400" b="0" i="0" u="none" strike="noStrike" cap="none">
+                <a:solidFill>
+                  <a:srgbClr val="000000"/>
+                </a:solidFill>
+                <a:latin typeface="Arial"/>
+                <a:ea typeface="Arial"/>
+                <a:cs typeface="Arial"/>
+                <a:sym typeface="Arial"/>
+              </a:defRPr>
+            </a:lvl6pPr>
+            <a:lvl7pPr marR="0" lvl="6" algn="l" rtl="0">
+              <a:lnSpc>
+                <a:spcPct val="100000"/>
+              </a:lnSpc>
+              <a:spcBef>
+                <a:spcPts val="0"/>
+              </a:spcBef>
+              <a:spcAft>
+                <a:spcPts val="0"/>
+              </a:spcAft>
+              <a:buClr>
+                <a:srgbClr val="000000"/>
+              </a:buClr>
+              <a:buFont typeface="Arial"/>
+              <a:defRPr sz="1400" b="0" i="0" u="none" strike="noStrike" cap="none">
+                <a:solidFill>
+                  <a:srgbClr val="000000"/>
+                </a:solidFill>
+                <a:latin typeface="Arial"/>
+                <a:ea typeface="Arial"/>
+                <a:cs typeface="Arial"/>
+                <a:sym typeface="Arial"/>
+              </a:defRPr>
+            </a:lvl7pPr>
+            <a:lvl8pPr marR="0" lvl="7" algn="l" rtl="0">
+              <a:lnSpc>
+                <a:spcPct val="100000"/>
+              </a:lnSpc>
+              <a:spcBef>
+                <a:spcPts val="0"/>
+              </a:spcBef>
+              <a:spcAft>
+                <a:spcPts val="0"/>
+              </a:spcAft>
+              <a:buClr>
+                <a:srgbClr val="000000"/>
+              </a:buClr>
+              <a:buFont typeface="Arial"/>
+              <a:defRPr sz="1400" b="0" i="0" u="none" strike="noStrike" cap="none">
+                <a:solidFill>
+                  <a:srgbClr val="000000"/>
+                </a:solidFill>
+                <a:latin typeface="Arial"/>
+                <a:ea typeface="Arial"/>
+                <a:cs typeface="Arial"/>
+                <a:sym typeface="Arial"/>
+              </a:defRPr>
+            </a:lvl8pPr>
+            <a:lvl9pPr marR="0" lvl="8" algn="l" rtl="0">
+              <a:lnSpc>
+                <a:spcPct val="100000"/>
+              </a:lnSpc>
+              <a:spcBef>
+                <a:spcPts val="0"/>
+              </a:spcBef>
+              <a:spcAft>
+                <a:spcPts val="0"/>
+              </a:spcAft>
+              <a:buClr>
+                <a:srgbClr val="000000"/>
+              </a:buClr>
+              <a:buFont typeface="Arial"/>
+              <a:defRPr sz="1400" b="0" i="0" u="none" strike="noStrike" cap="none">
+                <a:solidFill>
+                  <a:srgbClr val="000000"/>
+                </a:solidFill>
+                <a:latin typeface="Arial"/>
+                <a:ea typeface="Arial"/>
+                <a:cs typeface="Arial"/>
+                <a:sym typeface="Arial"/>
+              </a:defRPr>
+            </a:lvl9pPr>
+          </a:lstStyle>
+          <a:p>
+            <a:r>
+              <a:rPr lang="en-US" sz="3200" dirty="0" smtClean="0">
+                <a:solidFill>
+                  <a:schemeClr val="tx1"/>
+                </a:solidFill>
+                <a:latin typeface="Times New Roman" panose="02020603050405020304" pitchFamily="18" charset="0"/>
+                <a:cs typeface="Times New Roman" panose="02020603050405020304" pitchFamily="18" charset="0"/>
+              </a:rPr>
+              <a:t>1.4 Database:</a:t>
+            </a:r>
+          </a:p>
+        </p:txBody>
+      </p:sp>
+      <p:pic>
+        <p:nvPicPr>
+          <p:cNvPr id="7" name="Picture 6"/>
+          <p:cNvPicPr>
+            <a:picLocks noChangeAspect="1"/>
+          </p:cNvPicPr>
+          <p:nvPr/>
+        </p:nvPicPr>
+        <p:blipFill>
+          <a:blip r:embed="rId3"/>
+          <a:stretch>
+            <a:fillRect/>
+          </a:stretch>
+        </p:blipFill>
+        <p:spPr>
+          <a:xfrm>
+            <a:off x="2338480" y="663432"/>
+            <a:ext cx="6498339" cy="4392582"/>
+          </a:xfrm>
+          <a:prstGeom prst="rect">
+            <a:avLst/>
+          </a:prstGeom>
+        </p:spPr>
+      </p:pic>
+      <p:sp>
+        <p:nvSpPr>
+          <p:cNvPr id="8" name="Google Shape;1318;p48"/>
+          <p:cNvSpPr txBox="1">
+            <a:spLocks/>
+          </p:cNvSpPr>
+          <p:nvPr/>
+        </p:nvSpPr>
+        <p:spPr>
+          <a:xfrm>
+            <a:off x="59624" y="1404578"/>
+            <a:ext cx="2119220" cy="3000373"/>
+          </a:xfrm>
+          <a:prstGeom prst="rect">
+            <a:avLst/>
+          </a:prstGeom>
+        </p:spPr>
+        <p:txBody>
+          <a:bodyPr spcFirstLastPara="1" wrap="square" lIns="91425" tIns="91425" rIns="91425" bIns="91425" anchor="ctr" anchorCtr="0">
+            <a:noAutofit/>
+          </a:bodyPr>
+          <a:lstStyle>
+            <a:defPPr marR="0" lvl="0" algn="l" rtl="0">
+              <a:lnSpc>
+                <a:spcPct val="100000"/>
+              </a:lnSpc>
+              <a:spcBef>
+                <a:spcPts val="0"/>
+              </a:spcBef>
+              <a:spcAft>
+                <a:spcPts val="0"/>
+              </a:spcAft>
+            </a:defPPr>
+            <a:lvl1pPr marR="0" lvl="0" algn="l" rtl="0">
+              <a:lnSpc>
+                <a:spcPct val="100000"/>
+              </a:lnSpc>
+              <a:spcBef>
+                <a:spcPts val="0"/>
+              </a:spcBef>
+              <a:spcAft>
+                <a:spcPts val="0"/>
+              </a:spcAft>
+              <a:buClr>
+                <a:srgbClr val="000000"/>
+              </a:buClr>
+              <a:buFont typeface="Arial"/>
+              <a:defRPr sz="1400" b="0" i="0" u="none" strike="noStrike" cap="none">
+                <a:solidFill>
+                  <a:srgbClr val="000000"/>
+                </a:solidFill>
+                <a:latin typeface="Arial"/>
+                <a:ea typeface="Arial"/>
+                <a:cs typeface="Arial"/>
+                <a:sym typeface="Arial"/>
+              </a:defRPr>
+            </a:lvl1pPr>
+            <a:lvl2pPr marR="0" lvl="1" algn="l" rtl="0">
+              <a:lnSpc>
+                <a:spcPct val="100000"/>
+              </a:lnSpc>
+              <a:spcBef>
+                <a:spcPts val="0"/>
+              </a:spcBef>
+              <a:spcAft>
+                <a:spcPts val="0"/>
+              </a:spcAft>
+              <a:buClr>
+                <a:srgbClr val="000000"/>
+              </a:buClr>
+              <a:buFont typeface="Arial"/>
+              <a:defRPr sz="1400" b="0" i="0" u="none" strike="noStrike" cap="none">
+                <a:solidFill>
+                  <a:srgbClr val="000000"/>
+                </a:solidFill>
+                <a:latin typeface="Arial"/>
+                <a:ea typeface="Arial"/>
+                <a:cs typeface="Arial"/>
+                <a:sym typeface="Arial"/>
+              </a:defRPr>
+            </a:lvl2pPr>
+            <a:lvl3pPr marR="0" lvl="2" algn="l" rtl="0">
+              <a:lnSpc>
+                <a:spcPct val="100000"/>
+              </a:lnSpc>
+              <a:spcBef>
+                <a:spcPts val="0"/>
+              </a:spcBef>
+              <a:spcAft>
+                <a:spcPts val="0"/>
+              </a:spcAft>
+              <a:buClr>
+                <a:srgbClr val="000000"/>
+              </a:buClr>
+              <a:buFont typeface="Arial"/>
+              <a:defRPr sz="1400" b="0" i="0" u="none" strike="noStrike" cap="none">
+                <a:solidFill>
+                  <a:srgbClr val="000000"/>
+                </a:solidFill>
+                <a:latin typeface="Arial"/>
+                <a:ea typeface="Arial"/>
+                <a:cs typeface="Arial"/>
+                <a:sym typeface="Arial"/>
+              </a:defRPr>
+            </a:lvl3pPr>
+            <a:lvl4pPr marR="0" lvl="3" algn="l" rtl="0">
+              <a:lnSpc>
+                <a:spcPct val="100000"/>
+              </a:lnSpc>
+              <a:spcBef>
+                <a:spcPts val="0"/>
+              </a:spcBef>
+              <a:spcAft>
+                <a:spcPts val="0"/>
+              </a:spcAft>
+              <a:buClr>
+                <a:srgbClr val="000000"/>
+              </a:buClr>
+              <a:buFont typeface="Arial"/>
+              <a:defRPr sz="1400" b="0" i="0" u="none" strike="noStrike" cap="none">
+                <a:solidFill>
+                  <a:srgbClr val="000000"/>
+                </a:solidFill>
+                <a:latin typeface="Arial"/>
+                <a:ea typeface="Arial"/>
+                <a:cs typeface="Arial"/>
+                <a:sym typeface="Arial"/>
+              </a:defRPr>
+            </a:lvl4pPr>
+            <a:lvl5pPr marR="0" lvl="4" algn="l" rtl="0">
+              <a:lnSpc>
+                <a:spcPct val="100000"/>
+              </a:lnSpc>
+              <a:spcBef>
+                <a:spcPts val="0"/>
+              </a:spcBef>
+              <a:spcAft>
+                <a:spcPts val="0"/>
+              </a:spcAft>
+              <a:buClr>
+                <a:srgbClr val="000000"/>
+              </a:buClr>
+              <a:buFont typeface="Arial"/>
+              <a:defRPr sz="1400" b="0" i="0" u="none" strike="noStrike" cap="none">
+                <a:solidFill>
+                  <a:srgbClr val="000000"/>
+                </a:solidFill>
+                <a:latin typeface="Arial"/>
+                <a:ea typeface="Arial"/>
+                <a:cs typeface="Arial"/>
+                <a:sym typeface="Arial"/>
+              </a:defRPr>
+            </a:lvl5pPr>
+            <a:lvl6pPr marR="0" lvl="5" algn="l" rtl="0">
+              <a:lnSpc>
+                <a:spcPct val="100000"/>
+              </a:lnSpc>
+              <a:spcBef>
+                <a:spcPts val="0"/>
+              </a:spcBef>
+              <a:spcAft>
+                <a:spcPts val="0"/>
+              </a:spcAft>
+              <a:buClr>
+                <a:srgbClr val="000000"/>
+              </a:buClr>
+              <a:buFont typeface="Arial"/>
+              <a:defRPr sz="1400" b="0" i="0" u="none" strike="noStrike" cap="none">
+                <a:solidFill>
+                  <a:srgbClr val="000000"/>
+                </a:solidFill>
+                <a:latin typeface="Arial"/>
+                <a:ea typeface="Arial"/>
+                <a:cs typeface="Arial"/>
+                <a:sym typeface="Arial"/>
+              </a:defRPr>
+            </a:lvl6pPr>
+            <a:lvl7pPr marR="0" lvl="6" algn="l" rtl="0">
+              <a:lnSpc>
+                <a:spcPct val="100000"/>
+              </a:lnSpc>
+              <a:spcBef>
+                <a:spcPts val="0"/>
+              </a:spcBef>
+              <a:spcAft>
+                <a:spcPts val="0"/>
+              </a:spcAft>
+              <a:buClr>
+                <a:srgbClr val="000000"/>
+              </a:buClr>
+              <a:buFont typeface="Arial"/>
+              <a:defRPr sz="1400" b="0" i="0" u="none" strike="noStrike" cap="none">
+                <a:solidFill>
+                  <a:srgbClr val="000000"/>
+                </a:solidFill>
+                <a:latin typeface="Arial"/>
+                <a:ea typeface="Arial"/>
+                <a:cs typeface="Arial"/>
+                <a:sym typeface="Arial"/>
+              </a:defRPr>
+            </a:lvl7pPr>
+            <a:lvl8pPr marR="0" lvl="7" algn="l" rtl="0">
+              <a:lnSpc>
+                <a:spcPct val="100000"/>
+              </a:lnSpc>
+              <a:spcBef>
+                <a:spcPts val="0"/>
+              </a:spcBef>
+              <a:spcAft>
+                <a:spcPts val="0"/>
+              </a:spcAft>
+              <a:buClr>
+                <a:srgbClr val="000000"/>
+              </a:buClr>
+              <a:buFont typeface="Arial"/>
+              <a:defRPr sz="1400" b="0" i="0" u="none" strike="noStrike" cap="none">
+                <a:solidFill>
+                  <a:srgbClr val="000000"/>
+                </a:solidFill>
+                <a:latin typeface="Arial"/>
+                <a:ea typeface="Arial"/>
+                <a:cs typeface="Arial"/>
+                <a:sym typeface="Arial"/>
+              </a:defRPr>
+            </a:lvl8pPr>
+            <a:lvl9pPr marR="0" lvl="8" algn="l" rtl="0">
+              <a:lnSpc>
+                <a:spcPct val="100000"/>
+              </a:lnSpc>
+              <a:spcBef>
+                <a:spcPts val="0"/>
+              </a:spcBef>
+              <a:spcAft>
+                <a:spcPts val="0"/>
+              </a:spcAft>
+              <a:buClr>
+                <a:srgbClr val="000000"/>
+              </a:buClr>
+              <a:buFont typeface="Arial"/>
+              <a:defRPr sz="1400" b="0" i="0" u="none" strike="noStrike" cap="none">
+                <a:solidFill>
+                  <a:srgbClr val="000000"/>
+                </a:solidFill>
+                <a:latin typeface="Arial"/>
+                <a:ea typeface="Arial"/>
+                <a:cs typeface="Arial"/>
+                <a:sym typeface="Arial"/>
+              </a:defRPr>
+            </a:lvl9pPr>
+          </a:lstStyle>
+          <a:p>
+            <a:r>
+              <a:rPr lang="en-US" sz="2400" dirty="0" err="1" smtClean="0">
+                <a:solidFill>
+                  <a:schemeClr val="tx1"/>
+                </a:solidFill>
+                <a:latin typeface="Times New Roman" panose="02020603050405020304" pitchFamily="18" charset="0"/>
+                <a:cs typeface="Times New Roman" panose="02020603050405020304" pitchFamily="18" charset="0"/>
+              </a:rPr>
+              <a:t>Dựa</a:t>
+            </a:r>
+            <a:r>
+              <a:rPr lang="en-US" sz="2400" dirty="0" smtClean="0">
+                <a:solidFill>
+                  <a:schemeClr val="tx1"/>
+                </a:solidFill>
+                <a:latin typeface="Times New Roman" panose="02020603050405020304" pitchFamily="18" charset="0"/>
+                <a:cs typeface="Times New Roman" panose="02020603050405020304" pitchFamily="18" charset="0"/>
+              </a:rPr>
+              <a:t> </a:t>
+            </a:r>
+            <a:r>
+              <a:rPr lang="en-US" sz="2400" dirty="0" err="1" smtClean="0">
+                <a:solidFill>
+                  <a:schemeClr val="tx1"/>
+                </a:solidFill>
+                <a:latin typeface="Times New Roman" panose="02020603050405020304" pitchFamily="18" charset="0"/>
+                <a:cs typeface="Times New Roman" panose="02020603050405020304" pitchFamily="18" charset="0"/>
+              </a:rPr>
+              <a:t>vào</a:t>
+            </a:r>
+            <a:r>
+              <a:rPr lang="en-US" sz="2400" dirty="0" smtClean="0">
+                <a:solidFill>
+                  <a:schemeClr val="tx1"/>
+                </a:solidFill>
+                <a:latin typeface="Times New Roman" panose="02020603050405020304" pitchFamily="18" charset="0"/>
+                <a:cs typeface="Times New Roman" panose="02020603050405020304" pitchFamily="18" charset="0"/>
+              </a:rPr>
+              <a:t> data crawl </a:t>
+            </a:r>
+            <a:r>
+              <a:rPr lang="en-US" sz="2400" dirty="0" err="1" smtClean="0">
+                <a:solidFill>
+                  <a:schemeClr val="tx1"/>
+                </a:solidFill>
+                <a:latin typeface="Times New Roman" panose="02020603050405020304" pitchFamily="18" charset="0"/>
+                <a:cs typeface="Times New Roman" panose="02020603050405020304" pitchFamily="18" charset="0"/>
+              </a:rPr>
+              <a:t>được</a:t>
+            </a:r>
+            <a:r>
+              <a:rPr lang="en-US" sz="2400" dirty="0" smtClean="0">
+                <a:solidFill>
+                  <a:schemeClr val="tx1"/>
+                </a:solidFill>
+                <a:latin typeface="Times New Roman" panose="02020603050405020304" pitchFamily="18" charset="0"/>
+                <a:cs typeface="Times New Roman" panose="02020603050405020304" pitchFamily="18" charset="0"/>
+              </a:rPr>
+              <a:t> </a:t>
+            </a:r>
+            <a:r>
+              <a:rPr lang="en-US" sz="2400" dirty="0" err="1" smtClean="0">
+                <a:solidFill>
+                  <a:schemeClr val="tx1"/>
+                </a:solidFill>
+                <a:latin typeface="Times New Roman" panose="02020603050405020304" pitchFamily="18" charset="0"/>
+                <a:cs typeface="Times New Roman" panose="02020603050405020304" pitchFamily="18" charset="0"/>
+              </a:rPr>
+              <a:t>trong</a:t>
+            </a:r>
+            <a:r>
+              <a:rPr lang="en-US" sz="2400" dirty="0" smtClean="0">
+                <a:solidFill>
+                  <a:schemeClr val="tx1"/>
+                </a:solidFill>
+                <a:latin typeface="Times New Roman" panose="02020603050405020304" pitchFamily="18" charset="0"/>
+                <a:cs typeface="Times New Roman" panose="02020603050405020304" pitchFamily="18" charset="0"/>
+              </a:rPr>
+              <a:t> file </a:t>
+            </a:r>
+            <a:r>
+              <a:rPr lang="en-US" sz="2400" dirty="0" err="1" smtClean="0">
+                <a:solidFill>
+                  <a:schemeClr val="tx1"/>
+                </a:solidFill>
+                <a:latin typeface="Times New Roman" panose="02020603050405020304" pitchFamily="18" charset="0"/>
+                <a:cs typeface="Times New Roman" panose="02020603050405020304" pitchFamily="18" charset="0"/>
+              </a:rPr>
+              <a:t>csv</a:t>
+            </a:r>
+            <a:r>
+              <a:rPr lang="en-US" sz="2400" dirty="0" smtClean="0">
+                <a:solidFill>
+                  <a:schemeClr val="tx1"/>
+                </a:solidFill>
+                <a:latin typeface="Times New Roman" panose="02020603050405020304" pitchFamily="18" charset="0"/>
+                <a:cs typeface="Times New Roman" panose="02020603050405020304" pitchFamily="18" charset="0"/>
+              </a:rPr>
+              <a:t>, ta </a:t>
+            </a:r>
+            <a:r>
+              <a:rPr lang="en-US" sz="2400" dirty="0" err="1" smtClean="0">
+                <a:solidFill>
+                  <a:schemeClr val="tx1"/>
+                </a:solidFill>
+                <a:latin typeface="Times New Roman" panose="02020603050405020304" pitchFamily="18" charset="0"/>
+                <a:cs typeface="Times New Roman" panose="02020603050405020304" pitchFamily="18" charset="0"/>
+              </a:rPr>
+              <a:t>thực</a:t>
+            </a:r>
+            <a:r>
+              <a:rPr lang="en-US" sz="2400" dirty="0" smtClean="0">
+                <a:solidFill>
+                  <a:schemeClr val="tx1"/>
+                </a:solidFill>
+                <a:latin typeface="Times New Roman" panose="02020603050405020304" pitchFamily="18" charset="0"/>
+                <a:cs typeface="Times New Roman" panose="02020603050405020304" pitchFamily="18" charset="0"/>
+              </a:rPr>
+              <a:t> </a:t>
+            </a:r>
+            <a:r>
+              <a:rPr lang="en-US" sz="2400" dirty="0" err="1" smtClean="0">
+                <a:solidFill>
+                  <a:schemeClr val="tx1"/>
+                </a:solidFill>
+                <a:latin typeface="Times New Roman" panose="02020603050405020304" pitchFamily="18" charset="0"/>
+                <a:cs typeface="Times New Roman" panose="02020603050405020304" pitchFamily="18" charset="0"/>
+              </a:rPr>
+              <a:t>hiện</a:t>
+            </a:r>
+            <a:r>
+              <a:rPr lang="en-US" sz="2400" dirty="0" smtClean="0">
+                <a:solidFill>
+                  <a:schemeClr val="tx1"/>
+                </a:solidFill>
+                <a:latin typeface="Times New Roman" panose="02020603050405020304" pitchFamily="18" charset="0"/>
+                <a:cs typeface="Times New Roman" panose="02020603050405020304" pitchFamily="18" charset="0"/>
+              </a:rPr>
+              <a:t> </a:t>
+            </a:r>
+            <a:r>
+              <a:rPr lang="en-US" sz="2400" dirty="0" err="1" smtClean="0">
+                <a:solidFill>
+                  <a:schemeClr val="tx1"/>
+                </a:solidFill>
+                <a:latin typeface="Times New Roman" panose="02020603050405020304" pitchFamily="18" charset="0"/>
+                <a:cs typeface="Times New Roman" panose="02020603050405020304" pitchFamily="18" charset="0"/>
+              </a:rPr>
+              <a:t>tính</a:t>
+            </a:r>
+            <a:r>
+              <a:rPr lang="en-US" sz="2400" dirty="0" smtClean="0">
+                <a:solidFill>
+                  <a:schemeClr val="tx1"/>
+                </a:solidFill>
+                <a:latin typeface="Times New Roman" panose="02020603050405020304" pitchFamily="18" charset="0"/>
+                <a:cs typeface="Times New Roman" panose="02020603050405020304" pitchFamily="18" charset="0"/>
+              </a:rPr>
+              <a:t> </a:t>
+            </a:r>
+            <a:r>
+              <a:rPr lang="en-US" sz="2400" dirty="0" err="1" smtClean="0">
+                <a:solidFill>
+                  <a:schemeClr val="tx1"/>
+                </a:solidFill>
+                <a:latin typeface="Times New Roman" panose="02020603050405020304" pitchFamily="18" charset="0"/>
+                <a:cs typeface="Times New Roman" panose="02020603050405020304" pitchFamily="18" charset="0"/>
+              </a:rPr>
+              <a:t>toán</a:t>
+            </a:r>
+            <a:r>
+              <a:rPr lang="en-US" sz="2400" dirty="0">
+                <a:solidFill>
+                  <a:schemeClr val="tx1"/>
+                </a:solidFill>
+                <a:latin typeface="Times New Roman" panose="02020603050405020304" pitchFamily="18" charset="0"/>
+                <a:cs typeface="Times New Roman" panose="02020603050405020304" pitchFamily="18" charset="0"/>
+              </a:rPr>
+              <a:t>/</a:t>
+            </a:r>
+            <a:r>
+              <a:rPr lang="en-US" sz="2400" dirty="0" err="1" smtClean="0">
+                <a:solidFill>
+                  <a:schemeClr val="tx1"/>
+                </a:solidFill>
+                <a:latin typeface="Times New Roman" panose="02020603050405020304" pitchFamily="18" charset="0"/>
+                <a:cs typeface="Times New Roman" panose="02020603050405020304" pitchFamily="18" charset="0"/>
+              </a:rPr>
+              <a:t>biến</a:t>
+            </a:r>
+            <a:r>
+              <a:rPr lang="en-US" sz="2400" dirty="0" smtClean="0">
+                <a:solidFill>
+                  <a:schemeClr val="tx1"/>
+                </a:solidFill>
+                <a:latin typeface="Times New Roman" panose="02020603050405020304" pitchFamily="18" charset="0"/>
+                <a:cs typeface="Times New Roman" panose="02020603050405020304" pitchFamily="18" charset="0"/>
+              </a:rPr>
+              <a:t> </a:t>
+            </a:r>
+            <a:r>
+              <a:rPr lang="en-US" sz="2400" dirty="0" err="1" smtClean="0">
+                <a:solidFill>
+                  <a:schemeClr val="tx1"/>
+                </a:solidFill>
+                <a:latin typeface="Times New Roman" panose="02020603050405020304" pitchFamily="18" charset="0"/>
+                <a:cs typeface="Times New Roman" panose="02020603050405020304" pitchFamily="18" charset="0"/>
+              </a:rPr>
+              <a:t>đổi</a:t>
+            </a:r>
+            <a:r>
+              <a:rPr lang="en-US" sz="2400" dirty="0" smtClean="0">
+                <a:solidFill>
+                  <a:schemeClr val="tx1"/>
+                </a:solidFill>
+                <a:latin typeface="Times New Roman" panose="02020603050405020304" pitchFamily="18" charset="0"/>
+                <a:cs typeface="Times New Roman" panose="02020603050405020304" pitchFamily="18" charset="0"/>
+              </a:rPr>
+              <a:t> </a:t>
+            </a:r>
+            <a:r>
+              <a:rPr lang="en-US" sz="2400" dirty="0" err="1" smtClean="0">
+                <a:solidFill>
+                  <a:schemeClr val="tx1"/>
+                </a:solidFill>
+                <a:latin typeface="Times New Roman" panose="02020603050405020304" pitchFamily="18" charset="0"/>
+                <a:cs typeface="Times New Roman" panose="02020603050405020304" pitchFamily="18" charset="0"/>
+              </a:rPr>
+              <a:t>và</a:t>
+            </a:r>
+            <a:r>
+              <a:rPr lang="en-US" sz="2400" dirty="0" smtClean="0">
+                <a:solidFill>
+                  <a:schemeClr val="tx1"/>
+                </a:solidFill>
+                <a:latin typeface="Times New Roman" panose="02020603050405020304" pitchFamily="18" charset="0"/>
+                <a:cs typeface="Times New Roman" panose="02020603050405020304" pitchFamily="18" charset="0"/>
+              </a:rPr>
+              <a:t> </a:t>
+            </a:r>
+            <a:r>
+              <a:rPr lang="en-US" sz="2400" dirty="0" err="1" smtClean="0">
+                <a:solidFill>
+                  <a:schemeClr val="tx1"/>
+                </a:solidFill>
+                <a:latin typeface="Times New Roman" panose="02020603050405020304" pitchFamily="18" charset="0"/>
+                <a:cs typeface="Times New Roman" panose="02020603050405020304" pitchFamily="18" charset="0"/>
+              </a:rPr>
+              <a:t>lưu</a:t>
+            </a:r>
+            <a:r>
+              <a:rPr lang="en-US" sz="2400" dirty="0" smtClean="0">
+                <a:solidFill>
+                  <a:schemeClr val="tx1"/>
+                </a:solidFill>
+                <a:latin typeface="Times New Roman" panose="02020603050405020304" pitchFamily="18" charset="0"/>
+                <a:cs typeface="Times New Roman" panose="02020603050405020304" pitchFamily="18" charset="0"/>
+              </a:rPr>
+              <a:t> </a:t>
+            </a:r>
+            <a:r>
+              <a:rPr lang="en-US" sz="2400" dirty="0" err="1" smtClean="0">
+                <a:solidFill>
+                  <a:schemeClr val="tx1"/>
+                </a:solidFill>
+                <a:latin typeface="Times New Roman" panose="02020603050405020304" pitchFamily="18" charset="0"/>
+                <a:cs typeface="Times New Roman" panose="02020603050405020304" pitchFamily="18" charset="0"/>
+              </a:rPr>
+              <a:t>vào</a:t>
+            </a:r>
+            <a:r>
+              <a:rPr lang="en-US" sz="2400" dirty="0" smtClean="0">
+                <a:solidFill>
+                  <a:schemeClr val="tx1"/>
+                </a:solidFill>
+                <a:latin typeface="Times New Roman" panose="02020603050405020304" pitchFamily="18" charset="0"/>
+                <a:cs typeface="Times New Roman" panose="02020603050405020304" pitchFamily="18" charset="0"/>
+              </a:rPr>
+              <a:t> database </a:t>
+            </a:r>
+            <a:r>
+              <a:rPr lang="en-US" sz="2400" dirty="0" err="1" smtClean="0">
+                <a:solidFill>
+                  <a:schemeClr val="tx1"/>
+                </a:solidFill>
+                <a:latin typeface="Times New Roman" panose="02020603050405020304" pitchFamily="18" charset="0"/>
+                <a:cs typeface="Times New Roman" panose="02020603050405020304" pitchFamily="18" charset="0"/>
+              </a:rPr>
+              <a:t>như</a:t>
+            </a:r>
+            <a:r>
+              <a:rPr lang="en-US" sz="2400" dirty="0" smtClean="0">
+                <a:solidFill>
+                  <a:schemeClr val="tx1"/>
+                </a:solidFill>
+                <a:latin typeface="Times New Roman" panose="02020603050405020304" pitchFamily="18" charset="0"/>
+                <a:cs typeface="Times New Roman" panose="02020603050405020304" pitchFamily="18" charset="0"/>
+              </a:rPr>
+              <a:t> </a:t>
+            </a:r>
+            <a:r>
+              <a:rPr lang="en-US" sz="2400" dirty="0" err="1" smtClean="0">
+                <a:solidFill>
+                  <a:schemeClr val="tx1"/>
+                </a:solidFill>
+                <a:latin typeface="Times New Roman" panose="02020603050405020304" pitchFamily="18" charset="0"/>
+                <a:cs typeface="Times New Roman" panose="02020603050405020304" pitchFamily="18" charset="0"/>
+              </a:rPr>
+              <a:t>sau</a:t>
+            </a:r>
+            <a:r>
+              <a:rPr lang="en-US" sz="2400" dirty="0" smtClean="0">
+                <a:solidFill>
+                  <a:schemeClr val="tx1"/>
+                </a:solidFill>
+                <a:latin typeface="Times New Roman" panose="02020603050405020304" pitchFamily="18" charset="0"/>
+                <a:cs typeface="Times New Roman" panose="02020603050405020304" pitchFamily="18" charset="0"/>
+              </a:rPr>
+              <a:t>:</a:t>
+            </a:r>
+          </a:p>
+        </p:txBody>
+      </p:sp>
+    </p:spTree>
+    <p:extLst>
+      <p:ext uri="{BB962C8B-B14F-4D97-AF65-F5344CB8AC3E}">
+        <p14:creationId xmlns:p14="http://schemas.microsoft.com/office/powerpoint/2010/main" val="2590577840"/>
+      </p:ext>
+    </p:extLst>
+  </p:cSld>
+  <p:clrMapOvr>
+    <a:masterClrMapping/>
+  </p:clrMapOvr>
+</p:sld>
+</file>
+
+<file path=ppt/slides/slide11.xml><?xml version="1.0" encoding="utf-8"?>
+<p:sld xmlns:a="http://schemas.openxmlformats.org/drawingml/2006/main" xmlns:r="http://schemas.openxmlformats.org/officeDocument/2006/relationships" xmlns:p="http://schemas.openxmlformats.org/presentationml/2006/main">
+  <p:cSld>
+    <p:spTree>
+      <p:nvGrpSpPr>
+        <p:cNvPr id="1" name="Shape 1121"/>
+        <p:cNvGrpSpPr/>
+        <p:nvPr/>
+      </p:nvGrpSpPr>
+      <p:grpSpPr>
+        <a:xfrm>
+          <a:off x="0" y="0"/>
+          <a:ext cx="0" cy="0"/>
+          <a:chOff x="0" y="0"/>
+          <a:chExt cx="0" cy="0"/>
+        </a:xfrm>
+      </p:grpSpPr>
+      <p:sp>
+        <p:nvSpPr>
+          <p:cNvPr id="23" name="Google Shape;1318;p48"/>
+          <p:cNvSpPr txBox="1">
+            <a:spLocks/>
+          </p:cNvSpPr>
+          <p:nvPr/>
+        </p:nvSpPr>
+        <p:spPr>
+          <a:xfrm>
+            <a:off x="348946" y="1042991"/>
+            <a:ext cx="7552041" cy="921540"/>
+          </a:xfrm>
+          <a:prstGeom prst="rect">
+            <a:avLst/>
+          </a:prstGeom>
+        </p:spPr>
+        <p:txBody>
+          <a:bodyPr spcFirstLastPara="1" wrap="square" lIns="91425" tIns="91425" rIns="91425" bIns="91425" anchor="ctr" anchorCtr="0">
+            <a:noAutofit/>
+          </a:bodyPr>
+          <a:lstStyle>
+            <a:defPPr marR="0" lvl="0" algn="l" rtl="0">
+              <a:lnSpc>
+                <a:spcPct val="100000"/>
+              </a:lnSpc>
+              <a:spcBef>
+                <a:spcPts val="0"/>
+              </a:spcBef>
+              <a:spcAft>
+                <a:spcPts val="0"/>
+              </a:spcAft>
+            </a:defPPr>
+            <a:lvl1pPr marR="0" lvl="0" algn="l" rtl="0">
+              <a:lnSpc>
+                <a:spcPct val="100000"/>
+              </a:lnSpc>
+              <a:spcBef>
+                <a:spcPts val="0"/>
+              </a:spcBef>
+              <a:spcAft>
+                <a:spcPts val="0"/>
+              </a:spcAft>
+              <a:buClr>
+                <a:srgbClr val="000000"/>
+              </a:buClr>
+              <a:buFont typeface="Arial"/>
+              <a:defRPr sz="1400" b="0" i="0" u="none" strike="noStrike" cap="none">
+                <a:solidFill>
+                  <a:srgbClr val="000000"/>
+                </a:solidFill>
+                <a:latin typeface="Arial"/>
+                <a:ea typeface="Arial"/>
+                <a:cs typeface="Arial"/>
+                <a:sym typeface="Arial"/>
+              </a:defRPr>
+            </a:lvl1pPr>
+            <a:lvl2pPr marR="0" lvl="1" algn="l" rtl="0">
+              <a:lnSpc>
+                <a:spcPct val="100000"/>
+              </a:lnSpc>
+              <a:spcBef>
+                <a:spcPts val="0"/>
+              </a:spcBef>
+              <a:spcAft>
+                <a:spcPts val="0"/>
+              </a:spcAft>
+              <a:buClr>
+                <a:srgbClr val="000000"/>
+              </a:buClr>
+              <a:buFont typeface="Arial"/>
+              <a:defRPr sz="1400" b="0" i="0" u="none" strike="noStrike" cap="none">
+                <a:solidFill>
+                  <a:srgbClr val="000000"/>
+                </a:solidFill>
+                <a:latin typeface="Arial"/>
+                <a:ea typeface="Arial"/>
+                <a:cs typeface="Arial"/>
+                <a:sym typeface="Arial"/>
+              </a:defRPr>
+            </a:lvl2pPr>
+            <a:lvl3pPr marR="0" lvl="2" algn="l" rtl="0">
+              <a:lnSpc>
+                <a:spcPct val="100000"/>
+              </a:lnSpc>
+              <a:spcBef>
+                <a:spcPts val="0"/>
+              </a:spcBef>
+              <a:spcAft>
+                <a:spcPts val="0"/>
+              </a:spcAft>
+              <a:buClr>
+                <a:srgbClr val="000000"/>
+              </a:buClr>
+              <a:buFont typeface="Arial"/>
+              <a:defRPr sz="1400" b="0" i="0" u="none" strike="noStrike" cap="none">
+                <a:solidFill>
+                  <a:srgbClr val="000000"/>
+                </a:solidFill>
+                <a:latin typeface="Arial"/>
+                <a:ea typeface="Arial"/>
+                <a:cs typeface="Arial"/>
+                <a:sym typeface="Arial"/>
+              </a:defRPr>
+            </a:lvl3pPr>
+            <a:lvl4pPr marR="0" lvl="3" algn="l" rtl="0">
+              <a:lnSpc>
+                <a:spcPct val="100000"/>
+              </a:lnSpc>
+              <a:spcBef>
+                <a:spcPts val="0"/>
+              </a:spcBef>
+              <a:spcAft>
+                <a:spcPts val="0"/>
+              </a:spcAft>
+              <a:buClr>
+                <a:srgbClr val="000000"/>
+              </a:buClr>
+              <a:buFont typeface="Arial"/>
+              <a:defRPr sz="1400" b="0" i="0" u="none" strike="noStrike" cap="none">
+                <a:solidFill>
+                  <a:srgbClr val="000000"/>
+                </a:solidFill>
+                <a:latin typeface="Arial"/>
+                <a:ea typeface="Arial"/>
+                <a:cs typeface="Arial"/>
+                <a:sym typeface="Arial"/>
+              </a:defRPr>
+            </a:lvl4pPr>
+            <a:lvl5pPr marR="0" lvl="4" algn="l" rtl="0">
+              <a:lnSpc>
+                <a:spcPct val="100000"/>
+              </a:lnSpc>
+              <a:spcBef>
+                <a:spcPts val="0"/>
+              </a:spcBef>
+              <a:spcAft>
+                <a:spcPts val="0"/>
+              </a:spcAft>
+              <a:buClr>
+                <a:srgbClr val="000000"/>
+              </a:buClr>
+              <a:buFont typeface="Arial"/>
+              <a:defRPr sz="1400" b="0" i="0" u="none" strike="noStrike" cap="none">
+                <a:solidFill>
+                  <a:srgbClr val="000000"/>
+                </a:solidFill>
+                <a:latin typeface="Arial"/>
+                <a:ea typeface="Arial"/>
+                <a:cs typeface="Arial"/>
+                <a:sym typeface="Arial"/>
+              </a:defRPr>
+            </a:lvl5pPr>
+            <a:lvl6pPr marR="0" lvl="5" algn="l" rtl="0">
+              <a:lnSpc>
+                <a:spcPct val="100000"/>
+              </a:lnSpc>
+              <a:spcBef>
+                <a:spcPts val="0"/>
+              </a:spcBef>
+              <a:spcAft>
+                <a:spcPts val="0"/>
+              </a:spcAft>
+              <a:buClr>
+                <a:srgbClr val="000000"/>
+              </a:buClr>
+              <a:buFont typeface="Arial"/>
+              <a:defRPr sz="1400" b="0" i="0" u="none" strike="noStrike" cap="none">
+                <a:solidFill>
+                  <a:srgbClr val="000000"/>
+                </a:solidFill>
+                <a:latin typeface="Arial"/>
+                <a:ea typeface="Arial"/>
+                <a:cs typeface="Arial"/>
+                <a:sym typeface="Arial"/>
+              </a:defRPr>
+            </a:lvl6pPr>
+            <a:lvl7pPr marR="0" lvl="6" algn="l" rtl="0">
+              <a:lnSpc>
+                <a:spcPct val="100000"/>
+              </a:lnSpc>
+              <a:spcBef>
+                <a:spcPts val="0"/>
+              </a:spcBef>
+              <a:spcAft>
+                <a:spcPts val="0"/>
+              </a:spcAft>
+              <a:buClr>
+                <a:srgbClr val="000000"/>
+              </a:buClr>
+              <a:buFont typeface="Arial"/>
+              <a:defRPr sz="1400" b="0" i="0" u="none" strike="noStrike" cap="none">
+                <a:solidFill>
+                  <a:srgbClr val="000000"/>
+                </a:solidFill>
+                <a:latin typeface="Arial"/>
+                <a:ea typeface="Arial"/>
+                <a:cs typeface="Arial"/>
+                <a:sym typeface="Arial"/>
+              </a:defRPr>
+            </a:lvl7pPr>
+            <a:lvl8pPr marR="0" lvl="7" algn="l" rtl="0">
+              <a:lnSpc>
+                <a:spcPct val="100000"/>
+              </a:lnSpc>
+              <a:spcBef>
+                <a:spcPts val="0"/>
+              </a:spcBef>
+              <a:spcAft>
+                <a:spcPts val="0"/>
+              </a:spcAft>
+              <a:buClr>
+                <a:srgbClr val="000000"/>
+              </a:buClr>
+              <a:buFont typeface="Arial"/>
+              <a:defRPr sz="1400" b="0" i="0" u="none" strike="noStrike" cap="none">
+                <a:solidFill>
+                  <a:srgbClr val="000000"/>
+                </a:solidFill>
+                <a:latin typeface="Arial"/>
+                <a:ea typeface="Arial"/>
+                <a:cs typeface="Arial"/>
+                <a:sym typeface="Arial"/>
+              </a:defRPr>
+            </a:lvl8pPr>
+            <a:lvl9pPr marR="0" lvl="8" algn="l" rtl="0">
+              <a:lnSpc>
+                <a:spcPct val="100000"/>
+              </a:lnSpc>
+              <a:spcBef>
+                <a:spcPts val="0"/>
+              </a:spcBef>
+              <a:spcAft>
+                <a:spcPts val="0"/>
+              </a:spcAft>
+              <a:buClr>
+                <a:srgbClr val="000000"/>
+              </a:buClr>
+              <a:buFont typeface="Arial"/>
+              <a:defRPr sz="1400" b="0" i="0" u="none" strike="noStrike" cap="none">
+                <a:solidFill>
+                  <a:srgbClr val="000000"/>
+                </a:solidFill>
+                <a:latin typeface="Arial"/>
+                <a:ea typeface="Arial"/>
+                <a:cs typeface="Arial"/>
+                <a:sym typeface="Arial"/>
+              </a:defRPr>
+            </a:lvl9pPr>
+          </a:lstStyle>
+          <a:p>
+            <a:r>
+              <a:rPr lang="en-US" sz="3200" dirty="0" smtClean="0">
+                <a:solidFill>
+                  <a:schemeClr val="tx1"/>
+                </a:solidFill>
+                <a:latin typeface="Times New Roman" panose="02020603050405020304" pitchFamily="18" charset="0"/>
+                <a:cs typeface="Times New Roman" panose="02020603050405020304" pitchFamily="18" charset="0"/>
+              </a:rPr>
+              <a:t>1.5 Task scheduler:</a:t>
+            </a:r>
+          </a:p>
+          <a:p>
+            <a:r>
+              <a:rPr lang="en-US" sz="2400" dirty="0" err="1" smtClean="0">
+                <a:solidFill>
+                  <a:schemeClr val="tx1"/>
+                </a:solidFill>
+                <a:latin typeface="Times New Roman" panose="02020603050405020304" pitchFamily="18" charset="0"/>
+                <a:cs typeface="Times New Roman" panose="02020603050405020304" pitchFamily="18" charset="0"/>
+              </a:rPr>
+              <a:t>Thực</a:t>
+            </a:r>
+            <a:r>
+              <a:rPr lang="en-US" sz="2400" dirty="0" smtClean="0">
+                <a:solidFill>
+                  <a:schemeClr val="tx1"/>
+                </a:solidFill>
+                <a:latin typeface="Times New Roman" panose="02020603050405020304" pitchFamily="18" charset="0"/>
+                <a:cs typeface="Times New Roman" panose="02020603050405020304" pitchFamily="18" charset="0"/>
+              </a:rPr>
+              <a:t> </a:t>
+            </a:r>
+            <a:r>
+              <a:rPr lang="en-US" sz="2400" dirty="0" err="1" smtClean="0">
+                <a:solidFill>
+                  <a:schemeClr val="tx1"/>
+                </a:solidFill>
+                <a:latin typeface="Times New Roman" panose="02020603050405020304" pitchFamily="18" charset="0"/>
+                <a:cs typeface="Times New Roman" panose="02020603050405020304" pitchFamily="18" charset="0"/>
+              </a:rPr>
+              <a:t>hiện</a:t>
+            </a:r>
+            <a:r>
+              <a:rPr lang="en-US" sz="2400" dirty="0" smtClean="0">
+                <a:solidFill>
+                  <a:schemeClr val="tx1"/>
+                </a:solidFill>
+                <a:latin typeface="Times New Roman" panose="02020603050405020304" pitchFamily="18" charset="0"/>
+                <a:cs typeface="Times New Roman" panose="02020603050405020304" pitchFamily="18" charset="0"/>
+              </a:rPr>
+              <a:t> </a:t>
+            </a:r>
+            <a:r>
+              <a:rPr lang="en-US" sz="2400" dirty="0" err="1" smtClean="0">
+                <a:solidFill>
+                  <a:schemeClr val="tx1"/>
+                </a:solidFill>
+                <a:latin typeface="Times New Roman" panose="02020603050405020304" pitchFamily="18" charset="0"/>
+                <a:cs typeface="Times New Roman" panose="02020603050405020304" pitchFamily="18" charset="0"/>
+              </a:rPr>
+              <a:t>đặt</a:t>
+            </a:r>
+            <a:r>
+              <a:rPr lang="en-US" sz="2400" dirty="0" smtClean="0">
+                <a:solidFill>
+                  <a:schemeClr val="tx1"/>
+                </a:solidFill>
+                <a:latin typeface="Times New Roman" panose="02020603050405020304" pitchFamily="18" charset="0"/>
+                <a:cs typeface="Times New Roman" panose="02020603050405020304" pitchFamily="18" charset="0"/>
+              </a:rPr>
+              <a:t> </a:t>
+            </a:r>
+            <a:r>
+              <a:rPr lang="en-US" sz="2400" dirty="0" err="1" smtClean="0">
+                <a:solidFill>
+                  <a:schemeClr val="tx1"/>
+                </a:solidFill>
+                <a:latin typeface="Times New Roman" panose="02020603050405020304" pitchFamily="18" charset="0"/>
+                <a:cs typeface="Times New Roman" panose="02020603050405020304" pitchFamily="18" charset="0"/>
+              </a:rPr>
+              <a:t>lịch</a:t>
+            </a:r>
+            <a:r>
+              <a:rPr lang="en-US" sz="2400" dirty="0" smtClean="0">
+                <a:solidFill>
+                  <a:schemeClr val="tx1"/>
+                </a:solidFill>
+                <a:latin typeface="Times New Roman" panose="02020603050405020304" pitchFamily="18" charset="0"/>
+                <a:cs typeface="Times New Roman" panose="02020603050405020304" pitchFamily="18" charset="0"/>
+              </a:rPr>
+              <a:t> </a:t>
+            </a:r>
+            <a:r>
+              <a:rPr lang="en-US" sz="2400" dirty="0" err="1" smtClean="0">
+                <a:solidFill>
+                  <a:schemeClr val="tx1"/>
+                </a:solidFill>
+                <a:latin typeface="Times New Roman" panose="02020603050405020304" pitchFamily="18" charset="0"/>
+                <a:cs typeface="Times New Roman" panose="02020603050405020304" pitchFamily="18" charset="0"/>
+              </a:rPr>
+              <a:t>thu</a:t>
+            </a:r>
+            <a:r>
+              <a:rPr lang="en-US" sz="2400" dirty="0" smtClean="0">
+                <a:solidFill>
+                  <a:schemeClr val="tx1"/>
+                </a:solidFill>
+                <a:latin typeface="Times New Roman" panose="02020603050405020304" pitchFamily="18" charset="0"/>
+                <a:cs typeface="Times New Roman" panose="02020603050405020304" pitchFamily="18" charset="0"/>
+              </a:rPr>
+              <a:t> </a:t>
+            </a:r>
+            <a:r>
+              <a:rPr lang="en-US" sz="2400" dirty="0" err="1" smtClean="0">
+                <a:solidFill>
+                  <a:schemeClr val="tx1"/>
+                </a:solidFill>
+                <a:latin typeface="Times New Roman" panose="02020603050405020304" pitchFamily="18" charset="0"/>
+                <a:cs typeface="Times New Roman" panose="02020603050405020304" pitchFamily="18" charset="0"/>
+              </a:rPr>
+              <a:t>thập</a:t>
+            </a:r>
+            <a:r>
+              <a:rPr lang="en-US" sz="2400" dirty="0" smtClean="0">
+                <a:solidFill>
+                  <a:schemeClr val="tx1"/>
+                </a:solidFill>
+                <a:latin typeface="Times New Roman" panose="02020603050405020304" pitchFamily="18" charset="0"/>
+                <a:cs typeface="Times New Roman" panose="02020603050405020304" pitchFamily="18" charset="0"/>
+              </a:rPr>
+              <a:t> </a:t>
+            </a:r>
+            <a:r>
+              <a:rPr lang="en-US" sz="2400" dirty="0" err="1" smtClean="0">
+                <a:solidFill>
+                  <a:schemeClr val="tx1"/>
+                </a:solidFill>
+                <a:latin typeface="Times New Roman" panose="02020603050405020304" pitchFamily="18" charset="0"/>
+                <a:cs typeface="Times New Roman" panose="02020603050405020304" pitchFamily="18" charset="0"/>
+              </a:rPr>
+              <a:t>dữ</a:t>
+            </a:r>
+            <a:r>
+              <a:rPr lang="en-US" sz="2400" dirty="0" smtClean="0">
+                <a:solidFill>
+                  <a:schemeClr val="tx1"/>
+                </a:solidFill>
+                <a:latin typeface="Times New Roman" panose="02020603050405020304" pitchFamily="18" charset="0"/>
+                <a:cs typeface="Times New Roman" panose="02020603050405020304" pitchFamily="18" charset="0"/>
+              </a:rPr>
+              <a:t> </a:t>
+            </a:r>
+            <a:r>
+              <a:rPr lang="en-US" sz="2400" dirty="0" err="1" smtClean="0">
+                <a:solidFill>
+                  <a:schemeClr val="tx1"/>
+                </a:solidFill>
+                <a:latin typeface="Times New Roman" panose="02020603050405020304" pitchFamily="18" charset="0"/>
+                <a:cs typeface="Times New Roman" panose="02020603050405020304" pitchFamily="18" charset="0"/>
+              </a:rPr>
+              <a:t>liệu</a:t>
+            </a:r>
+            <a:r>
+              <a:rPr lang="en-US" sz="2400" dirty="0" smtClean="0">
+                <a:solidFill>
+                  <a:schemeClr val="tx1"/>
+                </a:solidFill>
+                <a:latin typeface="Times New Roman" panose="02020603050405020304" pitchFamily="18" charset="0"/>
+                <a:cs typeface="Times New Roman" panose="02020603050405020304" pitchFamily="18" charset="0"/>
+              </a:rPr>
+              <a:t> </a:t>
+            </a:r>
+            <a:r>
+              <a:rPr lang="en-US" sz="2400" dirty="0" err="1" smtClean="0">
+                <a:solidFill>
+                  <a:schemeClr val="tx1"/>
+                </a:solidFill>
+                <a:latin typeface="Times New Roman" panose="02020603050405020304" pitchFamily="18" charset="0"/>
+                <a:cs typeface="Times New Roman" panose="02020603050405020304" pitchFamily="18" charset="0"/>
+              </a:rPr>
+              <a:t>mỗi</a:t>
+            </a:r>
+            <a:r>
+              <a:rPr lang="en-US" sz="2400" dirty="0" smtClean="0">
+                <a:solidFill>
+                  <a:schemeClr val="tx1"/>
+                </a:solidFill>
+                <a:latin typeface="Times New Roman" panose="02020603050405020304" pitchFamily="18" charset="0"/>
+                <a:cs typeface="Times New Roman" panose="02020603050405020304" pitchFamily="18" charset="0"/>
+              </a:rPr>
+              <a:t> </a:t>
+            </a:r>
+            <a:r>
+              <a:rPr lang="en-US" sz="2400" dirty="0" err="1" smtClean="0">
+                <a:solidFill>
+                  <a:schemeClr val="tx1"/>
+                </a:solidFill>
+                <a:latin typeface="Times New Roman" panose="02020603050405020304" pitchFamily="18" charset="0"/>
+                <a:cs typeface="Times New Roman" panose="02020603050405020304" pitchFamily="18" charset="0"/>
+              </a:rPr>
+              <a:t>ngày</a:t>
+            </a:r>
+            <a:r>
+              <a:rPr lang="en-US" sz="2400" dirty="0" smtClean="0">
+                <a:solidFill>
+                  <a:schemeClr val="tx1"/>
+                </a:solidFill>
+                <a:latin typeface="Times New Roman" panose="02020603050405020304" pitchFamily="18" charset="0"/>
+                <a:cs typeface="Times New Roman" panose="02020603050405020304" pitchFamily="18" charset="0"/>
+              </a:rPr>
+              <a:t> </a:t>
+            </a:r>
+            <a:r>
+              <a:rPr lang="en-US" sz="2400" dirty="0" err="1" smtClean="0">
+                <a:solidFill>
+                  <a:schemeClr val="tx1"/>
+                </a:solidFill>
+                <a:latin typeface="Times New Roman" panose="02020603050405020304" pitchFamily="18" charset="0"/>
+                <a:cs typeface="Times New Roman" panose="02020603050405020304" pitchFamily="18" charset="0"/>
+              </a:rPr>
+              <a:t>như</a:t>
+            </a:r>
+            <a:r>
+              <a:rPr lang="en-US" sz="2400" dirty="0" smtClean="0">
+                <a:solidFill>
+                  <a:schemeClr val="tx1"/>
+                </a:solidFill>
+                <a:latin typeface="Times New Roman" panose="02020603050405020304" pitchFamily="18" charset="0"/>
+                <a:cs typeface="Times New Roman" panose="02020603050405020304" pitchFamily="18" charset="0"/>
+              </a:rPr>
+              <a:t> </a:t>
+            </a:r>
+            <a:r>
+              <a:rPr lang="en-US" sz="2400" dirty="0" err="1" smtClean="0">
+                <a:solidFill>
+                  <a:schemeClr val="tx1"/>
+                </a:solidFill>
+                <a:latin typeface="Times New Roman" panose="02020603050405020304" pitchFamily="18" charset="0"/>
+                <a:cs typeface="Times New Roman" panose="02020603050405020304" pitchFamily="18" charset="0"/>
+              </a:rPr>
+              <a:t>sau</a:t>
+            </a:r>
+            <a:r>
+              <a:rPr lang="en-US" sz="2400" dirty="0" smtClean="0">
+                <a:solidFill>
+                  <a:schemeClr val="tx1"/>
+                </a:solidFill>
+                <a:latin typeface="Times New Roman" panose="02020603050405020304" pitchFamily="18" charset="0"/>
+                <a:cs typeface="Times New Roman" panose="02020603050405020304" pitchFamily="18" charset="0"/>
+              </a:rPr>
+              <a:t>:</a:t>
+            </a:r>
+          </a:p>
+        </p:txBody>
+      </p:sp>
+      <p:pic>
+        <p:nvPicPr>
+          <p:cNvPr id="5" name="Picture 4"/>
+          <p:cNvPicPr>
+            <a:picLocks noChangeAspect="1"/>
+          </p:cNvPicPr>
+          <p:nvPr/>
+        </p:nvPicPr>
+        <p:blipFill>
+          <a:blip r:embed="rId3"/>
+          <a:stretch>
+            <a:fillRect/>
+          </a:stretch>
+        </p:blipFill>
+        <p:spPr>
+          <a:xfrm>
+            <a:off x="2223610" y="2202565"/>
+            <a:ext cx="4273523" cy="2355148"/>
+          </a:xfrm>
+          <a:prstGeom prst="rect">
+            <a:avLst/>
+          </a:prstGeom>
+        </p:spPr>
+      </p:pic>
+      <p:pic>
+        <p:nvPicPr>
+          <p:cNvPr id="4" name="Picture 12" descr="task-scheduler-icon - SnowMirror"/>
+          <p:cNvPicPr>
+            <a:picLocks noChangeAspect="1" noChangeArrowheads="1"/>
+          </p:cNvPicPr>
+          <p:nvPr/>
+        </p:nvPicPr>
+        <p:blipFill>
+          <a:blip r:embed="rId4">
+            <a:extLst>
+              <a:ext uri="{28A0092B-C50C-407E-A947-70E740481C1C}">
+                <a14:useLocalDpi xmlns:a14="http://schemas.microsoft.com/office/drawing/2010/main" val="0"/>
+              </a:ext>
+            </a:extLst>
+          </a:blip>
+          <a:srcRect/>
+          <a:stretch>
+            <a:fillRect/>
+          </a:stretch>
+        </p:blipFill>
+        <p:spPr bwMode="auto">
+          <a:xfrm>
+            <a:off x="1637488" y="2202565"/>
+            <a:ext cx="516842" cy="516843"/>
+          </a:xfrm>
+          <a:prstGeom prst="rect">
+            <a:avLst/>
+          </a:prstGeom>
+          <a:noFill/>
+          <a:extLst>
+            <a:ext uri="{909E8E84-426E-40DD-AFC4-6F175D3DCCD1}">
+              <a14:hiddenFill xmlns:a14="http://schemas.microsoft.com/office/drawing/2010/main">
+                <a:solidFill>
+                  <a:srgbClr val="FFFFFF"/>
+                </a:solidFill>
+              </a14:hiddenFill>
+            </a:ext>
+          </a:extLst>
+        </p:spPr>
+      </p:pic>
+    </p:spTree>
+  </p:cSld>
+  <p:clrMapOvr>
+    <a:masterClrMapping/>
+  </p:clrMapOvr>
+</p:sld>
+</file>
+
+<file path=ppt/slides/slide12.xml><?xml version="1.0" encoding="utf-8"?>
 <p:sld xmlns:a="http://schemas.openxmlformats.org/drawingml/2006/main" xmlns:r="http://schemas.openxmlformats.org/officeDocument/2006/relationships" xmlns:p="http://schemas.openxmlformats.org/presentationml/2006/main">
   <p:cSld>
     <p:spTree>
@@ -19766,7 +21474,7 @@
 </p:sld>
 </file>
 
-<file path=ppt/slides/slide11.xml><?xml version="1.0" encoding="utf-8"?>
+<file path=ppt/slides/slide13.xml><?xml version="1.0" encoding="utf-8"?>
 <p:sld xmlns:a="http://schemas.openxmlformats.org/drawingml/2006/main" xmlns:r="http://schemas.openxmlformats.org/officeDocument/2006/relationships" xmlns:p="http://schemas.openxmlformats.org/presentationml/2006/main">
   <p:cSld>
     <p:spTree>
@@ -20614,7 +22322,7 @@
 </p:sld>
 </file>
 
-<file path=ppt/slides/slide12.xml><?xml version="1.0" encoding="utf-8"?>
+<file path=ppt/slides/slide14.xml><?xml version="1.0" encoding="utf-8"?>
 <p:sld xmlns:a="http://schemas.openxmlformats.org/drawingml/2006/main" xmlns:r="http://schemas.openxmlformats.org/officeDocument/2006/relationships" xmlns:p="http://schemas.openxmlformats.org/presentationml/2006/main">
   <p:cSld>
     <p:spTree>
@@ -21467,7 +23175,7 @@
 </p:sld>
 </file>
 
-<file path=ppt/slides/slide13.xml><?xml version="1.0" encoding="utf-8"?>
+<file path=ppt/slides/slide15.xml><?xml version="1.0" encoding="utf-8"?>
 <p:sld xmlns:a="http://schemas.openxmlformats.org/drawingml/2006/main" xmlns:r="http://schemas.openxmlformats.org/officeDocument/2006/relationships" xmlns:p="http://schemas.openxmlformats.org/presentationml/2006/main">
   <p:cSld>
     <p:spTree>
@@ -22461,6 +24169,26 @@
               </a:rPr>
               <a:t>ppt</a:t>
             </a:r>
+            <a:r>
+              <a:rPr lang="en-US" altLang="ja-JP" sz="2400" dirty="0" smtClean="0">
+                <a:solidFill>
+                  <a:schemeClr val="tx1"/>
+                </a:solidFill>
+                <a:latin typeface="Times New Roman" panose="02020603050405020304" pitchFamily="18" charset="0"/>
+                <a:cs typeface="Times New Roman" panose="02020603050405020304" pitchFamily="18" charset="0"/>
+              </a:rPr>
+              <a:t>, .</a:t>
+            </a:r>
+            <a:r>
+              <a:rPr lang="en-US" altLang="ja-JP" sz="2400" dirty="0" err="1" smtClean="0">
+                <a:solidFill>
+                  <a:schemeClr val="tx1"/>
+                </a:solidFill>
+                <a:latin typeface="Times New Roman" panose="02020603050405020304" pitchFamily="18" charset="0"/>
+                <a:cs typeface="Times New Roman" panose="02020603050405020304" pitchFamily="18" charset="0"/>
+              </a:rPr>
+              <a:t>docx</a:t>
+            </a:r>
             <a:endParaRPr lang="en-US" sz="2400" dirty="0" smtClean="0">
               <a:solidFill>
                 <a:schemeClr val="tx1"/>
@@ -22479,7 +24207,7 @@
 </p:sld>
 </file>
 
-<file path=ppt/slides/slide14.xml><?xml version="1.0" encoding="utf-8"?>
+<file path=ppt/slides/slide16.xml><?xml version="1.0" encoding="utf-8"?>
 <p:sld xmlns:a="http://schemas.openxmlformats.org/drawingml/2006/main" xmlns:r="http://schemas.openxmlformats.org/officeDocument/2006/relationships" xmlns:p="http://schemas.openxmlformats.org/presentationml/2006/main">
   <p:cSld>
     <p:spTree>
@@ -22559,7 +24287,7 @@
           <p:cNvPr id="5" name="Title 1">
             <a:extLst>
               <a:ext uri="{FF2B5EF4-FFF2-40B4-BE49-F238E27FC236}">
-                <a16:creationId xmlns:a16="http://schemas.microsoft.com/office/drawing/2014/main" xmlns="" id="{AE7ED732-9F48-46D0-9606-C01E66898756}"/>
+                <a16:creationId xmlns="" xmlns:a16="http://schemas.microsoft.com/office/drawing/2014/main" id="{AE7ED732-9F48-46D0-9606-C01E66898756}"/>
               </a:ext>
             </a:extLst>
           </p:cNvPr>
@@ -22998,7 +24726,7 @@
           <p:cNvPr id="6" name="Title 1">
             <a:extLst>
               <a:ext uri="{FF2B5EF4-FFF2-40B4-BE49-F238E27FC236}">
-                <a16:creationId xmlns:a16="http://schemas.microsoft.com/office/drawing/2014/main" xmlns="" id="{AE7ED732-9F48-46D0-9606-C01E66898756}"/>
+                <a16:creationId xmlns="" xmlns:a16="http://schemas.microsoft.com/office/drawing/2014/main" id="{AE7ED732-9F48-46D0-9606-C01E66898756}"/>
               </a:ext>
             </a:extLst>
           </p:cNvPr>
@@ -23481,7 +25209,7 @@
           <p:cNvPr id="5" name="Title 1">
             <a:extLst>
               <a:ext uri="{FF2B5EF4-FFF2-40B4-BE49-F238E27FC236}">
-                <a16:creationId xmlns:a16="http://schemas.microsoft.com/office/drawing/2014/main" xmlns="" id="{AE7ED732-9F48-46D0-9606-C01E66898756}"/>
+                <a16:creationId xmlns="" xmlns:a16="http://schemas.microsoft.com/office/drawing/2014/main" id="{AE7ED732-9F48-46D0-9606-C01E66898756}"/>
               </a:ext>
             </a:extLst>
           </p:cNvPr>
@@ -24469,20 +26197,8 @@
                 </a:solidFill>
                 <a:latin typeface="Times New Roman" panose="02020603050405020304" pitchFamily="18" charset="0"/>
                 <a:cs typeface="Times New Roman" panose="02020603050405020304" pitchFamily="18" charset="0"/>
-                <a:hlinkClick r:id="rId3"/>
-              </a:rPr>
-              <a:t>https://</a:t>
-            </a:r>
-            <a:r>
-              <a:rPr lang="en-US" sz="2400" dirty="0" smtClean="0">
-                <a:solidFill>
-                  <a:schemeClr val="tx1"/>
-                </a:solidFill>
-                <a:latin typeface="Times New Roman" panose="02020603050405020304" pitchFamily="18" charset="0"/>
-                <a:cs typeface="Times New Roman" panose="02020603050405020304" pitchFamily="18" charset="0"/>
-                <a:hlinkClick r:id="rId3"/>
-              </a:rPr>
-              <a:t>www.iqair.com/vi/vietnam/ho-chi-minh-city/us-consulate-in-ho-chi-minh-city</a:t>
+              </a:rPr>
+              <a:t>https://www.iqair.com/vi/vietnam/ho-chi-minh-city</a:t>
             </a:r>
             <a:endParaRPr lang="en-US" sz="2400" dirty="0" smtClean="0">
               <a:solidFill>
@@ -24812,7 +26528,7 @@
                 <a:latin typeface="Times New Roman" panose="02020603050405020304" pitchFamily="18" charset="0"/>
                 <a:cs typeface="Times New Roman" panose="02020603050405020304" pitchFamily="18" charset="0"/>
               </a:rPr>
-              <a:t>vùng</a:t>
+              <a:t>trạm</a:t>
             </a:r>
             <a:r>
               <a:rPr lang="en-US" altLang="ja-JP" sz="2400" dirty="0" smtClean="0">
@@ -28115,17 +29831,7 @@
                 <a:latin typeface="Times New Roman" panose="02020603050405020304" pitchFamily="18" charset="0"/>
                 <a:cs typeface="Times New Roman" panose="02020603050405020304" pitchFamily="18" charset="0"/>
               </a:rPr>
-              <a:t> qua </a:t>
-            </a:r>
-            <a:r>
-              <a:rPr lang="en-US" sz="2400" dirty="0" smtClean="0">
-                <a:solidFill>
-                  <a:schemeClr val="tx1"/>
-                </a:solidFill>
-                <a:latin typeface="Times New Roman" panose="02020603050405020304" pitchFamily="18" charset="0"/>
-                <a:cs typeface="Times New Roman" panose="02020603050405020304" pitchFamily="18" charset="0"/>
-              </a:rPr>
-              <a:t>Selenium </a:t>
+              <a:t> qua Selenium </a:t>
             </a:r>
             <a:r>
               <a:rPr lang="en-US" sz="2400" dirty="0" err="1" smtClean="0">
@@ -28176,6 +29882,1704 @@
 </file>
 
 <file path=ppt/slides/slide7.xml><?xml version="1.0" encoding="utf-8"?>
+<p:sld xmlns:a="http://schemas.openxmlformats.org/drawingml/2006/main" xmlns:r="http://schemas.openxmlformats.org/officeDocument/2006/relationships" xmlns:p="http://schemas.openxmlformats.org/presentationml/2006/main">
+  <p:cSld>
+    <p:spTree>
+      <p:nvGrpSpPr>
+        <p:cNvPr id="1" name="Shape 1306"/>
+        <p:cNvGrpSpPr/>
+        <p:nvPr/>
+      </p:nvGrpSpPr>
+      <p:grpSpPr>
+        <a:xfrm>
+          <a:off x="0" y="0"/>
+          <a:ext cx="0" cy="0"/>
+          <a:chOff x="0" y="0"/>
+          <a:chExt cx="0" cy="0"/>
+        </a:xfrm>
+      </p:grpSpPr>
+      <p:sp>
+        <p:nvSpPr>
+          <p:cNvPr id="6" name="Google Shape;1318;p48"/>
+          <p:cNvSpPr txBox="1">
+            <a:spLocks/>
+          </p:cNvSpPr>
+          <p:nvPr/>
+        </p:nvSpPr>
+        <p:spPr>
+          <a:xfrm>
+            <a:off x="420385" y="735808"/>
+            <a:ext cx="4101609" cy="3214687"/>
+          </a:xfrm>
+          <a:prstGeom prst="rect">
+            <a:avLst/>
+          </a:prstGeom>
+        </p:spPr>
+        <p:txBody>
+          <a:bodyPr spcFirstLastPara="1" wrap="square" lIns="91425" tIns="91425" rIns="91425" bIns="91425" anchor="ctr" anchorCtr="0">
+            <a:noAutofit/>
+          </a:bodyPr>
+          <a:lstStyle>
+            <a:defPPr marR="0" lvl="0" algn="l" rtl="0">
+              <a:lnSpc>
+                <a:spcPct val="100000"/>
+              </a:lnSpc>
+              <a:spcBef>
+                <a:spcPts val="0"/>
+              </a:spcBef>
+              <a:spcAft>
+                <a:spcPts val="0"/>
+              </a:spcAft>
+            </a:defPPr>
+            <a:lvl1pPr marR="0" lvl="0" algn="l" rtl="0">
+              <a:lnSpc>
+                <a:spcPct val="100000"/>
+              </a:lnSpc>
+              <a:spcBef>
+                <a:spcPts val="0"/>
+              </a:spcBef>
+              <a:spcAft>
+                <a:spcPts val="0"/>
+              </a:spcAft>
+              <a:buClr>
+                <a:srgbClr val="000000"/>
+              </a:buClr>
+              <a:buFont typeface="Arial"/>
+              <a:defRPr sz="1400" b="0" i="0" u="none" strike="noStrike" cap="none">
+                <a:solidFill>
+                  <a:srgbClr val="000000"/>
+                </a:solidFill>
+                <a:latin typeface="Arial"/>
+                <a:ea typeface="Arial"/>
+                <a:cs typeface="Arial"/>
+                <a:sym typeface="Arial"/>
+              </a:defRPr>
+            </a:lvl1pPr>
+            <a:lvl2pPr marR="0" lvl="1" algn="l" rtl="0">
+              <a:lnSpc>
+                <a:spcPct val="100000"/>
+              </a:lnSpc>
+              <a:spcBef>
+                <a:spcPts val="0"/>
+              </a:spcBef>
+              <a:spcAft>
+                <a:spcPts val="0"/>
+              </a:spcAft>
+              <a:buClr>
+                <a:srgbClr val="000000"/>
+              </a:buClr>
+              <a:buFont typeface="Arial"/>
+              <a:defRPr sz="1400" b="0" i="0" u="none" strike="noStrike" cap="none">
+                <a:solidFill>
+                  <a:srgbClr val="000000"/>
+                </a:solidFill>
+                <a:latin typeface="Arial"/>
+                <a:ea typeface="Arial"/>
+                <a:cs typeface="Arial"/>
+                <a:sym typeface="Arial"/>
+              </a:defRPr>
+            </a:lvl2pPr>
+            <a:lvl3pPr marR="0" lvl="2" algn="l" rtl="0">
+              <a:lnSpc>
+                <a:spcPct val="100000"/>
+              </a:lnSpc>
+              <a:spcBef>
+                <a:spcPts val="0"/>
+              </a:spcBef>
+              <a:spcAft>
+                <a:spcPts val="0"/>
+              </a:spcAft>
+              <a:buClr>
+                <a:srgbClr val="000000"/>
+              </a:buClr>
+              <a:buFont typeface="Arial"/>
+              <a:defRPr sz="1400" b="0" i="0" u="none" strike="noStrike" cap="none">
+                <a:solidFill>
+                  <a:srgbClr val="000000"/>
+                </a:solidFill>
+                <a:latin typeface="Arial"/>
+                <a:ea typeface="Arial"/>
+                <a:cs typeface="Arial"/>
+                <a:sym typeface="Arial"/>
+              </a:defRPr>
+            </a:lvl3pPr>
+            <a:lvl4pPr marR="0" lvl="3" algn="l" rtl="0">
+              <a:lnSpc>
+                <a:spcPct val="100000"/>
+              </a:lnSpc>
+              <a:spcBef>
+                <a:spcPts val="0"/>
+              </a:spcBef>
+              <a:spcAft>
+                <a:spcPts val="0"/>
+              </a:spcAft>
+              <a:buClr>
+                <a:srgbClr val="000000"/>
+              </a:buClr>
+              <a:buFont typeface="Arial"/>
+              <a:defRPr sz="1400" b="0" i="0" u="none" strike="noStrike" cap="none">
+                <a:solidFill>
+                  <a:srgbClr val="000000"/>
+                </a:solidFill>
+                <a:latin typeface="Arial"/>
+                <a:ea typeface="Arial"/>
+                <a:cs typeface="Arial"/>
+                <a:sym typeface="Arial"/>
+              </a:defRPr>
+            </a:lvl4pPr>
+            <a:lvl5pPr marR="0" lvl="4" algn="l" rtl="0">
+              <a:lnSpc>
+                <a:spcPct val="100000"/>
+              </a:lnSpc>
+              <a:spcBef>
+                <a:spcPts val="0"/>
+              </a:spcBef>
+              <a:spcAft>
+                <a:spcPts val="0"/>
+              </a:spcAft>
+              <a:buClr>
+                <a:srgbClr val="000000"/>
+              </a:buClr>
+              <a:buFont typeface="Arial"/>
+              <a:defRPr sz="1400" b="0" i="0" u="none" strike="noStrike" cap="none">
+                <a:solidFill>
+                  <a:srgbClr val="000000"/>
+                </a:solidFill>
+                <a:latin typeface="Arial"/>
+                <a:ea typeface="Arial"/>
+                <a:cs typeface="Arial"/>
+                <a:sym typeface="Arial"/>
+              </a:defRPr>
+            </a:lvl5pPr>
+            <a:lvl6pPr marR="0" lvl="5" algn="l" rtl="0">
+              <a:lnSpc>
+                <a:spcPct val="100000"/>
+              </a:lnSpc>
+              <a:spcBef>
+                <a:spcPts val="0"/>
+              </a:spcBef>
+              <a:spcAft>
+                <a:spcPts val="0"/>
+              </a:spcAft>
+              <a:buClr>
+                <a:srgbClr val="000000"/>
+              </a:buClr>
+              <a:buFont typeface="Arial"/>
+              <a:defRPr sz="1400" b="0" i="0" u="none" strike="noStrike" cap="none">
+                <a:solidFill>
+                  <a:srgbClr val="000000"/>
+                </a:solidFill>
+                <a:latin typeface="Arial"/>
+                <a:ea typeface="Arial"/>
+                <a:cs typeface="Arial"/>
+                <a:sym typeface="Arial"/>
+              </a:defRPr>
+            </a:lvl6pPr>
+            <a:lvl7pPr marR="0" lvl="6" algn="l" rtl="0">
+              <a:lnSpc>
+                <a:spcPct val="100000"/>
+              </a:lnSpc>
+              <a:spcBef>
+                <a:spcPts val="0"/>
+              </a:spcBef>
+              <a:spcAft>
+                <a:spcPts val="0"/>
+              </a:spcAft>
+              <a:buClr>
+                <a:srgbClr val="000000"/>
+              </a:buClr>
+              <a:buFont typeface="Arial"/>
+              <a:defRPr sz="1400" b="0" i="0" u="none" strike="noStrike" cap="none">
+                <a:solidFill>
+                  <a:srgbClr val="000000"/>
+                </a:solidFill>
+                <a:latin typeface="Arial"/>
+                <a:ea typeface="Arial"/>
+                <a:cs typeface="Arial"/>
+                <a:sym typeface="Arial"/>
+              </a:defRPr>
+            </a:lvl7pPr>
+            <a:lvl8pPr marR="0" lvl="7" algn="l" rtl="0">
+              <a:lnSpc>
+                <a:spcPct val="100000"/>
+              </a:lnSpc>
+              <a:spcBef>
+                <a:spcPts val="0"/>
+              </a:spcBef>
+              <a:spcAft>
+                <a:spcPts val="0"/>
+              </a:spcAft>
+              <a:buClr>
+                <a:srgbClr val="000000"/>
+              </a:buClr>
+              <a:buFont typeface="Arial"/>
+              <a:defRPr sz="1400" b="0" i="0" u="none" strike="noStrike" cap="none">
+                <a:solidFill>
+                  <a:srgbClr val="000000"/>
+                </a:solidFill>
+                <a:latin typeface="Arial"/>
+                <a:ea typeface="Arial"/>
+                <a:cs typeface="Arial"/>
+                <a:sym typeface="Arial"/>
+              </a:defRPr>
+            </a:lvl8pPr>
+            <a:lvl9pPr marR="0" lvl="8" algn="l" rtl="0">
+              <a:lnSpc>
+                <a:spcPct val="100000"/>
+              </a:lnSpc>
+              <a:spcBef>
+                <a:spcPts val="0"/>
+              </a:spcBef>
+              <a:spcAft>
+                <a:spcPts val="0"/>
+              </a:spcAft>
+              <a:buClr>
+                <a:srgbClr val="000000"/>
+              </a:buClr>
+              <a:buFont typeface="Arial"/>
+              <a:defRPr sz="1400" b="0" i="0" u="none" strike="noStrike" cap="none">
+                <a:solidFill>
+                  <a:srgbClr val="000000"/>
+                </a:solidFill>
+                <a:latin typeface="Arial"/>
+                <a:ea typeface="Arial"/>
+                <a:cs typeface="Arial"/>
+                <a:sym typeface="Arial"/>
+              </a:defRPr>
+            </a:lvl9pPr>
+          </a:lstStyle>
+          <a:p>
+            <a:r>
+              <a:rPr lang="en-US" sz="3200" dirty="0" smtClean="0">
+                <a:solidFill>
+                  <a:schemeClr val="tx1"/>
+                </a:solidFill>
+                <a:latin typeface="Times New Roman" panose="02020603050405020304" pitchFamily="18" charset="0"/>
+                <a:cs typeface="Times New Roman" panose="02020603050405020304" pitchFamily="18" charset="0"/>
+              </a:rPr>
+              <a:t>1.2 Crawl </a:t>
+            </a:r>
+            <a:r>
+              <a:rPr lang="en-US" sz="3200" dirty="0">
+                <a:solidFill>
+                  <a:schemeClr val="tx1"/>
+                </a:solidFill>
+                <a:latin typeface="Times New Roman" panose="02020603050405020304" pitchFamily="18" charset="0"/>
+                <a:cs typeface="Times New Roman" panose="02020603050405020304" pitchFamily="18" charset="0"/>
+              </a:rPr>
+              <a:t>data</a:t>
+            </a:r>
+            <a:r>
+              <a:rPr lang="en-US" sz="3200" dirty="0" smtClean="0">
+                <a:solidFill>
+                  <a:schemeClr val="tx1"/>
+                </a:solidFill>
+                <a:latin typeface="Times New Roman" panose="02020603050405020304" pitchFamily="18" charset="0"/>
+                <a:cs typeface="Times New Roman" panose="02020603050405020304" pitchFamily="18" charset="0"/>
+              </a:rPr>
+              <a:t>:</a:t>
+            </a:r>
+          </a:p>
+          <a:p>
+            <a:endParaRPr lang="en-US" sz="3200" dirty="0" smtClean="0">
+              <a:solidFill>
+                <a:schemeClr val="tx1"/>
+              </a:solidFill>
+              <a:latin typeface="Times New Roman" panose="02020603050405020304" pitchFamily="18" charset="0"/>
+              <a:cs typeface="Times New Roman" panose="02020603050405020304" pitchFamily="18" charset="0"/>
+            </a:endParaRPr>
+          </a:p>
+          <a:p>
+            <a:pPr lvl="0"/>
+            <a:r>
+              <a:rPr lang="en-US" sz="2400" dirty="0" err="1" smtClean="0">
+                <a:solidFill>
+                  <a:schemeClr val="tx1"/>
+                </a:solidFill>
+                <a:latin typeface="Times New Roman" panose="02020603050405020304" pitchFamily="18" charset="0"/>
+                <a:cs typeface="Times New Roman" panose="02020603050405020304" pitchFamily="18" charset="0"/>
+              </a:rPr>
+              <a:t>Hiện</a:t>
+            </a:r>
+            <a:r>
+              <a:rPr lang="en-US" sz="2400" dirty="0" smtClean="0">
+                <a:solidFill>
+                  <a:schemeClr val="tx1"/>
+                </a:solidFill>
+                <a:latin typeface="Times New Roman" panose="02020603050405020304" pitchFamily="18" charset="0"/>
+                <a:cs typeface="Times New Roman" panose="02020603050405020304" pitchFamily="18" charset="0"/>
+              </a:rPr>
+              <a:t> </a:t>
+            </a:r>
+            <a:r>
+              <a:rPr lang="en-US" sz="2400" dirty="0" err="1" smtClean="0">
+                <a:solidFill>
+                  <a:schemeClr val="tx1"/>
+                </a:solidFill>
+                <a:latin typeface="Times New Roman" panose="02020603050405020304" pitchFamily="18" charset="0"/>
+                <a:cs typeface="Times New Roman" panose="02020603050405020304" pitchFamily="18" charset="0"/>
+              </a:rPr>
+              <a:t>tại</a:t>
+            </a:r>
+            <a:r>
+              <a:rPr lang="en-US" sz="2400" dirty="0" smtClean="0">
+                <a:solidFill>
+                  <a:schemeClr val="tx1"/>
+                </a:solidFill>
+                <a:latin typeface="Times New Roman" panose="02020603050405020304" pitchFamily="18" charset="0"/>
+                <a:cs typeface="Times New Roman" panose="02020603050405020304" pitchFamily="18" charset="0"/>
+              </a:rPr>
+              <a:t> </a:t>
+            </a:r>
+            <a:r>
+              <a:rPr lang="en-US" sz="2400" dirty="0" err="1" smtClean="0">
+                <a:solidFill>
+                  <a:schemeClr val="tx1"/>
+                </a:solidFill>
+                <a:latin typeface="Times New Roman" panose="02020603050405020304" pitchFamily="18" charset="0"/>
+                <a:cs typeface="Times New Roman" panose="02020603050405020304" pitchFamily="18" charset="0"/>
+              </a:rPr>
+              <a:t>nhóm</a:t>
+            </a:r>
+            <a:r>
+              <a:rPr lang="en-US" sz="2400" dirty="0" smtClean="0">
+                <a:solidFill>
+                  <a:schemeClr val="tx1"/>
+                </a:solidFill>
+                <a:latin typeface="Times New Roman" panose="02020603050405020304" pitchFamily="18" charset="0"/>
+                <a:cs typeface="Times New Roman" panose="02020603050405020304" pitchFamily="18" charset="0"/>
+              </a:rPr>
+              <a:t> </a:t>
+            </a:r>
+            <a:r>
+              <a:rPr lang="en-US" sz="2400" dirty="0" err="1" smtClean="0">
+                <a:solidFill>
+                  <a:schemeClr val="tx1"/>
+                </a:solidFill>
+                <a:latin typeface="Times New Roman" panose="02020603050405020304" pitchFamily="18" charset="0"/>
+                <a:cs typeface="Times New Roman" panose="02020603050405020304" pitchFamily="18" charset="0"/>
+              </a:rPr>
+              <a:t>không</a:t>
+            </a:r>
+            <a:r>
+              <a:rPr lang="en-US" sz="2400" dirty="0" smtClean="0">
+                <a:solidFill>
+                  <a:schemeClr val="tx1"/>
+                </a:solidFill>
+                <a:latin typeface="Times New Roman" panose="02020603050405020304" pitchFamily="18" charset="0"/>
+                <a:cs typeface="Times New Roman" panose="02020603050405020304" pitchFamily="18" charset="0"/>
+              </a:rPr>
+              <a:t> hardcode </a:t>
+            </a:r>
+            <a:r>
+              <a:rPr lang="en-US" sz="2400" dirty="0" err="1" smtClean="0">
+                <a:solidFill>
+                  <a:schemeClr val="tx1"/>
+                </a:solidFill>
+                <a:latin typeface="Times New Roman" panose="02020603050405020304" pitchFamily="18" charset="0"/>
+                <a:cs typeface="Times New Roman" panose="02020603050405020304" pitchFamily="18" charset="0"/>
+              </a:rPr>
+              <a:t>các</a:t>
+            </a:r>
+            <a:r>
+              <a:rPr lang="en-US" sz="2400" dirty="0" smtClean="0">
+                <a:solidFill>
+                  <a:schemeClr val="tx1"/>
+                </a:solidFill>
+                <a:latin typeface="Times New Roman" panose="02020603050405020304" pitchFamily="18" charset="0"/>
+                <a:cs typeface="Times New Roman" panose="02020603050405020304" pitchFamily="18" charset="0"/>
+              </a:rPr>
+              <a:t> URL </a:t>
+            </a:r>
+            <a:r>
+              <a:rPr lang="en-US" sz="2400" dirty="0" err="1" smtClean="0">
+                <a:solidFill>
+                  <a:schemeClr val="tx1"/>
+                </a:solidFill>
+                <a:latin typeface="Times New Roman" panose="02020603050405020304" pitchFamily="18" charset="0"/>
+                <a:cs typeface="Times New Roman" panose="02020603050405020304" pitchFamily="18" charset="0"/>
+              </a:rPr>
+              <a:t>của</a:t>
+            </a:r>
+            <a:r>
+              <a:rPr lang="en-US" sz="2400" dirty="0" smtClean="0">
+                <a:solidFill>
+                  <a:schemeClr val="tx1"/>
+                </a:solidFill>
+                <a:latin typeface="Times New Roman" panose="02020603050405020304" pitchFamily="18" charset="0"/>
+                <a:cs typeface="Times New Roman" panose="02020603050405020304" pitchFamily="18" charset="0"/>
+              </a:rPr>
+              <a:t> </a:t>
+            </a:r>
+            <a:r>
+              <a:rPr lang="en-US" sz="2400" dirty="0" err="1" smtClean="0">
+                <a:solidFill>
+                  <a:schemeClr val="tx1"/>
+                </a:solidFill>
+                <a:latin typeface="Times New Roman" panose="02020603050405020304" pitchFamily="18" charset="0"/>
+                <a:cs typeface="Times New Roman" panose="02020603050405020304" pitchFamily="18" charset="0"/>
+              </a:rPr>
+              <a:t>các</a:t>
+            </a:r>
+            <a:r>
+              <a:rPr lang="en-US" sz="2400" dirty="0" smtClean="0">
+                <a:solidFill>
+                  <a:schemeClr val="tx1"/>
+                </a:solidFill>
+                <a:latin typeface="Times New Roman" panose="02020603050405020304" pitchFamily="18" charset="0"/>
+                <a:cs typeface="Times New Roman" panose="02020603050405020304" pitchFamily="18" charset="0"/>
+              </a:rPr>
+              <a:t> </a:t>
+            </a:r>
+            <a:r>
+              <a:rPr lang="en-US" sz="2400" dirty="0" err="1" smtClean="0">
+                <a:solidFill>
+                  <a:schemeClr val="tx1"/>
+                </a:solidFill>
+                <a:latin typeface="Times New Roman" panose="02020603050405020304" pitchFamily="18" charset="0"/>
+                <a:cs typeface="Times New Roman" panose="02020603050405020304" pitchFamily="18" charset="0"/>
+              </a:rPr>
+              <a:t>trạm</a:t>
+            </a:r>
+            <a:r>
+              <a:rPr lang="en-US" sz="2400" dirty="0" smtClean="0">
+                <a:solidFill>
+                  <a:schemeClr val="tx1"/>
+                </a:solidFill>
+                <a:latin typeface="Times New Roman" panose="02020603050405020304" pitchFamily="18" charset="0"/>
+                <a:cs typeface="Times New Roman" panose="02020603050405020304" pitchFamily="18" charset="0"/>
+              </a:rPr>
+              <a:t> </a:t>
+            </a:r>
+            <a:r>
+              <a:rPr lang="en-US" sz="2400" dirty="0" err="1" smtClean="0">
+                <a:solidFill>
+                  <a:schemeClr val="tx1"/>
+                </a:solidFill>
+                <a:latin typeface="Times New Roman" panose="02020603050405020304" pitchFamily="18" charset="0"/>
+                <a:cs typeface="Times New Roman" panose="02020603050405020304" pitchFamily="18" charset="0"/>
+              </a:rPr>
+              <a:t>cố</a:t>
+            </a:r>
+            <a:r>
+              <a:rPr lang="en-US" sz="2400" dirty="0" smtClean="0">
+                <a:solidFill>
+                  <a:schemeClr val="tx1"/>
+                </a:solidFill>
+                <a:latin typeface="Times New Roman" panose="02020603050405020304" pitchFamily="18" charset="0"/>
+                <a:cs typeface="Times New Roman" panose="02020603050405020304" pitchFamily="18" charset="0"/>
+              </a:rPr>
+              <a:t> </a:t>
+            </a:r>
+            <a:r>
+              <a:rPr lang="en-US" sz="2400" dirty="0" err="1" smtClean="0">
+                <a:solidFill>
+                  <a:schemeClr val="tx1"/>
+                </a:solidFill>
+                <a:latin typeface="Times New Roman" panose="02020603050405020304" pitchFamily="18" charset="0"/>
+                <a:cs typeface="Times New Roman" panose="02020603050405020304" pitchFamily="18" charset="0"/>
+              </a:rPr>
+              <a:t>định</a:t>
+            </a:r>
+            <a:r>
+              <a:rPr lang="en-US" sz="2400" dirty="0" smtClean="0">
+                <a:solidFill>
+                  <a:schemeClr val="tx1"/>
+                </a:solidFill>
+                <a:latin typeface="Times New Roman" panose="02020603050405020304" pitchFamily="18" charset="0"/>
+                <a:cs typeface="Times New Roman" panose="02020603050405020304" pitchFamily="18" charset="0"/>
+              </a:rPr>
+              <a:t>, </a:t>
+            </a:r>
+            <a:r>
+              <a:rPr lang="en-US" sz="2400" dirty="0" err="1" smtClean="0">
+                <a:solidFill>
+                  <a:schemeClr val="tx1"/>
+                </a:solidFill>
+                <a:latin typeface="Times New Roman" panose="02020603050405020304" pitchFamily="18" charset="0"/>
+                <a:cs typeface="Times New Roman" panose="02020603050405020304" pitchFamily="18" charset="0"/>
+              </a:rPr>
+              <a:t>mà</a:t>
+            </a:r>
+            <a:r>
+              <a:rPr lang="en-US" sz="2400" dirty="0" smtClean="0">
+                <a:solidFill>
+                  <a:schemeClr val="tx1"/>
+                </a:solidFill>
+                <a:latin typeface="Times New Roman" panose="02020603050405020304" pitchFamily="18" charset="0"/>
+                <a:cs typeface="Times New Roman" panose="02020603050405020304" pitchFamily="18" charset="0"/>
+              </a:rPr>
+              <a:t> </a:t>
+            </a:r>
+            <a:r>
+              <a:rPr lang="en-US" sz="2400" dirty="0" err="1" smtClean="0">
+                <a:solidFill>
+                  <a:schemeClr val="tx1"/>
+                </a:solidFill>
+                <a:latin typeface="Times New Roman" panose="02020603050405020304" pitchFamily="18" charset="0"/>
+                <a:cs typeface="Times New Roman" panose="02020603050405020304" pitchFamily="18" charset="0"/>
+              </a:rPr>
+              <a:t>cách</a:t>
+            </a:r>
+            <a:r>
+              <a:rPr lang="en-US" sz="2400" dirty="0" smtClean="0">
+                <a:solidFill>
+                  <a:schemeClr val="tx1"/>
+                </a:solidFill>
+                <a:latin typeface="Times New Roman" panose="02020603050405020304" pitchFamily="18" charset="0"/>
+                <a:cs typeface="Times New Roman" panose="02020603050405020304" pitchFamily="18" charset="0"/>
+              </a:rPr>
+              <a:t> bot </a:t>
+            </a:r>
+            <a:r>
+              <a:rPr lang="en-US" sz="2400" dirty="0" err="1" smtClean="0">
+                <a:solidFill>
+                  <a:schemeClr val="tx1"/>
+                </a:solidFill>
+                <a:latin typeface="Times New Roman" panose="02020603050405020304" pitchFamily="18" charset="0"/>
+                <a:cs typeface="Times New Roman" panose="02020603050405020304" pitchFamily="18" charset="0"/>
+              </a:rPr>
+              <a:t>lấy</a:t>
+            </a:r>
+            <a:r>
+              <a:rPr lang="en-US" sz="2400" dirty="0" smtClean="0">
+                <a:solidFill>
+                  <a:schemeClr val="tx1"/>
+                </a:solidFill>
+                <a:latin typeface="Times New Roman" panose="02020603050405020304" pitchFamily="18" charset="0"/>
+                <a:cs typeface="Times New Roman" panose="02020603050405020304" pitchFamily="18" charset="0"/>
+              </a:rPr>
+              <a:t> data </a:t>
+            </a:r>
+            <a:r>
+              <a:rPr lang="en-US" sz="2400" dirty="0" err="1" smtClean="0">
+                <a:solidFill>
+                  <a:schemeClr val="tx1"/>
+                </a:solidFill>
+                <a:latin typeface="Times New Roman" panose="02020603050405020304" pitchFamily="18" charset="0"/>
+                <a:cs typeface="Times New Roman" panose="02020603050405020304" pitchFamily="18" charset="0"/>
+              </a:rPr>
+              <a:t>là</a:t>
+            </a:r>
+            <a:r>
+              <a:rPr lang="en-US" sz="2400" dirty="0" smtClean="0">
+                <a:solidFill>
+                  <a:schemeClr val="tx1"/>
+                </a:solidFill>
+                <a:latin typeface="Times New Roman" panose="02020603050405020304" pitchFamily="18" charset="0"/>
+                <a:cs typeface="Times New Roman" panose="02020603050405020304" pitchFamily="18" charset="0"/>
+              </a:rPr>
+              <a:t> </a:t>
+            </a:r>
+            <a:r>
+              <a:rPr lang="en-US" sz="2400" dirty="0" err="1" smtClean="0">
+                <a:solidFill>
+                  <a:schemeClr val="tx1"/>
+                </a:solidFill>
+                <a:latin typeface="Times New Roman" panose="02020603050405020304" pitchFamily="18" charset="0"/>
+                <a:cs typeface="Times New Roman" panose="02020603050405020304" pitchFamily="18" charset="0"/>
+              </a:rPr>
+              <a:t>đầu</a:t>
+            </a:r>
+            <a:r>
+              <a:rPr lang="en-US" sz="2400" dirty="0" smtClean="0">
+                <a:solidFill>
+                  <a:schemeClr val="tx1"/>
+                </a:solidFill>
+                <a:latin typeface="Times New Roman" panose="02020603050405020304" pitchFamily="18" charset="0"/>
+                <a:cs typeface="Times New Roman" panose="02020603050405020304" pitchFamily="18" charset="0"/>
+              </a:rPr>
+              <a:t> </a:t>
+            </a:r>
+            <a:r>
+              <a:rPr lang="en-US" sz="2400" dirty="0" err="1" smtClean="0">
+                <a:solidFill>
+                  <a:schemeClr val="tx1"/>
+                </a:solidFill>
+                <a:latin typeface="Times New Roman" panose="02020603050405020304" pitchFamily="18" charset="0"/>
+                <a:cs typeface="Times New Roman" panose="02020603050405020304" pitchFamily="18" charset="0"/>
+              </a:rPr>
+              <a:t>tiên</a:t>
+            </a:r>
+            <a:r>
+              <a:rPr lang="en-US" sz="2400" dirty="0" smtClean="0">
+                <a:solidFill>
+                  <a:schemeClr val="tx1"/>
+                </a:solidFill>
+                <a:latin typeface="Times New Roman" panose="02020603050405020304" pitchFamily="18" charset="0"/>
+                <a:cs typeface="Times New Roman" panose="02020603050405020304" pitchFamily="18" charset="0"/>
+              </a:rPr>
+              <a:t> bot </a:t>
+            </a:r>
+            <a:r>
+              <a:rPr lang="en-US" sz="2400" dirty="0" err="1" smtClean="0">
+                <a:solidFill>
+                  <a:schemeClr val="tx1"/>
+                </a:solidFill>
+                <a:latin typeface="Times New Roman" panose="02020603050405020304" pitchFamily="18" charset="0"/>
+                <a:cs typeface="Times New Roman" panose="02020603050405020304" pitchFamily="18" charset="0"/>
+              </a:rPr>
+              <a:t>vào</a:t>
+            </a:r>
+            <a:r>
+              <a:rPr lang="en-US" sz="2400" dirty="0" smtClean="0">
+                <a:solidFill>
+                  <a:schemeClr val="tx1"/>
+                </a:solidFill>
+                <a:latin typeface="Times New Roman" panose="02020603050405020304" pitchFamily="18" charset="0"/>
+                <a:cs typeface="Times New Roman" panose="02020603050405020304" pitchFamily="18" charset="0"/>
+              </a:rPr>
+              <a:t> web </a:t>
+            </a:r>
+            <a:r>
+              <a:rPr lang="en-US" sz="2400" dirty="0" err="1" smtClean="0">
+                <a:solidFill>
+                  <a:schemeClr val="tx1"/>
+                </a:solidFill>
+                <a:latin typeface="Times New Roman" panose="02020603050405020304" pitchFamily="18" charset="0"/>
+                <a:cs typeface="Times New Roman" panose="02020603050405020304" pitchFamily="18" charset="0"/>
+              </a:rPr>
+              <a:t>tìm</a:t>
+            </a:r>
+            <a:r>
+              <a:rPr lang="en-US" sz="2400" dirty="0" smtClean="0">
+                <a:solidFill>
+                  <a:schemeClr val="tx1"/>
+                </a:solidFill>
+                <a:latin typeface="Times New Roman" panose="02020603050405020304" pitchFamily="18" charset="0"/>
+                <a:cs typeface="Times New Roman" panose="02020603050405020304" pitchFamily="18" charset="0"/>
+              </a:rPr>
+              <a:t> </a:t>
+            </a:r>
+            <a:r>
+              <a:rPr lang="en-US" sz="2400" dirty="0" err="1" smtClean="0">
+                <a:solidFill>
+                  <a:schemeClr val="tx1"/>
+                </a:solidFill>
+                <a:latin typeface="Times New Roman" panose="02020603050405020304" pitchFamily="18" charset="0"/>
+                <a:cs typeface="Times New Roman" panose="02020603050405020304" pitchFamily="18" charset="0"/>
+              </a:rPr>
+              <a:t>dan</a:t>
+            </a:r>
+            <a:r>
+              <a:rPr lang="en-US" sz="2400" dirty="0" err="1" smtClean="0">
+                <a:solidFill>
+                  <a:schemeClr val="tx1"/>
+                </a:solidFill>
+                <a:latin typeface="Times New Roman" panose="02020603050405020304" pitchFamily="18" charset="0"/>
+                <a:cs typeface="Times New Roman" panose="02020603050405020304" pitchFamily="18" charset="0"/>
+              </a:rPr>
+              <a:t>h</a:t>
+            </a:r>
+            <a:r>
+              <a:rPr lang="en-US" sz="2400" dirty="0" smtClean="0">
+                <a:solidFill>
+                  <a:schemeClr val="tx1"/>
+                </a:solidFill>
+                <a:latin typeface="Times New Roman" panose="02020603050405020304" pitchFamily="18" charset="0"/>
+                <a:cs typeface="Times New Roman" panose="02020603050405020304" pitchFamily="18" charset="0"/>
+              </a:rPr>
+              <a:t> </a:t>
+            </a:r>
+            <a:r>
+              <a:rPr lang="en-US" sz="2400" dirty="0" err="1" smtClean="0">
+                <a:solidFill>
+                  <a:schemeClr val="tx1"/>
+                </a:solidFill>
+                <a:latin typeface="Times New Roman" panose="02020603050405020304" pitchFamily="18" charset="0"/>
+                <a:cs typeface="Times New Roman" panose="02020603050405020304" pitchFamily="18" charset="0"/>
+              </a:rPr>
+              <a:t>sách</a:t>
+            </a:r>
+            <a:r>
+              <a:rPr lang="en-US" sz="2400" dirty="0" smtClean="0">
+                <a:solidFill>
+                  <a:schemeClr val="tx1"/>
+                </a:solidFill>
+                <a:latin typeface="Times New Roman" panose="02020603050405020304" pitchFamily="18" charset="0"/>
+                <a:cs typeface="Times New Roman" panose="02020603050405020304" pitchFamily="18" charset="0"/>
+              </a:rPr>
+              <a:t> </a:t>
+            </a:r>
+            <a:r>
+              <a:rPr lang="en-US" sz="2400" dirty="0" err="1" smtClean="0">
+                <a:solidFill>
+                  <a:schemeClr val="tx1"/>
+                </a:solidFill>
+                <a:latin typeface="Times New Roman" panose="02020603050405020304" pitchFamily="18" charset="0"/>
+                <a:cs typeface="Times New Roman" panose="02020603050405020304" pitchFamily="18" charset="0"/>
+              </a:rPr>
+              <a:t>tất</a:t>
+            </a:r>
+            <a:r>
+              <a:rPr lang="en-US" sz="2400" dirty="0" smtClean="0">
+                <a:solidFill>
+                  <a:schemeClr val="tx1"/>
+                </a:solidFill>
+                <a:latin typeface="Times New Roman" panose="02020603050405020304" pitchFamily="18" charset="0"/>
+                <a:cs typeface="Times New Roman" panose="02020603050405020304" pitchFamily="18" charset="0"/>
+              </a:rPr>
+              <a:t> </a:t>
+            </a:r>
+            <a:r>
+              <a:rPr lang="en-US" sz="2400" dirty="0" err="1" smtClean="0">
+                <a:solidFill>
+                  <a:schemeClr val="tx1"/>
+                </a:solidFill>
+                <a:latin typeface="Times New Roman" panose="02020603050405020304" pitchFamily="18" charset="0"/>
+                <a:cs typeface="Times New Roman" panose="02020603050405020304" pitchFamily="18" charset="0"/>
+              </a:rPr>
+              <a:t>cả</a:t>
+            </a:r>
+            <a:r>
+              <a:rPr lang="en-US" sz="2400" dirty="0" smtClean="0">
+                <a:solidFill>
+                  <a:schemeClr val="tx1"/>
+                </a:solidFill>
+                <a:latin typeface="Times New Roman" panose="02020603050405020304" pitchFamily="18" charset="0"/>
+                <a:cs typeface="Times New Roman" panose="02020603050405020304" pitchFamily="18" charset="0"/>
+              </a:rPr>
+              <a:t> </a:t>
+            </a:r>
+            <a:r>
+              <a:rPr lang="en-US" sz="2400" dirty="0" err="1" smtClean="0">
+                <a:solidFill>
+                  <a:schemeClr val="tx1"/>
+                </a:solidFill>
+                <a:latin typeface="Times New Roman" panose="02020603050405020304" pitchFamily="18" charset="0"/>
+                <a:cs typeface="Times New Roman" panose="02020603050405020304" pitchFamily="18" charset="0"/>
+              </a:rPr>
+              <a:t>các</a:t>
+            </a:r>
+            <a:r>
+              <a:rPr lang="en-US" sz="2400" dirty="0" smtClean="0">
+                <a:solidFill>
+                  <a:schemeClr val="tx1"/>
+                </a:solidFill>
+                <a:latin typeface="Times New Roman" panose="02020603050405020304" pitchFamily="18" charset="0"/>
+                <a:cs typeface="Times New Roman" panose="02020603050405020304" pitchFamily="18" charset="0"/>
+              </a:rPr>
+              <a:t> </a:t>
+            </a:r>
+            <a:r>
+              <a:rPr lang="en-US" sz="2400" dirty="0" err="1" smtClean="0">
+                <a:solidFill>
+                  <a:schemeClr val="tx1"/>
+                </a:solidFill>
+                <a:latin typeface="Times New Roman" panose="02020603050405020304" pitchFamily="18" charset="0"/>
+                <a:cs typeface="Times New Roman" panose="02020603050405020304" pitchFamily="18" charset="0"/>
+              </a:rPr>
+              <a:t>trạm</a:t>
+            </a:r>
+            <a:r>
+              <a:rPr lang="en-US" sz="2400" dirty="0" smtClean="0">
+                <a:solidFill>
+                  <a:schemeClr val="tx1"/>
+                </a:solidFill>
+                <a:latin typeface="Times New Roman" panose="02020603050405020304" pitchFamily="18" charset="0"/>
+                <a:cs typeface="Times New Roman" panose="02020603050405020304" pitchFamily="18" charset="0"/>
+              </a:rPr>
+              <a:t>.</a:t>
+            </a:r>
+            <a:r>
+              <a:rPr lang="en-US" sz="2400" dirty="0" smtClean="0">
+                <a:solidFill>
+                  <a:schemeClr val="tx1"/>
+                </a:solidFill>
+                <a:latin typeface="Times New Roman" panose="02020603050405020304" pitchFamily="18" charset="0"/>
+                <a:cs typeface="Times New Roman" panose="02020603050405020304" pitchFamily="18" charset="0"/>
+              </a:rPr>
+              <a:t> </a:t>
+            </a:r>
+            <a:endParaRPr lang="en-US" sz="2400" dirty="0" smtClean="0">
+              <a:solidFill>
+                <a:schemeClr val="tx1"/>
+              </a:solidFill>
+              <a:latin typeface="Times New Roman" panose="02020603050405020304" pitchFamily="18" charset="0"/>
+              <a:cs typeface="Times New Roman" panose="02020603050405020304" pitchFamily="18" charset="0"/>
+            </a:endParaRPr>
+          </a:p>
+        </p:txBody>
+      </p:sp>
+      <p:pic>
+        <p:nvPicPr>
+          <p:cNvPr id="2" name="Picture 1"/>
+          <p:cNvPicPr>
+            <a:picLocks noChangeAspect="1"/>
+          </p:cNvPicPr>
+          <p:nvPr/>
+        </p:nvPicPr>
+        <p:blipFill>
+          <a:blip r:embed="rId3"/>
+          <a:stretch>
+            <a:fillRect/>
+          </a:stretch>
+        </p:blipFill>
+        <p:spPr>
+          <a:xfrm>
+            <a:off x="4807743" y="205000"/>
+            <a:ext cx="3120725" cy="4788482"/>
+          </a:xfrm>
+          <a:prstGeom prst="rect">
+            <a:avLst/>
+          </a:prstGeom>
+        </p:spPr>
+      </p:pic>
+      <p:sp>
+        <p:nvSpPr>
+          <p:cNvPr id="3" name="Rectangle 2"/>
+          <p:cNvSpPr/>
+          <p:nvPr/>
+        </p:nvSpPr>
+        <p:spPr>
+          <a:xfrm>
+            <a:off x="5436394" y="205000"/>
+            <a:ext cx="2185987" cy="280775"/>
+          </a:xfrm>
+          <a:prstGeom prst="rect">
+            <a:avLst/>
+          </a:prstGeom>
+          <a:noFill/>
+          <a:ln>
+            <a:solidFill>
+              <a:srgbClr val="FF0000"/>
+            </a:solidFill>
+          </a:ln>
+        </p:spPr>
+        <p:style>
+          <a:lnRef idx="2">
+            <a:schemeClr val="accent1">
+              <a:shade val="50000"/>
+            </a:schemeClr>
+          </a:lnRef>
+          <a:fillRef idx="1">
+            <a:schemeClr val="accent1"/>
+          </a:fillRef>
+          <a:effectRef idx="0">
+            <a:schemeClr val="accent1"/>
+          </a:effectRef>
+          <a:fontRef idx="minor">
+            <a:schemeClr val="lt1"/>
+          </a:fontRef>
+        </p:style>
+        <p:txBody>
+          <a:bodyPr rtlCol="0" anchor="ctr"/>
+          <a:lstStyle/>
+          <a:p>
+            <a:pPr algn="ctr"/>
+            <a:endParaRPr lang="en-US"/>
+          </a:p>
+        </p:txBody>
+      </p:sp>
+      <p:sp>
+        <p:nvSpPr>
+          <p:cNvPr id="5" name="Rectangle 4"/>
+          <p:cNvSpPr/>
+          <p:nvPr/>
+        </p:nvSpPr>
+        <p:spPr>
+          <a:xfrm>
+            <a:off x="4888706" y="1879019"/>
+            <a:ext cx="2185987" cy="3114463"/>
+          </a:xfrm>
+          <a:prstGeom prst="rect">
+            <a:avLst/>
+          </a:prstGeom>
+          <a:noFill/>
+          <a:ln>
+            <a:solidFill>
+              <a:srgbClr val="FF0000"/>
+            </a:solidFill>
+          </a:ln>
+        </p:spPr>
+        <p:style>
+          <a:lnRef idx="2">
+            <a:schemeClr val="accent1">
+              <a:shade val="50000"/>
+            </a:schemeClr>
+          </a:lnRef>
+          <a:fillRef idx="1">
+            <a:schemeClr val="accent1"/>
+          </a:fillRef>
+          <a:effectRef idx="0">
+            <a:schemeClr val="accent1"/>
+          </a:effectRef>
+          <a:fontRef idx="minor">
+            <a:schemeClr val="lt1"/>
+          </a:fontRef>
+        </p:style>
+        <p:txBody>
+          <a:bodyPr rtlCol="0" anchor="ctr"/>
+          <a:lstStyle/>
+          <a:p>
+            <a:pPr algn="ctr"/>
+            <a:endParaRPr lang="en-US"/>
+          </a:p>
+        </p:txBody>
+      </p:sp>
+    </p:spTree>
+    <p:extLst>
+      <p:ext uri="{BB962C8B-B14F-4D97-AF65-F5344CB8AC3E}">
+        <p14:creationId xmlns:p14="http://schemas.microsoft.com/office/powerpoint/2010/main" val="3499212716"/>
+      </p:ext>
+    </p:extLst>
+  </p:cSld>
+  <p:clrMapOvr>
+    <a:masterClrMapping/>
+  </p:clrMapOvr>
+</p:sld>
+</file>
+
+<file path=ppt/slides/slide8.xml><?xml version="1.0" encoding="utf-8"?>
+<p:sld xmlns:a="http://schemas.openxmlformats.org/drawingml/2006/main" xmlns:r="http://schemas.openxmlformats.org/officeDocument/2006/relationships" xmlns:p="http://schemas.openxmlformats.org/presentationml/2006/main">
+  <p:cSld>
+    <p:spTree>
+      <p:nvGrpSpPr>
+        <p:cNvPr id="1" name="Shape 1306"/>
+        <p:cNvGrpSpPr/>
+        <p:nvPr/>
+      </p:nvGrpSpPr>
+      <p:grpSpPr>
+        <a:xfrm>
+          <a:off x="0" y="0"/>
+          <a:ext cx="0" cy="0"/>
+          <a:chOff x="0" y="0"/>
+          <a:chExt cx="0" cy="0"/>
+        </a:xfrm>
+      </p:grpSpPr>
+      <p:sp>
+        <p:nvSpPr>
+          <p:cNvPr id="6" name="Google Shape;1318;p48"/>
+          <p:cNvSpPr txBox="1">
+            <a:spLocks/>
+          </p:cNvSpPr>
+          <p:nvPr/>
+        </p:nvSpPr>
+        <p:spPr>
+          <a:xfrm>
+            <a:off x="420385" y="735808"/>
+            <a:ext cx="3058621" cy="3464717"/>
+          </a:xfrm>
+          <a:prstGeom prst="rect">
+            <a:avLst/>
+          </a:prstGeom>
+        </p:spPr>
+        <p:txBody>
+          <a:bodyPr spcFirstLastPara="1" wrap="square" lIns="91425" tIns="91425" rIns="91425" bIns="91425" anchor="ctr" anchorCtr="0">
+            <a:noAutofit/>
+          </a:bodyPr>
+          <a:lstStyle>
+            <a:defPPr marR="0" lvl="0" algn="l" rtl="0">
+              <a:lnSpc>
+                <a:spcPct val="100000"/>
+              </a:lnSpc>
+              <a:spcBef>
+                <a:spcPts val="0"/>
+              </a:spcBef>
+              <a:spcAft>
+                <a:spcPts val="0"/>
+              </a:spcAft>
+            </a:defPPr>
+            <a:lvl1pPr marR="0" lvl="0" algn="l" rtl="0">
+              <a:lnSpc>
+                <a:spcPct val="100000"/>
+              </a:lnSpc>
+              <a:spcBef>
+                <a:spcPts val="0"/>
+              </a:spcBef>
+              <a:spcAft>
+                <a:spcPts val="0"/>
+              </a:spcAft>
+              <a:buClr>
+                <a:srgbClr val="000000"/>
+              </a:buClr>
+              <a:buFont typeface="Arial"/>
+              <a:defRPr sz="1400" b="0" i="0" u="none" strike="noStrike" cap="none">
+                <a:solidFill>
+                  <a:srgbClr val="000000"/>
+                </a:solidFill>
+                <a:latin typeface="Arial"/>
+                <a:ea typeface="Arial"/>
+                <a:cs typeface="Arial"/>
+                <a:sym typeface="Arial"/>
+              </a:defRPr>
+            </a:lvl1pPr>
+            <a:lvl2pPr marR="0" lvl="1" algn="l" rtl="0">
+              <a:lnSpc>
+                <a:spcPct val="100000"/>
+              </a:lnSpc>
+              <a:spcBef>
+                <a:spcPts val="0"/>
+              </a:spcBef>
+              <a:spcAft>
+                <a:spcPts val="0"/>
+              </a:spcAft>
+              <a:buClr>
+                <a:srgbClr val="000000"/>
+              </a:buClr>
+              <a:buFont typeface="Arial"/>
+              <a:defRPr sz="1400" b="0" i="0" u="none" strike="noStrike" cap="none">
+                <a:solidFill>
+                  <a:srgbClr val="000000"/>
+                </a:solidFill>
+                <a:latin typeface="Arial"/>
+                <a:ea typeface="Arial"/>
+                <a:cs typeface="Arial"/>
+                <a:sym typeface="Arial"/>
+              </a:defRPr>
+            </a:lvl2pPr>
+            <a:lvl3pPr marR="0" lvl="2" algn="l" rtl="0">
+              <a:lnSpc>
+                <a:spcPct val="100000"/>
+              </a:lnSpc>
+              <a:spcBef>
+                <a:spcPts val="0"/>
+              </a:spcBef>
+              <a:spcAft>
+                <a:spcPts val="0"/>
+              </a:spcAft>
+              <a:buClr>
+                <a:srgbClr val="000000"/>
+              </a:buClr>
+              <a:buFont typeface="Arial"/>
+              <a:defRPr sz="1400" b="0" i="0" u="none" strike="noStrike" cap="none">
+                <a:solidFill>
+                  <a:srgbClr val="000000"/>
+                </a:solidFill>
+                <a:latin typeface="Arial"/>
+                <a:ea typeface="Arial"/>
+                <a:cs typeface="Arial"/>
+                <a:sym typeface="Arial"/>
+              </a:defRPr>
+            </a:lvl3pPr>
+            <a:lvl4pPr marR="0" lvl="3" algn="l" rtl="0">
+              <a:lnSpc>
+                <a:spcPct val="100000"/>
+              </a:lnSpc>
+              <a:spcBef>
+                <a:spcPts val="0"/>
+              </a:spcBef>
+              <a:spcAft>
+                <a:spcPts val="0"/>
+              </a:spcAft>
+              <a:buClr>
+                <a:srgbClr val="000000"/>
+              </a:buClr>
+              <a:buFont typeface="Arial"/>
+              <a:defRPr sz="1400" b="0" i="0" u="none" strike="noStrike" cap="none">
+                <a:solidFill>
+                  <a:srgbClr val="000000"/>
+                </a:solidFill>
+                <a:latin typeface="Arial"/>
+                <a:ea typeface="Arial"/>
+                <a:cs typeface="Arial"/>
+                <a:sym typeface="Arial"/>
+              </a:defRPr>
+            </a:lvl4pPr>
+            <a:lvl5pPr marR="0" lvl="4" algn="l" rtl="0">
+              <a:lnSpc>
+                <a:spcPct val="100000"/>
+              </a:lnSpc>
+              <a:spcBef>
+                <a:spcPts val="0"/>
+              </a:spcBef>
+              <a:spcAft>
+                <a:spcPts val="0"/>
+              </a:spcAft>
+              <a:buClr>
+                <a:srgbClr val="000000"/>
+              </a:buClr>
+              <a:buFont typeface="Arial"/>
+              <a:defRPr sz="1400" b="0" i="0" u="none" strike="noStrike" cap="none">
+                <a:solidFill>
+                  <a:srgbClr val="000000"/>
+                </a:solidFill>
+                <a:latin typeface="Arial"/>
+                <a:ea typeface="Arial"/>
+                <a:cs typeface="Arial"/>
+                <a:sym typeface="Arial"/>
+              </a:defRPr>
+            </a:lvl5pPr>
+            <a:lvl6pPr marR="0" lvl="5" algn="l" rtl="0">
+              <a:lnSpc>
+                <a:spcPct val="100000"/>
+              </a:lnSpc>
+              <a:spcBef>
+                <a:spcPts val="0"/>
+              </a:spcBef>
+              <a:spcAft>
+                <a:spcPts val="0"/>
+              </a:spcAft>
+              <a:buClr>
+                <a:srgbClr val="000000"/>
+              </a:buClr>
+              <a:buFont typeface="Arial"/>
+              <a:defRPr sz="1400" b="0" i="0" u="none" strike="noStrike" cap="none">
+                <a:solidFill>
+                  <a:srgbClr val="000000"/>
+                </a:solidFill>
+                <a:latin typeface="Arial"/>
+                <a:ea typeface="Arial"/>
+                <a:cs typeface="Arial"/>
+                <a:sym typeface="Arial"/>
+              </a:defRPr>
+            </a:lvl6pPr>
+            <a:lvl7pPr marR="0" lvl="6" algn="l" rtl="0">
+              <a:lnSpc>
+                <a:spcPct val="100000"/>
+              </a:lnSpc>
+              <a:spcBef>
+                <a:spcPts val="0"/>
+              </a:spcBef>
+              <a:spcAft>
+                <a:spcPts val="0"/>
+              </a:spcAft>
+              <a:buClr>
+                <a:srgbClr val="000000"/>
+              </a:buClr>
+              <a:buFont typeface="Arial"/>
+              <a:defRPr sz="1400" b="0" i="0" u="none" strike="noStrike" cap="none">
+                <a:solidFill>
+                  <a:srgbClr val="000000"/>
+                </a:solidFill>
+                <a:latin typeface="Arial"/>
+                <a:ea typeface="Arial"/>
+                <a:cs typeface="Arial"/>
+                <a:sym typeface="Arial"/>
+              </a:defRPr>
+            </a:lvl7pPr>
+            <a:lvl8pPr marR="0" lvl="7" algn="l" rtl="0">
+              <a:lnSpc>
+                <a:spcPct val="100000"/>
+              </a:lnSpc>
+              <a:spcBef>
+                <a:spcPts val="0"/>
+              </a:spcBef>
+              <a:spcAft>
+                <a:spcPts val="0"/>
+              </a:spcAft>
+              <a:buClr>
+                <a:srgbClr val="000000"/>
+              </a:buClr>
+              <a:buFont typeface="Arial"/>
+              <a:defRPr sz="1400" b="0" i="0" u="none" strike="noStrike" cap="none">
+                <a:solidFill>
+                  <a:srgbClr val="000000"/>
+                </a:solidFill>
+                <a:latin typeface="Arial"/>
+                <a:ea typeface="Arial"/>
+                <a:cs typeface="Arial"/>
+                <a:sym typeface="Arial"/>
+              </a:defRPr>
+            </a:lvl8pPr>
+            <a:lvl9pPr marR="0" lvl="8" algn="l" rtl="0">
+              <a:lnSpc>
+                <a:spcPct val="100000"/>
+              </a:lnSpc>
+              <a:spcBef>
+                <a:spcPts val="0"/>
+              </a:spcBef>
+              <a:spcAft>
+                <a:spcPts val="0"/>
+              </a:spcAft>
+              <a:buClr>
+                <a:srgbClr val="000000"/>
+              </a:buClr>
+              <a:buFont typeface="Arial"/>
+              <a:defRPr sz="1400" b="0" i="0" u="none" strike="noStrike" cap="none">
+                <a:solidFill>
+                  <a:srgbClr val="000000"/>
+                </a:solidFill>
+                <a:latin typeface="Arial"/>
+                <a:ea typeface="Arial"/>
+                <a:cs typeface="Arial"/>
+                <a:sym typeface="Arial"/>
+              </a:defRPr>
+            </a:lvl9pPr>
+          </a:lstStyle>
+          <a:p>
+            <a:r>
+              <a:rPr lang="en-US" sz="3200" dirty="0" smtClean="0">
+                <a:solidFill>
+                  <a:schemeClr val="tx1"/>
+                </a:solidFill>
+                <a:latin typeface="Times New Roman" panose="02020603050405020304" pitchFamily="18" charset="0"/>
+                <a:cs typeface="Times New Roman" panose="02020603050405020304" pitchFamily="18" charset="0"/>
+              </a:rPr>
+              <a:t>1.2 Crawl </a:t>
+            </a:r>
+            <a:r>
+              <a:rPr lang="en-US" sz="3200" dirty="0">
+                <a:solidFill>
+                  <a:schemeClr val="tx1"/>
+                </a:solidFill>
+                <a:latin typeface="Times New Roman" panose="02020603050405020304" pitchFamily="18" charset="0"/>
+                <a:cs typeface="Times New Roman" panose="02020603050405020304" pitchFamily="18" charset="0"/>
+              </a:rPr>
+              <a:t>data</a:t>
+            </a:r>
+            <a:r>
+              <a:rPr lang="en-US" sz="3200" dirty="0" smtClean="0">
+                <a:solidFill>
+                  <a:schemeClr val="tx1"/>
+                </a:solidFill>
+                <a:latin typeface="Times New Roman" panose="02020603050405020304" pitchFamily="18" charset="0"/>
+                <a:cs typeface="Times New Roman" panose="02020603050405020304" pitchFamily="18" charset="0"/>
+              </a:rPr>
+              <a:t>:</a:t>
+            </a:r>
+          </a:p>
+          <a:p>
+            <a:endParaRPr lang="en-US" sz="3200" dirty="0" smtClean="0">
+              <a:solidFill>
+                <a:schemeClr val="tx1"/>
+              </a:solidFill>
+              <a:latin typeface="Times New Roman" panose="02020603050405020304" pitchFamily="18" charset="0"/>
+              <a:cs typeface="Times New Roman" panose="02020603050405020304" pitchFamily="18" charset="0"/>
+            </a:endParaRPr>
+          </a:p>
+          <a:p>
+            <a:pPr lvl="0"/>
+            <a:r>
+              <a:rPr lang="en-US" sz="2400" dirty="0" err="1" smtClean="0">
+                <a:solidFill>
+                  <a:schemeClr val="tx1"/>
+                </a:solidFill>
+                <a:latin typeface="Times New Roman" panose="02020603050405020304" pitchFamily="18" charset="0"/>
+                <a:cs typeface="Times New Roman" panose="02020603050405020304" pitchFamily="18" charset="0"/>
+              </a:rPr>
+              <a:t>Sau</a:t>
+            </a:r>
+            <a:r>
+              <a:rPr lang="en-US" sz="2400" dirty="0" smtClean="0">
+                <a:solidFill>
+                  <a:schemeClr val="tx1"/>
+                </a:solidFill>
+                <a:latin typeface="Times New Roman" panose="02020603050405020304" pitchFamily="18" charset="0"/>
+                <a:cs typeface="Times New Roman" panose="02020603050405020304" pitchFamily="18" charset="0"/>
+              </a:rPr>
+              <a:t> </a:t>
+            </a:r>
+            <a:r>
+              <a:rPr lang="en-US" sz="2400" dirty="0" err="1" smtClean="0">
+                <a:solidFill>
+                  <a:schemeClr val="tx1"/>
+                </a:solidFill>
+                <a:latin typeface="Times New Roman" panose="02020603050405020304" pitchFamily="18" charset="0"/>
+                <a:cs typeface="Times New Roman" panose="02020603050405020304" pitchFamily="18" charset="0"/>
+              </a:rPr>
+              <a:t>đó</a:t>
+            </a:r>
+            <a:r>
+              <a:rPr lang="en-US" sz="2400" dirty="0" smtClean="0">
+                <a:solidFill>
+                  <a:schemeClr val="tx1"/>
+                </a:solidFill>
+                <a:latin typeface="Times New Roman" panose="02020603050405020304" pitchFamily="18" charset="0"/>
+                <a:cs typeface="Times New Roman" panose="02020603050405020304" pitchFamily="18" charset="0"/>
+              </a:rPr>
+              <a:t> bot </a:t>
+            </a:r>
+            <a:r>
+              <a:rPr lang="en-US" sz="2400" dirty="0" err="1" smtClean="0">
+                <a:solidFill>
+                  <a:schemeClr val="tx1"/>
+                </a:solidFill>
+                <a:latin typeface="Times New Roman" panose="02020603050405020304" pitchFamily="18" charset="0"/>
+                <a:cs typeface="Times New Roman" panose="02020603050405020304" pitchFamily="18" charset="0"/>
+              </a:rPr>
+              <a:t>sẽ</a:t>
+            </a:r>
+            <a:r>
+              <a:rPr lang="en-US" sz="2400" dirty="0" smtClean="0">
+                <a:solidFill>
+                  <a:schemeClr val="tx1"/>
+                </a:solidFill>
+                <a:latin typeface="Times New Roman" panose="02020603050405020304" pitchFamily="18" charset="0"/>
+                <a:cs typeface="Times New Roman" panose="02020603050405020304" pitchFamily="18" charset="0"/>
+              </a:rPr>
+              <a:t> </a:t>
+            </a:r>
+            <a:r>
+              <a:rPr lang="en-US" sz="2400" dirty="0" err="1" smtClean="0">
+                <a:solidFill>
+                  <a:schemeClr val="tx1"/>
+                </a:solidFill>
+                <a:latin typeface="Times New Roman" panose="02020603050405020304" pitchFamily="18" charset="0"/>
+                <a:cs typeface="Times New Roman" panose="02020603050405020304" pitchFamily="18" charset="0"/>
+              </a:rPr>
+              <a:t>vào</a:t>
+            </a:r>
+            <a:r>
+              <a:rPr lang="en-US" sz="2400" dirty="0" smtClean="0">
+                <a:solidFill>
+                  <a:schemeClr val="tx1"/>
+                </a:solidFill>
+                <a:latin typeface="Times New Roman" panose="02020603050405020304" pitchFamily="18" charset="0"/>
+                <a:cs typeface="Times New Roman" panose="02020603050405020304" pitchFamily="18" charset="0"/>
+              </a:rPr>
+              <a:t> </a:t>
+            </a:r>
+            <a:r>
+              <a:rPr lang="en-US" sz="2400" dirty="0" err="1" smtClean="0">
+                <a:solidFill>
+                  <a:schemeClr val="tx1"/>
+                </a:solidFill>
+                <a:latin typeface="Times New Roman" panose="02020603050405020304" pitchFamily="18" charset="0"/>
+                <a:cs typeface="Times New Roman" panose="02020603050405020304" pitchFamily="18" charset="0"/>
+              </a:rPr>
+              <a:t>từng</a:t>
+            </a:r>
+            <a:r>
+              <a:rPr lang="en-US" sz="2400" dirty="0" smtClean="0">
+                <a:solidFill>
+                  <a:schemeClr val="tx1"/>
+                </a:solidFill>
+                <a:latin typeface="Times New Roman" panose="02020603050405020304" pitchFamily="18" charset="0"/>
+                <a:cs typeface="Times New Roman" panose="02020603050405020304" pitchFamily="18" charset="0"/>
+              </a:rPr>
+              <a:t> </a:t>
+            </a:r>
+            <a:r>
+              <a:rPr lang="en-US" sz="2400" dirty="0" err="1" smtClean="0">
+                <a:solidFill>
+                  <a:schemeClr val="tx1"/>
+                </a:solidFill>
+                <a:latin typeface="Times New Roman" panose="02020603050405020304" pitchFamily="18" charset="0"/>
+                <a:cs typeface="Times New Roman" panose="02020603050405020304" pitchFamily="18" charset="0"/>
+              </a:rPr>
+              <a:t>trạm</a:t>
+            </a:r>
+            <a:r>
+              <a:rPr lang="en-US" sz="2400" dirty="0" smtClean="0">
+                <a:solidFill>
+                  <a:schemeClr val="tx1"/>
+                </a:solidFill>
+                <a:latin typeface="Times New Roman" panose="02020603050405020304" pitchFamily="18" charset="0"/>
+                <a:cs typeface="Times New Roman" panose="02020603050405020304" pitchFamily="18" charset="0"/>
+              </a:rPr>
+              <a:t> </a:t>
+            </a:r>
+            <a:r>
+              <a:rPr lang="en-US" sz="2400" dirty="0" err="1" smtClean="0">
+                <a:solidFill>
+                  <a:schemeClr val="tx1"/>
+                </a:solidFill>
+                <a:latin typeface="Times New Roman" panose="02020603050405020304" pitchFamily="18" charset="0"/>
+                <a:cs typeface="Times New Roman" panose="02020603050405020304" pitchFamily="18" charset="0"/>
+              </a:rPr>
+              <a:t>đọc</a:t>
+            </a:r>
+            <a:r>
+              <a:rPr lang="en-US" sz="2400" dirty="0" smtClean="0">
+                <a:solidFill>
+                  <a:schemeClr val="tx1"/>
+                </a:solidFill>
+                <a:latin typeface="Times New Roman" panose="02020603050405020304" pitchFamily="18" charset="0"/>
+                <a:cs typeface="Times New Roman" panose="02020603050405020304" pitchFamily="18" charset="0"/>
+              </a:rPr>
+              <a:t> data </a:t>
+            </a:r>
+            <a:r>
+              <a:rPr lang="en-US" sz="2400" dirty="0" err="1" smtClean="0">
+                <a:solidFill>
+                  <a:schemeClr val="tx1"/>
+                </a:solidFill>
+                <a:latin typeface="Times New Roman" panose="02020603050405020304" pitchFamily="18" charset="0"/>
+                <a:cs typeface="Times New Roman" panose="02020603050405020304" pitchFamily="18" charset="0"/>
+              </a:rPr>
+              <a:t>từ</a:t>
+            </a:r>
+            <a:r>
+              <a:rPr lang="en-US" sz="2400" dirty="0" smtClean="0">
+                <a:solidFill>
+                  <a:schemeClr val="tx1"/>
+                </a:solidFill>
+                <a:latin typeface="Times New Roman" panose="02020603050405020304" pitchFamily="18" charset="0"/>
+                <a:cs typeface="Times New Roman" panose="02020603050405020304" pitchFamily="18" charset="0"/>
+              </a:rPr>
+              <a:t> </a:t>
+            </a:r>
+            <a:r>
+              <a:rPr lang="en-US" sz="2400" dirty="0" err="1" smtClean="0">
+                <a:solidFill>
+                  <a:schemeClr val="tx1"/>
+                </a:solidFill>
+                <a:latin typeface="Times New Roman" panose="02020603050405020304" pitchFamily="18" charset="0"/>
+                <a:cs typeface="Times New Roman" panose="02020603050405020304" pitchFamily="18" charset="0"/>
+              </a:rPr>
+              <a:t>các</a:t>
+            </a:r>
+            <a:r>
+              <a:rPr lang="en-US" sz="2400" dirty="0" smtClean="0">
+                <a:solidFill>
+                  <a:schemeClr val="tx1"/>
+                </a:solidFill>
+                <a:latin typeface="Times New Roman" panose="02020603050405020304" pitchFamily="18" charset="0"/>
+                <a:cs typeface="Times New Roman" panose="02020603050405020304" pitchFamily="18" charset="0"/>
+              </a:rPr>
+              <a:t> chart </a:t>
+            </a:r>
+            <a:r>
+              <a:rPr lang="en-US" sz="2400" dirty="0" err="1" smtClean="0">
+                <a:solidFill>
+                  <a:schemeClr val="tx1"/>
+                </a:solidFill>
+                <a:latin typeface="Times New Roman" panose="02020603050405020304" pitchFamily="18" charset="0"/>
+                <a:cs typeface="Times New Roman" panose="02020603050405020304" pitchFamily="18" charset="0"/>
+              </a:rPr>
+              <a:t>này</a:t>
+            </a:r>
+            <a:r>
+              <a:rPr lang="en-US" sz="2400" dirty="0" smtClean="0">
+                <a:solidFill>
+                  <a:schemeClr val="tx1"/>
+                </a:solidFill>
+                <a:latin typeface="Times New Roman" panose="02020603050405020304" pitchFamily="18" charset="0"/>
+                <a:cs typeface="Times New Roman" panose="02020603050405020304" pitchFamily="18" charset="0"/>
+              </a:rPr>
+              <a:t>. </a:t>
+            </a:r>
+            <a:r>
+              <a:rPr lang="en-US" sz="2400" dirty="0" err="1" smtClean="0">
+                <a:solidFill>
+                  <a:schemeClr val="tx1"/>
+                </a:solidFill>
+                <a:latin typeface="Times New Roman" panose="02020603050405020304" pitchFamily="18" charset="0"/>
+                <a:cs typeface="Times New Roman" panose="02020603050405020304" pitchFamily="18" charset="0"/>
+              </a:rPr>
+              <a:t>Có</a:t>
+            </a:r>
+            <a:r>
+              <a:rPr lang="en-US" sz="2400" dirty="0" smtClean="0">
+                <a:solidFill>
+                  <a:schemeClr val="tx1"/>
+                </a:solidFill>
+                <a:latin typeface="Times New Roman" panose="02020603050405020304" pitchFamily="18" charset="0"/>
+                <a:cs typeface="Times New Roman" panose="02020603050405020304" pitchFamily="18" charset="0"/>
+              </a:rPr>
+              <a:t> 4 button </a:t>
+            </a:r>
+            <a:r>
+              <a:rPr lang="en-US" sz="2400" dirty="0" err="1" smtClean="0">
+                <a:solidFill>
+                  <a:schemeClr val="tx1"/>
+                </a:solidFill>
+                <a:latin typeface="Times New Roman" panose="02020603050405020304" pitchFamily="18" charset="0"/>
+                <a:cs typeface="Times New Roman" panose="02020603050405020304" pitchFamily="18" charset="0"/>
+              </a:rPr>
+              <a:t>tương</a:t>
+            </a:r>
+            <a:r>
+              <a:rPr lang="en-US" sz="2400" dirty="0" smtClean="0">
+                <a:solidFill>
+                  <a:schemeClr val="tx1"/>
+                </a:solidFill>
+                <a:latin typeface="Times New Roman" panose="02020603050405020304" pitchFamily="18" charset="0"/>
+                <a:cs typeface="Times New Roman" panose="02020603050405020304" pitchFamily="18" charset="0"/>
+              </a:rPr>
+              <a:t> </a:t>
+            </a:r>
+            <a:r>
+              <a:rPr lang="en-US" sz="2400" dirty="0" err="1" smtClean="0">
+                <a:solidFill>
+                  <a:schemeClr val="tx1"/>
+                </a:solidFill>
+                <a:latin typeface="Times New Roman" panose="02020603050405020304" pitchFamily="18" charset="0"/>
+                <a:cs typeface="Times New Roman" panose="02020603050405020304" pitchFamily="18" charset="0"/>
+              </a:rPr>
+              <a:t>ứng</a:t>
+            </a:r>
+            <a:r>
+              <a:rPr lang="en-US" sz="2400" dirty="0" smtClean="0">
+                <a:solidFill>
+                  <a:schemeClr val="tx1"/>
+                </a:solidFill>
+                <a:latin typeface="Times New Roman" panose="02020603050405020304" pitchFamily="18" charset="0"/>
+                <a:cs typeface="Times New Roman" panose="02020603050405020304" pitchFamily="18" charset="0"/>
+              </a:rPr>
+              <a:t> </a:t>
+            </a:r>
+            <a:r>
+              <a:rPr lang="en-US" sz="2400" dirty="0" err="1" smtClean="0">
+                <a:solidFill>
+                  <a:schemeClr val="tx1"/>
+                </a:solidFill>
+                <a:latin typeface="Times New Roman" panose="02020603050405020304" pitchFamily="18" charset="0"/>
+                <a:cs typeface="Times New Roman" panose="02020603050405020304" pitchFamily="18" charset="0"/>
+              </a:rPr>
+              <a:t>với</a:t>
+            </a:r>
+            <a:r>
+              <a:rPr lang="en-US" sz="2400" dirty="0" smtClean="0">
+                <a:solidFill>
+                  <a:schemeClr val="tx1"/>
+                </a:solidFill>
+                <a:latin typeface="Times New Roman" panose="02020603050405020304" pitchFamily="18" charset="0"/>
+                <a:cs typeface="Times New Roman" panose="02020603050405020304" pitchFamily="18" charset="0"/>
+              </a:rPr>
+              <a:t> 4 </a:t>
+            </a:r>
+            <a:r>
+              <a:rPr lang="en-US" sz="2400" dirty="0" err="1" smtClean="0">
+                <a:solidFill>
+                  <a:schemeClr val="tx1"/>
+                </a:solidFill>
+                <a:latin typeface="Times New Roman" panose="02020603050405020304" pitchFamily="18" charset="0"/>
+                <a:cs typeface="Times New Roman" panose="02020603050405020304" pitchFamily="18" charset="0"/>
+              </a:rPr>
+              <a:t>loại</a:t>
+            </a:r>
+            <a:r>
+              <a:rPr lang="en-US" sz="2400" dirty="0" smtClean="0">
+                <a:solidFill>
+                  <a:schemeClr val="tx1"/>
+                </a:solidFill>
+                <a:latin typeface="Times New Roman" panose="02020603050405020304" pitchFamily="18" charset="0"/>
+                <a:cs typeface="Times New Roman" panose="02020603050405020304" pitchFamily="18" charset="0"/>
+              </a:rPr>
+              <a:t> data.</a:t>
+            </a:r>
+            <a:endParaRPr lang="en-US" sz="2400" dirty="0" smtClean="0">
+              <a:solidFill>
+                <a:schemeClr val="tx1"/>
+              </a:solidFill>
+              <a:latin typeface="Times New Roman" panose="02020603050405020304" pitchFamily="18" charset="0"/>
+              <a:cs typeface="Times New Roman" panose="02020603050405020304" pitchFamily="18" charset="0"/>
+            </a:endParaRPr>
+          </a:p>
+        </p:txBody>
+      </p:sp>
+      <p:pic>
+        <p:nvPicPr>
+          <p:cNvPr id="4" name="Picture 3"/>
+          <p:cNvPicPr>
+            <a:picLocks noChangeAspect="1"/>
+          </p:cNvPicPr>
+          <p:nvPr/>
+        </p:nvPicPr>
+        <p:blipFill>
+          <a:blip r:embed="rId3"/>
+          <a:stretch>
+            <a:fillRect/>
+          </a:stretch>
+        </p:blipFill>
+        <p:spPr>
+          <a:xfrm>
+            <a:off x="3574786" y="1645190"/>
+            <a:ext cx="5412051" cy="3265892"/>
+          </a:xfrm>
+          <a:prstGeom prst="rect">
+            <a:avLst/>
+          </a:prstGeom>
+        </p:spPr>
+      </p:pic>
+      <p:sp>
+        <p:nvSpPr>
+          <p:cNvPr id="7" name="Rectangle 6"/>
+          <p:cNvSpPr/>
+          <p:nvPr/>
+        </p:nvSpPr>
+        <p:spPr>
+          <a:xfrm>
+            <a:off x="5661422" y="1974143"/>
+            <a:ext cx="1296591" cy="297570"/>
+          </a:xfrm>
+          <a:prstGeom prst="rect">
+            <a:avLst/>
+          </a:prstGeom>
+          <a:noFill/>
+          <a:ln>
+            <a:solidFill>
+              <a:srgbClr val="FF0000"/>
+            </a:solidFill>
+          </a:ln>
+        </p:spPr>
+        <p:style>
+          <a:lnRef idx="2">
+            <a:schemeClr val="accent1">
+              <a:shade val="50000"/>
+            </a:schemeClr>
+          </a:lnRef>
+          <a:fillRef idx="1">
+            <a:schemeClr val="accent1"/>
+          </a:fillRef>
+          <a:effectRef idx="0">
+            <a:schemeClr val="accent1"/>
+          </a:effectRef>
+          <a:fontRef idx="minor">
+            <a:schemeClr val="lt1"/>
+          </a:fontRef>
+        </p:style>
+        <p:txBody>
+          <a:bodyPr rtlCol="0" anchor="ctr"/>
+          <a:lstStyle/>
+          <a:p>
+            <a:pPr algn="ctr"/>
+            <a:endParaRPr lang="en-US"/>
+          </a:p>
+        </p:txBody>
+      </p:sp>
+      <p:sp>
+        <p:nvSpPr>
+          <p:cNvPr id="8" name="Rectangle 7"/>
+          <p:cNvSpPr/>
+          <p:nvPr/>
+        </p:nvSpPr>
+        <p:spPr>
+          <a:xfrm>
+            <a:off x="5820967" y="4555418"/>
+            <a:ext cx="929878" cy="355664"/>
+          </a:xfrm>
+          <a:prstGeom prst="rect">
+            <a:avLst/>
+          </a:prstGeom>
+          <a:noFill/>
+          <a:ln>
+            <a:solidFill>
+              <a:srgbClr val="FF0000"/>
+            </a:solidFill>
+          </a:ln>
+        </p:spPr>
+        <p:style>
+          <a:lnRef idx="2">
+            <a:schemeClr val="accent1">
+              <a:shade val="50000"/>
+            </a:schemeClr>
+          </a:lnRef>
+          <a:fillRef idx="1">
+            <a:schemeClr val="accent1"/>
+          </a:fillRef>
+          <a:effectRef idx="0">
+            <a:schemeClr val="accent1"/>
+          </a:effectRef>
+          <a:fontRef idx="minor">
+            <a:schemeClr val="lt1"/>
+          </a:fontRef>
+        </p:style>
+        <p:txBody>
+          <a:bodyPr rtlCol="0" anchor="ctr"/>
+          <a:lstStyle/>
+          <a:p>
+            <a:pPr algn="ctr"/>
+            <a:endParaRPr lang="en-US"/>
+          </a:p>
+        </p:txBody>
+      </p:sp>
+    </p:spTree>
+    <p:extLst>
+      <p:ext uri="{BB962C8B-B14F-4D97-AF65-F5344CB8AC3E}">
+        <p14:creationId xmlns:p14="http://schemas.microsoft.com/office/powerpoint/2010/main" val="2897750220"/>
+      </p:ext>
+    </p:extLst>
+  </p:cSld>
+  <p:clrMapOvr>
+    <a:masterClrMapping/>
+  </p:clrMapOvr>
+</p:sld>
+</file>
+
+<file path=ppt/slides/slide9.xml><?xml version="1.0" encoding="utf-8"?>
 <p:sld xmlns:a="http://schemas.openxmlformats.org/drawingml/2006/main" xmlns:r="http://schemas.openxmlformats.org/officeDocument/2006/relationships" xmlns:p="http://schemas.openxmlformats.org/presentationml/2006/main">
   <p:cSld>
     <p:spTree>
@@ -28554,7 +31958,7 @@
                 <a:latin typeface="Times New Roman" panose="02020603050405020304" pitchFamily="18" charset="0"/>
                 <a:cs typeface="Times New Roman" panose="02020603050405020304" pitchFamily="18" charset="0"/>
               </a:rPr>
-              <a:t>vùng</a:t>
+              <a:t>trạm</a:t>
             </a:r>
             <a:r>
               <a:rPr lang="en-US" sz="2400" dirty="0" smtClean="0">
@@ -28831,1453 +32235,6 @@
           <a:xfrm>
             <a:off x="6590862" y="2687425"/>
             <a:ext cx="2408129" cy="1211685"/>
-          </a:xfrm>
-          <a:prstGeom prst="rect">
-            <a:avLst/>
-          </a:prstGeom>
-        </p:spPr>
-      </p:pic>
-    </p:spTree>
-  </p:cSld>
-  <p:clrMapOvr>
-    <a:masterClrMapping/>
-  </p:clrMapOvr>
-</p:sld>
-</file>
-
-<file path=ppt/slides/slide8.xml><?xml version="1.0" encoding="utf-8"?>
-<p:sld xmlns:a="http://schemas.openxmlformats.org/drawingml/2006/main" xmlns:r="http://schemas.openxmlformats.org/officeDocument/2006/relationships" xmlns:p="http://schemas.openxmlformats.org/presentationml/2006/main">
-  <p:cSld>
-    <p:spTree>
-      <p:nvGrpSpPr>
-        <p:cNvPr id="1" name="Shape 1247"/>
-        <p:cNvGrpSpPr/>
-        <p:nvPr/>
-      </p:nvGrpSpPr>
-      <p:grpSpPr>
-        <a:xfrm>
-          <a:off x="0" y="0"/>
-          <a:ext cx="0" cy="0"/>
-          <a:chOff x="0" y="0"/>
-          <a:chExt cx="0" cy="0"/>
-        </a:xfrm>
-      </p:grpSpPr>
-      <p:sp>
-        <p:nvSpPr>
-          <p:cNvPr id="6" name="Google Shape;1318;p48"/>
-          <p:cNvSpPr txBox="1">
-            <a:spLocks/>
-          </p:cNvSpPr>
-          <p:nvPr/>
-        </p:nvSpPr>
-        <p:spPr>
-          <a:xfrm>
-            <a:off x="770427" y="135734"/>
-            <a:ext cx="7552041" cy="420542"/>
-          </a:xfrm>
-          <a:prstGeom prst="rect">
-            <a:avLst/>
-          </a:prstGeom>
-        </p:spPr>
-        <p:txBody>
-          <a:bodyPr spcFirstLastPara="1" wrap="square" lIns="91425" tIns="91425" rIns="91425" bIns="91425" anchor="ctr" anchorCtr="0">
-            <a:noAutofit/>
-          </a:bodyPr>
-          <a:lstStyle>
-            <a:defPPr marR="0" lvl="0" algn="l" rtl="0">
-              <a:lnSpc>
-                <a:spcPct val="100000"/>
-              </a:lnSpc>
-              <a:spcBef>
-                <a:spcPts val="0"/>
-              </a:spcBef>
-              <a:spcAft>
-                <a:spcPts val="0"/>
-              </a:spcAft>
-            </a:defPPr>
-            <a:lvl1pPr marR="0" lvl="0" algn="l" rtl="0">
-              <a:lnSpc>
-                <a:spcPct val="100000"/>
-              </a:lnSpc>
-              <a:spcBef>
-                <a:spcPts val="0"/>
-              </a:spcBef>
-              <a:spcAft>
-                <a:spcPts val="0"/>
-              </a:spcAft>
-              <a:buClr>
-                <a:srgbClr val="000000"/>
-              </a:buClr>
-              <a:buFont typeface="Arial"/>
-              <a:defRPr sz="1400" b="0" i="0" u="none" strike="noStrike" cap="none">
-                <a:solidFill>
-                  <a:srgbClr val="000000"/>
-                </a:solidFill>
-                <a:latin typeface="Arial"/>
-                <a:ea typeface="Arial"/>
-                <a:cs typeface="Arial"/>
-                <a:sym typeface="Arial"/>
-              </a:defRPr>
-            </a:lvl1pPr>
-            <a:lvl2pPr marR="0" lvl="1" algn="l" rtl="0">
-              <a:lnSpc>
-                <a:spcPct val="100000"/>
-              </a:lnSpc>
-              <a:spcBef>
-                <a:spcPts val="0"/>
-              </a:spcBef>
-              <a:spcAft>
-                <a:spcPts val="0"/>
-              </a:spcAft>
-              <a:buClr>
-                <a:srgbClr val="000000"/>
-              </a:buClr>
-              <a:buFont typeface="Arial"/>
-              <a:defRPr sz="1400" b="0" i="0" u="none" strike="noStrike" cap="none">
-                <a:solidFill>
-                  <a:srgbClr val="000000"/>
-                </a:solidFill>
-                <a:latin typeface="Arial"/>
-                <a:ea typeface="Arial"/>
-                <a:cs typeface="Arial"/>
-                <a:sym typeface="Arial"/>
-              </a:defRPr>
-            </a:lvl2pPr>
-            <a:lvl3pPr marR="0" lvl="2" algn="l" rtl="0">
-              <a:lnSpc>
-                <a:spcPct val="100000"/>
-              </a:lnSpc>
-              <a:spcBef>
-                <a:spcPts val="0"/>
-              </a:spcBef>
-              <a:spcAft>
-                <a:spcPts val="0"/>
-              </a:spcAft>
-              <a:buClr>
-                <a:srgbClr val="000000"/>
-              </a:buClr>
-              <a:buFont typeface="Arial"/>
-              <a:defRPr sz="1400" b="0" i="0" u="none" strike="noStrike" cap="none">
-                <a:solidFill>
-                  <a:srgbClr val="000000"/>
-                </a:solidFill>
-                <a:latin typeface="Arial"/>
-                <a:ea typeface="Arial"/>
-                <a:cs typeface="Arial"/>
-                <a:sym typeface="Arial"/>
-              </a:defRPr>
-            </a:lvl3pPr>
-            <a:lvl4pPr marR="0" lvl="3" algn="l" rtl="0">
-              <a:lnSpc>
-                <a:spcPct val="100000"/>
-              </a:lnSpc>
-              <a:spcBef>
-                <a:spcPts val="0"/>
-              </a:spcBef>
-              <a:spcAft>
-                <a:spcPts val="0"/>
-              </a:spcAft>
-              <a:buClr>
-                <a:srgbClr val="000000"/>
-              </a:buClr>
-              <a:buFont typeface="Arial"/>
-              <a:defRPr sz="1400" b="0" i="0" u="none" strike="noStrike" cap="none">
-                <a:solidFill>
-                  <a:srgbClr val="000000"/>
-                </a:solidFill>
-                <a:latin typeface="Arial"/>
-                <a:ea typeface="Arial"/>
-                <a:cs typeface="Arial"/>
-                <a:sym typeface="Arial"/>
-              </a:defRPr>
-            </a:lvl4pPr>
-            <a:lvl5pPr marR="0" lvl="4" algn="l" rtl="0">
-              <a:lnSpc>
-                <a:spcPct val="100000"/>
-              </a:lnSpc>
-              <a:spcBef>
-                <a:spcPts val="0"/>
-              </a:spcBef>
-              <a:spcAft>
-                <a:spcPts val="0"/>
-              </a:spcAft>
-              <a:buClr>
-                <a:srgbClr val="000000"/>
-              </a:buClr>
-              <a:buFont typeface="Arial"/>
-              <a:defRPr sz="1400" b="0" i="0" u="none" strike="noStrike" cap="none">
-                <a:solidFill>
-                  <a:srgbClr val="000000"/>
-                </a:solidFill>
-                <a:latin typeface="Arial"/>
-                <a:ea typeface="Arial"/>
-                <a:cs typeface="Arial"/>
-                <a:sym typeface="Arial"/>
-              </a:defRPr>
-            </a:lvl5pPr>
-            <a:lvl6pPr marR="0" lvl="5" algn="l" rtl="0">
-              <a:lnSpc>
-                <a:spcPct val="100000"/>
-              </a:lnSpc>
-              <a:spcBef>
-                <a:spcPts val="0"/>
-              </a:spcBef>
-              <a:spcAft>
-                <a:spcPts val="0"/>
-              </a:spcAft>
-              <a:buClr>
-                <a:srgbClr val="000000"/>
-              </a:buClr>
-              <a:buFont typeface="Arial"/>
-              <a:defRPr sz="1400" b="0" i="0" u="none" strike="noStrike" cap="none">
-                <a:solidFill>
-                  <a:srgbClr val="000000"/>
-                </a:solidFill>
-                <a:latin typeface="Arial"/>
-                <a:ea typeface="Arial"/>
-                <a:cs typeface="Arial"/>
-                <a:sym typeface="Arial"/>
-              </a:defRPr>
-            </a:lvl6pPr>
-            <a:lvl7pPr marR="0" lvl="6" algn="l" rtl="0">
-              <a:lnSpc>
-                <a:spcPct val="100000"/>
-              </a:lnSpc>
-              <a:spcBef>
-                <a:spcPts val="0"/>
-              </a:spcBef>
-              <a:spcAft>
-                <a:spcPts val="0"/>
-              </a:spcAft>
-              <a:buClr>
-                <a:srgbClr val="000000"/>
-              </a:buClr>
-              <a:buFont typeface="Arial"/>
-              <a:defRPr sz="1400" b="0" i="0" u="none" strike="noStrike" cap="none">
-                <a:solidFill>
-                  <a:srgbClr val="000000"/>
-                </a:solidFill>
-                <a:latin typeface="Arial"/>
-                <a:ea typeface="Arial"/>
-                <a:cs typeface="Arial"/>
-                <a:sym typeface="Arial"/>
-              </a:defRPr>
-            </a:lvl7pPr>
-            <a:lvl8pPr marR="0" lvl="7" algn="l" rtl="0">
-              <a:lnSpc>
-                <a:spcPct val="100000"/>
-              </a:lnSpc>
-              <a:spcBef>
-                <a:spcPts val="0"/>
-              </a:spcBef>
-              <a:spcAft>
-                <a:spcPts val="0"/>
-              </a:spcAft>
-              <a:buClr>
-                <a:srgbClr val="000000"/>
-              </a:buClr>
-              <a:buFont typeface="Arial"/>
-              <a:defRPr sz="1400" b="0" i="0" u="none" strike="noStrike" cap="none">
-                <a:solidFill>
-                  <a:srgbClr val="000000"/>
-                </a:solidFill>
-                <a:latin typeface="Arial"/>
-                <a:ea typeface="Arial"/>
-                <a:cs typeface="Arial"/>
-                <a:sym typeface="Arial"/>
-              </a:defRPr>
-            </a:lvl8pPr>
-            <a:lvl9pPr marR="0" lvl="8" algn="l" rtl="0">
-              <a:lnSpc>
-                <a:spcPct val="100000"/>
-              </a:lnSpc>
-              <a:spcBef>
-                <a:spcPts val="0"/>
-              </a:spcBef>
-              <a:spcAft>
-                <a:spcPts val="0"/>
-              </a:spcAft>
-              <a:buClr>
-                <a:srgbClr val="000000"/>
-              </a:buClr>
-              <a:buFont typeface="Arial"/>
-              <a:defRPr sz="1400" b="0" i="0" u="none" strike="noStrike" cap="none">
-                <a:solidFill>
-                  <a:srgbClr val="000000"/>
-                </a:solidFill>
-                <a:latin typeface="Arial"/>
-                <a:ea typeface="Arial"/>
-                <a:cs typeface="Arial"/>
-                <a:sym typeface="Arial"/>
-              </a:defRPr>
-            </a:lvl9pPr>
-          </a:lstStyle>
-          <a:p>
-            <a:r>
-              <a:rPr lang="en-US" sz="3200" dirty="0" smtClean="0">
-                <a:solidFill>
-                  <a:schemeClr val="tx1"/>
-                </a:solidFill>
-                <a:latin typeface="Times New Roman" panose="02020603050405020304" pitchFamily="18" charset="0"/>
-                <a:cs typeface="Times New Roman" panose="02020603050405020304" pitchFamily="18" charset="0"/>
-              </a:rPr>
-              <a:t>1.4 Database:</a:t>
-            </a:r>
-          </a:p>
-        </p:txBody>
-      </p:sp>
-      <p:pic>
-        <p:nvPicPr>
-          <p:cNvPr id="7" name="Picture 6"/>
-          <p:cNvPicPr>
-            <a:picLocks noChangeAspect="1"/>
-          </p:cNvPicPr>
-          <p:nvPr/>
-        </p:nvPicPr>
-        <p:blipFill>
-          <a:blip r:embed="rId3"/>
-          <a:stretch>
-            <a:fillRect/>
-          </a:stretch>
-        </p:blipFill>
-        <p:spPr>
-          <a:xfrm>
-            <a:off x="2338480" y="663432"/>
-            <a:ext cx="6498339" cy="4392582"/>
-          </a:xfrm>
-          <a:prstGeom prst="rect">
-            <a:avLst/>
-          </a:prstGeom>
-        </p:spPr>
-      </p:pic>
-      <p:sp>
-        <p:nvSpPr>
-          <p:cNvPr id="8" name="Google Shape;1318;p48"/>
-          <p:cNvSpPr txBox="1">
-            <a:spLocks/>
-          </p:cNvSpPr>
-          <p:nvPr/>
-        </p:nvSpPr>
-        <p:spPr>
-          <a:xfrm>
-            <a:off x="59624" y="1404578"/>
-            <a:ext cx="2119220" cy="3000373"/>
-          </a:xfrm>
-          <a:prstGeom prst="rect">
-            <a:avLst/>
-          </a:prstGeom>
-        </p:spPr>
-        <p:txBody>
-          <a:bodyPr spcFirstLastPara="1" wrap="square" lIns="91425" tIns="91425" rIns="91425" bIns="91425" anchor="ctr" anchorCtr="0">
-            <a:noAutofit/>
-          </a:bodyPr>
-          <a:lstStyle>
-            <a:defPPr marR="0" lvl="0" algn="l" rtl="0">
-              <a:lnSpc>
-                <a:spcPct val="100000"/>
-              </a:lnSpc>
-              <a:spcBef>
-                <a:spcPts val="0"/>
-              </a:spcBef>
-              <a:spcAft>
-                <a:spcPts val="0"/>
-              </a:spcAft>
-            </a:defPPr>
-            <a:lvl1pPr marR="0" lvl="0" algn="l" rtl="0">
-              <a:lnSpc>
-                <a:spcPct val="100000"/>
-              </a:lnSpc>
-              <a:spcBef>
-                <a:spcPts val="0"/>
-              </a:spcBef>
-              <a:spcAft>
-                <a:spcPts val="0"/>
-              </a:spcAft>
-              <a:buClr>
-                <a:srgbClr val="000000"/>
-              </a:buClr>
-              <a:buFont typeface="Arial"/>
-              <a:defRPr sz="1400" b="0" i="0" u="none" strike="noStrike" cap="none">
-                <a:solidFill>
-                  <a:srgbClr val="000000"/>
-                </a:solidFill>
-                <a:latin typeface="Arial"/>
-                <a:ea typeface="Arial"/>
-                <a:cs typeface="Arial"/>
-                <a:sym typeface="Arial"/>
-              </a:defRPr>
-            </a:lvl1pPr>
-            <a:lvl2pPr marR="0" lvl="1" algn="l" rtl="0">
-              <a:lnSpc>
-                <a:spcPct val="100000"/>
-              </a:lnSpc>
-              <a:spcBef>
-                <a:spcPts val="0"/>
-              </a:spcBef>
-              <a:spcAft>
-                <a:spcPts val="0"/>
-              </a:spcAft>
-              <a:buClr>
-                <a:srgbClr val="000000"/>
-              </a:buClr>
-              <a:buFont typeface="Arial"/>
-              <a:defRPr sz="1400" b="0" i="0" u="none" strike="noStrike" cap="none">
-                <a:solidFill>
-                  <a:srgbClr val="000000"/>
-                </a:solidFill>
-                <a:latin typeface="Arial"/>
-                <a:ea typeface="Arial"/>
-                <a:cs typeface="Arial"/>
-                <a:sym typeface="Arial"/>
-              </a:defRPr>
-            </a:lvl2pPr>
-            <a:lvl3pPr marR="0" lvl="2" algn="l" rtl="0">
-              <a:lnSpc>
-                <a:spcPct val="100000"/>
-              </a:lnSpc>
-              <a:spcBef>
-                <a:spcPts val="0"/>
-              </a:spcBef>
-              <a:spcAft>
-                <a:spcPts val="0"/>
-              </a:spcAft>
-              <a:buClr>
-                <a:srgbClr val="000000"/>
-              </a:buClr>
-              <a:buFont typeface="Arial"/>
-              <a:defRPr sz="1400" b="0" i="0" u="none" strike="noStrike" cap="none">
-                <a:solidFill>
-                  <a:srgbClr val="000000"/>
-                </a:solidFill>
-                <a:latin typeface="Arial"/>
-                <a:ea typeface="Arial"/>
-                <a:cs typeface="Arial"/>
-                <a:sym typeface="Arial"/>
-              </a:defRPr>
-            </a:lvl3pPr>
-            <a:lvl4pPr marR="0" lvl="3" algn="l" rtl="0">
-              <a:lnSpc>
-                <a:spcPct val="100000"/>
-              </a:lnSpc>
-              <a:spcBef>
-                <a:spcPts val="0"/>
-              </a:spcBef>
-              <a:spcAft>
-                <a:spcPts val="0"/>
-              </a:spcAft>
-              <a:buClr>
-                <a:srgbClr val="000000"/>
-              </a:buClr>
-              <a:buFont typeface="Arial"/>
-              <a:defRPr sz="1400" b="0" i="0" u="none" strike="noStrike" cap="none">
-                <a:solidFill>
-                  <a:srgbClr val="000000"/>
-                </a:solidFill>
-                <a:latin typeface="Arial"/>
-                <a:ea typeface="Arial"/>
-                <a:cs typeface="Arial"/>
-                <a:sym typeface="Arial"/>
-              </a:defRPr>
-            </a:lvl4pPr>
-            <a:lvl5pPr marR="0" lvl="4" algn="l" rtl="0">
-              <a:lnSpc>
-                <a:spcPct val="100000"/>
-              </a:lnSpc>
-              <a:spcBef>
-                <a:spcPts val="0"/>
-              </a:spcBef>
-              <a:spcAft>
-                <a:spcPts val="0"/>
-              </a:spcAft>
-              <a:buClr>
-                <a:srgbClr val="000000"/>
-              </a:buClr>
-              <a:buFont typeface="Arial"/>
-              <a:defRPr sz="1400" b="0" i="0" u="none" strike="noStrike" cap="none">
-                <a:solidFill>
-                  <a:srgbClr val="000000"/>
-                </a:solidFill>
-                <a:latin typeface="Arial"/>
-                <a:ea typeface="Arial"/>
-                <a:cs typeface="Arial"/>
-                <a:sym typeface="Arial"/>
-              </a:defRPr>
-            </a:lvl5pPr>
-            <a:lvl6pPr marR="0" lvl="5" algn="l" rtl="0">
-              <a:lnSpc>
-                <a:spcPct val="100000"/>
-              </a:lnSpc>
-              <a:spcBef>
-                <a:spcPts val="0"/>
-              </a:spcBef>
-              <a:spcAft>
-                <a:spcPts val="0"/>
-              </a:spcAft>
-              <a:buClr>
-                <a:srgbClr val="000000"/>
-              </a:buClr>
-              <a:buFont typeface="Arial"/>
-              <a:defRPr sz="1400" b="0" i="0" u="none" strike="noStrike" cap="none">
-                <a:solidFill>
-                  <a:srgbClr val="000000"/>
-                </a:solidFill>
-                <a:latin typeface="Arial"/>
-                <a:ea typeface="Arial"/>
-                <a:cs typeface="Arial"/>
-                <a:sym typeface="Arial"/>
-              </a:defRPr>
-            </a:lvl6pPr>
-            <a:lvl7pPr marR="0" lvl="6" algn="l" rtl="0">
-              <a:lnSpc>
-                <a:spcPct val="100000"/>
-              </a:lnSpc>
-              <a:spcBef>
-                <a:spcPts val="0"/>
-              </a:spcBef>
-              <a:spcAft>
-                <a:spcPts val="0"/>
-              </a:spcAft>
-              <a:buClr>
-                <a:srgbClr val="000000"/>
-              </a:buClr>
-              <a:buFont typeface="Arial"/>
-              <a:defRPr sz="1400" b="0" i="0" u="none" strike="noStrike" cap="none">
-                <a:solidFill>
-                  <a:srgbClr val="000000"/>
-                </a:solidFill>
-                <a:latin typeface="Arial"/>
-                <a:ea typeface="Arial"/>
-                <a:cs typeface="Arial"/>
-                <a:sym typeface="Arial"/>
-              </a:defRPr>
-            </a:lvl7pPr>
-            <a:lvl8pPr marR="0" lvl="7" algn="l" rtl="0">
-              <a:lnSpc>
-                <a:spcPct val="100000"/>
-              </a:lnSpc>
-              <a:spcBef>
-                <a:spcPts val="0"/>
-              </a:spcBef>
-              <a:spcAft>
-                <a:spcPts val="0"/>
-              </a:spcAft>
-              <a:buClr>
-                <a:srgbClr val="000000"/>
-              </a:buClr>
-              <a:buFont typeface="Arial"/>
-              <a:defRPr sz="1400" b="0" i="0" u="none" strike="noStrike" cap="none">
-                <a:solidFill>
-                  <a:srgbClr val="000000"/>
-                </a:solidFill>
-                <a:latin typeface="Arial"/>
-                <a:ea typeface="Arial"/>
-                <a:cs typeface="Arial"/>
-                <a:sym typeface="Arial"/>
-              </a:defRPr>
-            </a:lvl8pPr>
-            <a:lvl9pPr marR="0" lvl="8" algn="l" rtl="0">
-              <a:lnSpc>
-                <a:spcPct val="100000"/>
-              </a:lnSpc>
-              <a:spcBef>
-                <a:spcPts val="0"/>
-              </a:spcBef>
-              <a:spcAft>
-                <a:spcPts val="0"/>
-              </a:spcAft>
-              <a:buClr>
-                <a:srgbClr val="000000"/>
-              </a:buClr>
-              <a:buFont typeface="Arial"/>
-              <a:defRPr sz="1400" b="0" i="0" u="none" strike="noStrike" cap="none">
-                <a:solidFill>
-                  <a:srgbClr val="000000"/>
-                </a:solidFill>
-                <a:latin typeface="Arial"/>
-                <a:ea typeface="Arial"/>
-                <a:cs typeface="Arial"/>
-                <a:sym typeface="Arial"/>
-              </a:defRPr>
-            </a:lvl9pPr>
-          </a:lstStyle>
-          <a:p>
-            <a:r>
-              <a:rPr lang="en-US" sz="2400" dirty="0" err="1" smtClean="0">
-                <a:solidFill>
-                  <a:schemeClr val="tx1"/>
-                </a:solidFill>
-                <a:latin typeface="Times New Roman" panose="02020603050405020304" pitchFamily="18" charset="0"/>
-                <a:cs typeface="Times New Roman" panose="02020603050405020304" pitchFamily="18" charset="0"/>
-              </a:rPr>
-              <a:t>Dựa</a:t>
-            </a:r>
-            <a:r>
-              <a:rPr lang="en-US" sz="2400" dirty="0" smtClean="0">
-                <a:solidFill>
-                  <a:schemeClr val="tx1"/>
-                </a:solidFill>
-                <a:latin typeface="Times New Roman" panose="02020603050405020304" pitchFamily="18" charset="0"/>
-                <a:cs typeface="Times New Roman" panose="02020603050405020304" pitchFamily="18" charset="0"/>
-              </a:rPr>
-              <a:t> </a:t>
-            </a:r>
-            <a:r>
-              <a:rPr lang="en-US" sz="2400" dirty="0" err="1" smtClean="0">
-                <a:solidFill>
-                  <a:schemeClr val="tx1"/>
-                </a:solidFill>
-                <a:latin typeface="Times New Roman" panose="02020603050405020304" pitchFamily="18" charset="0"/>
-                <a:cs typeface="Times New Roman" panose="02020603050405020304" pitchFamily="18" charset="0"/>
-              </a:rPr>
-              <a:t>vào</a:t>
-            </a:r>
-            <a:r>
-              <a:rPr lang="en-US" sz="2400" dirty="0" smtClean="0">
-                <a:solidFill>
-                  <a:schemeClr val="tx1"/>
-                </a:solidFill>
-                <a:latin typeface="Times New Roman" panose="02020603050405020304" pitchFamily="18" charset="0"/>
-                <a:cs typeface="Times New Roman" panose="02020603050405020304" pitchFamily="18" charset="0"/>
-              </a:rPr>
-              <a:t> data crawl </a:t>
-            </a:r>
-            <a:r>
-              <a:rPr lang="en-US" sz="2400" dirty="0" err="1" smtClean="0">
-                <a:solidFill>
-                  <a:schemeClr val="tx1"/>
-                </a:solidFill>
-                <a:latin typeface="Times New Roman" panose="02020603050405020304" pitchFamily="18" charset="0"/>
-                <a:cs typeface="Times New Roman" panose="02020603050405020304" pitchFamily="18" charset="0"/>
-              </a:rPr>
-              <a:t>được</a:t>
-            </a:r>
-            <a:r>
-              <a:rPr lang="en-US" sz="2400" dirty="0" smtClean="0">
-                <a:solidFill>
-                  <a:schemeClr val="tx1"/>
-                </a:solidFill>
-                <a:latin typeface="Times New Roman" panose="02020603050405020304" pitchFamily="18" charset="0"/>
-                <a:cs typeface="Times New Roman" panose="02020603050405020304" pitchFamily="18" charset="0"/>
-              </a:rPr>
-              <a:t> </a:t>
-            </a:r>
-            <a:r>
-              <a:rPr lang="en-US" sz="2400" dirty="0" err="1" smtClean="0">
-                <a:solidFill>
-                  <a:schemeClr val="tx1"/>
-                </a:solidFill>
-                <a:latin typeface="Times New Roman" panose="02020603050405020304" pitchFamily="18" charset="0"/>
-                <a:cs typeface="Times New Roman" panose="02020603050405020304" pitchFamily="18" charset="0"/>
-              </a:rPr>
-              <a:t>trong</a:t>
-            </a:r>
-            <a:r>
-              <a:rPr lang="en-US" sz="2400" dirty="0" smtClean="0">
-                <a:solidFill>
-                  <a:schemeClr val="tx1"/>
-                </a:solidFill>
-                <a:latin typeface="Times New Roman" panose="02020603050405020304" pitchFamily="18" charset="0"/>
-                <a:cs typeface="Times New Roman" panose="02020603050405020304" pitchFamily="18" charset="0"/>
-              </a:rPr>
-              <a:t> file </a:t>
-            </a:r>
-            <a:r>
-              <a:rPr lang="en-US" sz="2400" dirty="0" err="1" smtClean="0">
-                <a:solidFill>
-                  <a:schemeClr val="tx1"/>
-                </a:solidFill>
-                <a:latin typeface="Times New Roman" panose="02020603050405020304" pitchFamily="18" charset="0"/>
-                <a:cs typeface="Times New Roman" panose="02020603050405020304" pitchFamily="18" charset="0"/>
-              </a:rPr>
-              <a:t>csv</a:t>
-            </a:r>
-            <a:r>
-              <a:rPr lang="en-US" sz="2400" dirty="0" smtClean="0">
-                <a:solidFill>
-                  <a:schemeClr val="tx1"/>
-                </a:solidFill>
-                <a:latin typeface="Times New Roman" panose="02020603050405020304" pitchFamily="18" charset="0"/>
-                <a:cs typeface="Times New Roman" panose="02020603050405020304" pitchFamily="18" charset="0"/>
-              </a:rPr>
-              <a:t>, ta </a:t>
-            </a:r>
-            <a:r>
-              <a:rPr lang="en-US" sz="2400" dirty="0" err="1" smtClean="0">
-                <a:solidFill>
-                  <a:schemeClr val="tx1"/>
-                </a:solidFill>
-                <a:latin typeface="Times New Roman" panose="02020603050405020304" pitchFamily="18" charset="0"/>
-                <a:cs typeface="Times New Roman" panose="02020603050405020304" pitchFamily="18" charset="0"/>
-              </a:rPr>
-              <a:t>thực</a:t>
-            </a:r>
-            <a:r>
-              <a:rPr lang="en-US" sz="2400" dirty="0" smtClean="0">
-                <a:solidFill>
-                  <a:schemeClr val="tx1"/>
-                </a:solidFill>
-                <a:latin typeface="Times New Roman" panose="02020603050405020304" pitchFamily="18" charset="0"/>
-                <a:cs typeface="Times New Roman" panose="02020603050405020304" pitchFamily="18" charset="0"/>
-              </a:rPr>
-              <a:t> </a:t>
-            </a:r>
-            <a:r>
-              <a:rPr lang="en-US" sz="2400" dirty="0" err="1" smtClean="0">
-                <a:solidFill>
-                  <a:schemeClr val="tx1"/>
-                </a:solidFill>
-                <a:latin typeface="Times New Roman" panose="02020603050405020304" pitchFamily="18" charset="0"/>
-                <a:cs typeface="Times New Roman" panose="02020603050405020304" pitchFamily="18" charset="0"/>
-              </a:rPr>
-              <a:t>hiện</a:t>
-            </a:r>
-            <a:r>
-              <a:rPr lang="en-US" sz="2400" dirty="0" smtClean="0">
-                <a:solidFill>
-                  <a:schemeClr val="tx1"/>
-                </a:solidFill>
-                <a:latin typeface="Times New Roman" panose="02020603050405020304" pitchFamily="18" charset="0"/>
-                <a:cs typeface="Times New Roman" panose="02020603050405020304" pitchFamily="18" charset="0"/>
-              </a:rPr>
-              <a:t> </a:t>
-            </a:r>
-            <a:r>
-              <a:rPr lang="en-US" sz="2400" dirty="0" err="1" smtClean="0">
-                <a:solidFill>
-                  <a:schemeClr val="tx1"/>
-                </a:solidFill>
-                <a:latin typeface="Times New Roman" panose="02020603050405020304" pitchFamily="18" charset="0"/>
-                <a:cs typeface="Times New Roman" panose="02020603050405020304" pitchFamily="18" charset="0"/>
-              </a:rPr>
-              <a:t>tính</a:t>
-            </a:r>
-            <a:r>
-              <a:rPr lang="en-US" sz="2400" dirty="0" smtClean="0">
-                <a:solidFill>
-                  <a:schemeClr val="tx1"/>
-                </a:solidFill>
-                <a:latin typeface="Times New Roman" panose="02020603050405020304" pitchFamily="18" charset="0"/>
-                <a:cs typeface="Times New Roman" panose="02020603050405020304" pitchFamily="18" charset="0"/>
-              </a:rPr>
-              <a:t> </a:t>
-            </a:r>
-            <a:r>
-              <a:rPr lang="en-US" sz="2400" dirty="0" err="1" smtClean="0">
-                <a:solidFill>
-                  <a:schemeClr val="tx1"/>
-                </a:solidFill>
-                <a:latin typeface="Times New Roman" panose="02020603050405020304" pitchFamily="18" charset="0"/>
-                <a:cs typeface="Times New Roman" panose="02020603050405020304" pitchFamily="18" charset="0"/>
-              </a:rPr>
-              <a:t>toán</a:t>
-            </a:r>
-            <a:r>
-              <a:rPr lang="en-US" sz="2400" dirty="0">
-                <a:solidFill>
-                  <a:schemeClr val="tx1"/>
-                </a:solidFill>
-                <a:latin typeface="Times New Roman" panose="02020603050405020304" pitchFamily="18" charset="0"/>
-                <a:cs typeface="Times New Roman" panose="02020603050405020304" pitchFamily="18" charset="0"/>
-              </a:rPr>
-              <a:t>/</a:t>
-            </a:r>
-            <a:r>
-              <a:rPr lang="en-US" sz="2400" dirty="0" err="1" smtClean="0">
-                <a:solidFill>
-                  <a:schemeClr val="tx1"/>
-                </a:solidFill>
-                <a:latin typeface="Times New Roman" panose="02020603050405020304" pitchFamily="18" charset="0"/>
-                <a:cs typeface="Times New Roman" panose="02020603050405020304" pitchFamily="18" charset="0"/>
-              </a:rPr>
-              <a:t>biến</a:t>
-            </a:r>
-            <a:r>
-              <a:rPr lang="en-US" sz="2400" dirty="0" smtClean="0">
-                <a:solidFill>
-                  <a:schemeClr val="tx1"/>
-                </a:solidFill>
-                <a:latin typeface="Times New Roman" panose="02020603050405020304" pitchFamily="18" charset="0"/>
-                <a:cs typeface="Times New Roman" panose="02020603050405020304" pitchFamily="18" charset="0"/>
-              </a:rPr>
-              <a:t> </a:t>
-            </a:r>
-            <a:r>
-              <a:rPr lang="en-US" sz="2400" dirty="0" err="1" smtClean="0">
-                <a:solidFill>
-                  <a:schemeClr val="tx1"/>
-                </a:solidFill>
-                <a:latin typeface="Times New Roman" panose="02020603050405020304" pitchFamily="18" charset="0"/>
-                <a:cs typeface="Times New Roman" panose="02020603050405020304" pitchFamily="18" charset="0"/>
-              </a:rPr>
-              <a:t>đổi</a:t>
-            </a:r>
-            <a:r>
-              <a:rPr lang="en-US" sz="2400" dirty="0" smtClean="0">
-                <a:solidFill>
-                  <a:schemeClr val="tx1"/>
-                </a:solidFill>
-                <a:latin typeface="Times New Roman" panose="02020603050405020304" pitchFamily="18" charset="0"/>
-                <a:cs typeface="Times New Roman" panose="02020603050405020304" pitchFamily="18" charset="0"/>
-              </a:rPr>
-              <a:t> </a:t>
-            </a:r>
-            <a:r>
-              <a:rPr lang="en-US" sz="2400" dirty="0" err="1" smtClean="0">
-                <a:solidFill>
-                  <a:schemeClr val="tx1"/>
-                </a:solidFill>
-                <a:latin typeface="Times New Roman" panose="02020603050405020304" pitchFamily="18" charset="0"/>
-                <a:cs typeface="Times New Roman" panose="02020603050405020304" pitchFamily="18" charset="0"/>
-              </a:rPr>
-              <a:t>và</a:t>
-            </a:r>
-            <a:r>
-              <a:rPr lang="en-US" sz="2400" dirty="0" smtClean="0">
-                <a:solidFill>
-                  <a:schemeClr val="tx1"/>
-                </a:solidFill>
-                <a:latin typeface="Times New Roman" panose="02020603050405020304" pitchFamily="18" charset="0"/>
-                <a:cs typeface="Times New Roman" panose="02020603050405020304" pitchFamily="18" charset="0"/>
-              </a:rPr>
-              <a:t> </a:t>
-            </a:r>
-            <a:r>
-              <a:rPr lang="en-US" sz="2400" dirty="0" err="1" smtClean="0">
-                <a:solidFill>
-                  <a:schemeClr val="tx1"/>
-                </a:solidFill>
-                <a:latin typeface="Times New Roman" panose="02020603050405020304" pitchFamily="18" charset="0"/>
-                <a:cs typeface="Times New Roman" panose="02020603050405020304" pitchFamily="18" charset="0"/>
-              </a:rPr>
-              <a:t>lưu</a:t>
-            </a:r>
-            <a:r>
-              <a:rPr lang="en-US" sz="2400" dirty="0" smtClean="0">
-                <a:solidFill>
-                  <a:schemeClr val="tx1"/>
-                </a:solidFill>
-                <a:latin typeface="Times New Roman" panose="02020603050405020304" pitchFamily="18" charset="0"/>
-                <a:cs typeface="Times New Roman" panose="02020603050405020304" pitchFamily="18" charset="0"/>
-              </a:rPr>
-              <a:t> </a:t>
-            </a:r>
-            <a:r>
-              <a:rPr lang="en-US" sz="2400" dirty="0" err="1" smtClean="0">
-                <a:solidFill>
-                  <a:schemeClr val="tx1"/>
-                </a:solidFill>
-                <a:latin typeface="Times New Roman" panose="02020603050405020304" pitchFamily="18" charset="0"/>
-                <a:cs typeface="Times New Roman" panose="02020603050405020304" pitchFamily="18" charset="0"/>
-              </a:rPr>
-              <a:t>vào</a:t>
-            </a:r>
-            <a:r>
-              <a:rPr lang="en-US" sz="2400" dirty="0" smtClean="0">
-                <a:solidFill>
-                  <a:schemeClr val="tx1"/>
-                </a:solidFill>
-                <a:latin typeface="Times New Roman" panose="02020603050405020304" pitchFamily="18" charset="0"/>
-                <a:cs typeface="Times New Roman" panose="02020603050405020304" pitchFamily="18" charset="0"/>
-              </a:rPr>
-              <a:t> database </a:t>
-            </a:r>
-            <a:r>
-              <a:rPr lang="en-US" sz="2400" dirty="0" err="1" smtClean="0">
-                <a:solidFill>
-                  <a:schemeClr val="tx1"/>
-                </a:solidFill>
-                <a:latin typeface="Times New Roman" panose="02020603050405020304" pitchFamily="18" charset="0"/>
-                <a:cs typeface="Times New Roman" panose="02020603050405020304" pitchFamily="18" charset="0"/>
-              </a:rPr>
-              <a:t>như</a:t>
-            </a:r>
-            <a:r>
-              <a:rPr lang="en-US" sz="2400" dirty="0" smtClean="0">
-                <a:solidFill>
-                  <a:schemeClr val="tx1"/>
-                </a:solidFill>
-                <a:latin typeface="Times New Roman" panose="02020603050405020304" pitchFamily="18" charset="0"/>
-                <a:cs typeface="Times New Roman" panose="02020603050405020304" pitchFamily="18" charset="0"/>
-              </a:rPr>
-              <a:t> </a:t>
-            </a:r>
-            <a:r>
-              <a:rPr lang="en-US" sz="2400" dirty="0" err="1" smtClean="0">
-                <a:solidFill>
-                  <a:schemeClr val="tx1"/>
-                </a:solidFill>
-                <a:latin typeface="Times New Roman" panose="02020603050405020304" pitchFamily="18" charset="0"/>
-                <a:cs typeface="Times New Roman" panose="02020603050405020304" pitchFamily="18" charset="0"/>
-              </a:rPr>
-              <a:t>sau</a:t>
-            </a:r>
-            <a:r>
-              <a:rPr lang="en-US" sz="2400" dirty="0" smtClean="0">
-                <a:solidFill>
-                  <a:schemeClr val="tx1"/>
-                </a:solidFill>
-                <a:latin typeface="Times New Roman" panose="02020603050405020304" pitchFamily="18" charset="0"/>
-                <a:cs typeface="Times New Roman" panose="02020603050405020304" pitchFamily="18" charset="0"/>
-              </a:rPr>
-              <a:t>:</a:t>
-            </a:r>
-          </a:p>
-        </p:txBody>
-      </p:sp>
-    </p:spTree>
-    <p:extLst>
-      <p:ext uri="{BB962C8B-B14F-4D97-AF65-F5344CB8AC3E}">
-        <p14:creationId xmlns:p14="http://schemas.microsoft.com/office/powerpoint/2010/main" val="2590577840"/>
-      </p:ext>
-    </p:extLst>
-  </p:cSld>
-  <p:clrMapOvr>
-    <a:masterClrMapping/>
-  </p:clrMapOvr>
-</p:sld>
-</file>
-
-<file path=ppt/slides/slide9.xml><?xml version="1.0" encoding="utf-8"?>
-<p:sld xmlns:a="http://schemas.openxmlformats.org/drawingml/2006/main" xmlns:r="http://schemas.openxmlformats.org/officeDocument/2006/relationships" xmlns:p="http://schemas.openxmlformats.org/presentationml/2006/main">
-  <p:cSld>
-    <p:spTree>
-      <p:nvGrpSpPr>
-        <p:cNvPr id="1" name="Shape 1121"/>
-        <p:cNvGrpSpPr/>
-        <p:nvPr/>
-      </p:nvGrpSpPr>
-      <p:grpSpPr>
-        <a:xfrm>
-          <a:off x="0" y="0"/>
-          <a:ext cx="0" cy="0"/>
-          <a:chOff x="0" y="0"/>
-          <a:chExt cx="0" cy="0"/>
-        </a:xfrm>
-      </p:grpSpPr>
-      <p:sp>
-        <p:nvSpPr>
-          <p:cNvPr id="23" name="Google Shape;1318;p48"/>
-          <p:cNvSpPr txBox="1">
-            <a:spLocks/>
-          </p:cNvSpPr>
-          <p:nvPr/>
-        </p:nvSpPr>
-        <p:spPr>
-          <a:xfrm>
-            <a:off x="348946" y="1042991"/>
-            <a:ext cx="7552041" cy="921540"/>
-          </a:xfrm>
-          <a:prstGeom prst="rect">
-            <a:avLst/>
-          </a:prstGeom>
-        </p:spPr>
-        <p:txBody>
-          <a:bodyPr spcFirstLastPara="1" wrap="square" lIns="91425" tIns="91425" rIns="91425" bIns="91425" anchor="ctr" anchorCtr="0">
-            <a:noAutofit/>
-          </a:bodyPr>
-          <a:lstStyle>
-            <a:defPPr marR="0" lvl="0" algn="l" rtl="0">
-              <a:lnSpc>
-                <a:spcPct val="100000"/>
-              </a:lnSpc>
-              <a:spcBef>
-                <a:spcPts val="0"/>
-              </a:spcBef>
-              <a:spcAft>
-                <a:spcPts val="0"/>
-              </a:spcAft>
-            </a:defPPr>
-            <a:lvl1pPr marR="0" lvl="0" algn="l" rtl="0">
-              <a:lnSpc>
-                <a:spcPct val="100000"/>
-              </a:lnSpc>
-              <a:spcBef>
-                <a:spcPts val="0"/>
-              </a:spcBef>
-              <a:spcAft>
-                <a:spcPts val="0"/>
-              </a:spcAft>
-              <a:buClr>
-                <a:srgbClr val="000000"/>
-              </a:buClr>
-              <a:buFont typeface="Arial"/>
-              <a:defRPr sz="1400" b="0" i="0" u="none" strike="noStrike" cap="none">
-                <a:solidFill>
-                  <a:srgbClr val="000000"/>
-                </a:solidFill>
-                <a:latin typeface="Arial"/>
-                <a:ea typeface="Arial"/>
-                <a:cs typeface="Arial"/>
-                <a:sym typeface="Arial"/>
-              </a:defRPr>
-            </a:lvl1pPr>
-            <a:lvl2pPr marR="0" lvl="1" algn="l" rtl="0">
-              <a:lnSpc>
-                <a:spcPct val="100000"/>
-              </a:lnSpc>
-              <a:spcBef>
-                <a:spcPts val="0"/>
-              </a:spcBef>
-              <a:spcAft>
-                <a:spcPts val="0"/>
-              </a:spcAft>
-              <a:buClr>
-                <a:srgbClr val="000000"/>
-              </a:buClr>
-              <a:buFont typeface="Arial"/>
-              <a:defRPr sz="1400" b="0" i="0" u="none" strike="noStrike" cap="none">
-                <a:solidFill>
-                  <a:srgbClr val="000000"/>
-                </a:solidFill>
-                <a:latin typeface="Arial"/>
-                <a:ea typeface="Arial"/>
-                <a:cs typeface="Arial"/>
-                <a:sym typeface="Arial"/>
-              </a:defRPr>
-            </a:lvl2pPr>
-            <a:lvl3pPr marR="0" lvl="2" algn="l" rtl="0">
-              <a:lnSpc>
-                <a:spcPct val="100000"/>
-              </a:lnSpc>
-              <a:spcBef>
-                <a:spcPts val="0"/>
-              </a:spcBef>
-              <a:spcAft>
-                <a:spcPts val="0"/>
-              </a:spcAft>
-              <a:buClr>
-                <a:srgbClr val="000000"/>
-              </a:buClr>
-              <a:buFont typeface="Arial"/>
-              <a:defRPr sz="1400" b="0" i="0" u="none" strike="noStrike" cap="none">
-                <a:solidFill>
-                  <a:srgbClr val="000000"/>
-                </a:solidFill>
-                <a:latin typeface="Arial"/>
-                <a:ea typeface="Arial"/>
-                <a:cs typeface="Arial"/>
-                <a:sym typeface="Arial"/>
-              </a:defRPr>
-            </a:lvl3pPr>
-            <a:lvl4pPr marR="0" lvl="3" algn="l" rtl="0">
-              <a:lnSpc>
-                <a:spcPct val="100000"/>
-              </a:lnSpc>
-              <a:spcBef>
-                <a:spcPts val="0"/>
-              </a:spcBef>
-              <a:spcAft>
-                <a:spcPts val="0"/>
-              </a:spcAft>
-              <a:buClr>
-                <a:srgbClr val="000000"/>
-              </a:buClr>
-              <a:buFont typeface="Arial"/>
-              <a:defRPr sz="1400" b="0" i="0" u="none" strike="noStrike" cap="none">
-                <a:solidFill>
-                  <a:srgbClr val="000000"/>
-                </a:solidFill>
-                <a:latin typeface="Arial"/>
-                <a:ea typeface="Arial"/>
-                <a:cs typeface="Arial"/>
-                <a:sym typeface="Arial"/>
-              </a:defRPr>
-            </a:lvl4pPr>
-            <a:lvl5pPr marR="0" lvl="4" algn="l" rtl="0">
-              <a:lnSpc>
-                <a:spcPct val="100000"/>
-              </a:lnSpc>
-              <a:spcBef>
-                <a:spcPts val="0"/>
-              </a:spcBef>
-              <a:spcAft>
-                <a:spcPts val="0"/>
-              </a:spcAft>
-              <a:buClr>
-                <a:srgbClr val="000000"/>
-              </a:buClr>
-              <a:buFont typeface="Arial"/>
-              <a:defRPr sz="1400" b="0" i="0" u="none" strike="noStrike" cap="none">
-                <a:solidFill>
-                  <a:srgbClr val="000000"/>
-                </a:solidFill>
-                <a:latin typeface="Arial"/>
-                <a:ea typeface="Arial"/>
-                <a:cs typeface="Arial"/>
-                <a:sym typeface="Arial"/>
-              </a:defRPr>
-            </a:lvl5pPr>
-            <a:lvl6pPr marR="0" lvl="5" algn="l" rtl="0">
-              <a:lnSpc>
-                <a:spcPct val="100000"/>
-              </a:lnSpc>
-              <a:spcBef>
-                <a:spcPts val="0"/>
-              </a:spcBef>
-              <a:spcAft>
-                <a:spcPts val="0"/>
-              </a:spcAft>
-              <a:buClr>
-                <a:srgbClr val="000000"/>
-              </a:buClr>
-              <a:buFont typeface="Arial"/>
-              <a:defRPr sz="1400" b="0" i="0" u="none" strike="noStrike" cap="none">
-                <a:solidFill>
-                  <a:srgbClr val="000000"/>
-                </a:solidFill>
-                <a:latin typeface="Arial"/>
-                <a:ea typeface="Arial"/>
-                <a:cs typeface="Arial"/>
-                <a:sym typeface="Arial"/>
-              </a:defRPr>
-            </a:lvl6pPr>
-            <a:lvl7pPr marR="0" lvl="6" algn="l" rtl="0">
-              <a:lnSpc>
-                <a:spcPct val="100000"/>
-              </a:lnSpc>
-              <a:spcBef>
-                <a:spcPts val="0"/>
-              </a:spcBef>
-              <a:spcAft>
-                <a:spcPts val="0"/>
-              </a:spcAft>
-              <a:buClr>
-                <a:srgbClr val="000000"/>
-              </a:buClr>
-              <a:buFont typeface="Arial"/>
-              <a:defRPr sz="1400" b="0" i="0" u="none" strike="noStrike" cap="none">
-                <a:solidFill>
-                  <a:srgbClr val="000000"/>
-                </a:solidFill>
-                <a:latin typeface="Arial"/>
-                <a:ea typeface="Arial"/>
-                <a:cs typeface="Arial"/>
-                <a:sym typeface="Arial"/>
-              </a:defRPr>
-            </a:lvl7pPr>
-            <a:lvl8pPr marR="0" lvl="7" algn="l" rtl="0">
-              <a:lnSpc>
-                <a:spcPct val="100000"/>
-              </a:lnSpc>
-              <a:spcBef>
-                <a:spcPts val="0"/>
-              </a:spcBef>
-              <a:spcAft>
-                <a:spcPts val="0"/>
-              </a:spcAft>
-              <a:buClr>
-                <a:srgbClr val="000000"/>
-              </a:buClr>
-              <a:buFont typeface="Arial"/>
-              <a:defRPr sz="1400" b="0" i="0" u="none" strike="noStrike" cap="none">
-                <a:solidFill>
-                  <a:srgbClr val="000000"/>
-                </a:solidFill>
-                <a:latin typeface="Arial"/>
-                <a:ea typeface="Arial"/>
-                <a:cs typeface="Arial"/>
-                <a:sym typeface="Arial"/>
-              </a:defRPr>
-            </a:lvl8pPr>
-            <a:lvl9pPr marR="0" lvl="8" algn="l" rtl="0">
-              <a:lnSpc>
-                <a:spcPct val="100000"/>
-              </a:lnSpc>
-              <a:spcBef>
-                <a:spcPts val="0"/>
-              </a:spcBef>
-              <a:spcAft>
-                <a:spcPts val="0"/>
-              </a:spcAft>
-              <a:buClr>
-                <a:srgbClr val="000000"/>
-              </a:buClr>
-              <a:buFont typeface="Arial"/>
-              <a:defRPr sz="1400" b="0" i="0" u="none" strike="noStrike" cap="none">
-                <a:solidFill>
-                  <a:srgbClr val="000000"/>
-                </a:solidFill>
-                <a:latin typeface="Arial"/>
-                <a:ea typeface="Arial"/>
-                <a:cs typeface="Arial"/>
-                <a:sym typeface="Arial"/>
-              </a:defRPr>
-            </a:lvl9pPr>
-          </a:lstStyle>
-          <a:p>
-            <a:r>
-              <a:rPr lang="en-US" sz="3200" dirty="0" smtClean="0">
-                <a:solidFill>
-                  <a:schemeClr val="tx1"/>
-                </a:solidFill>
-                <a:latin typeface="Times New Roman" panose="02020603050405020304" pitchFamily="18" charset="0"/>
-                <a:cs typeface="Times New Roman" panose="02020603050405020304" pitchFamily="18" charset="0"/>
-              </a:rPr>
-              <a:t>1.5 Task scheduler:</a:t>
-            </a:r>
-          </a:p>
-          <a:p>
-            <a:r>
-              <a:rPr lang="en-US" sz="2400" dirty="0" err="1" smtClean="0">
-                <a:solidFill>
-                  <a:schemeClr val="tx1"/>
-                </a:solidFill>
-                <a:latin typeface="Times New Roman" panose="02020603050405020304" pitchFamily="18" charset="0"/>
-                <a:cs typeface="Times New Roman" panose="02020603050405020304" pitchFamily="18" charset="0"/>
-              </a:rPr>
-              <a:t>Thực</a:t>
-            </a:r>
-            <a:r>
-              <a:rPr lang="en-US" sz="2400" dirty="0" smtClean="0">
-                <a:solidFill>
-                  <a:schemeClr val="tx1"/>
-                </a:solidFill>
-                <a:latin typeface="Times New Roman" panose="02020603050405020304" pitchFamily="18" charset="0"/>
-                <a:cs typeface="Times New Roman" panose="02020603050405020304" pitchFamily="18" charset="0"/>
-              </a:rPr>
-              <a:t> </a:t>
-            </a:r>
-            <a:r>
-              <a:rPr lang="en-US" sz="2400" dirty="0" err="1" smtClean="0">
-                <a:solidFill>
-                  <a:schemeClr val="tx1"/>
-                </a:solidFill>
-                <a:latin typeface="Times New Roman" panose="02020603050405020304" pitchFamily="18" charset="0"/>
-                <a:cs typeface="Times New Roman" panose="02020603050405020304" pitchFamily="18" charset="0"/>
-              </a:rPr>
-              <a:t>hiện</a:t>
-            </a:r>
-            <a:r>
-              <a:rPr lang="en-US" sz="2400" dirty="0" smtClean="0">
-                <a:solidFill>
-                  <a:schemeClr val="tx1"/>
-                </a:solidFill>
-                <a:latin typeface="Times New Roman" panose="02020603050405020304" pitchFamily="18" charset="0"/>
-                <a:cs typeface="Times New Roman" panose="02020603050405020304" pitchFamily="18" charset="0"/>
-              </a:rPr>
-              <a:t> </a:t>
-            </a:r>
-            <a:r>
-              <a:rPr lang="en-US" sz="2400" dirty="0" err="1" smtClean="0">
-                <a:solidFill>
-                  <a:schemeClr val="tx1"/>
-                </a:solidFill>
-                <a:latin typeface="Times New Roman" panose="02020603050405020304" pitchFamily="18" charset="0"/>
-                <a:cs typeface="Times New Roman" panose="02020603050405020304" pitchFamily="18" charset="0"/>
-              </a:rPr>
-              <a:t>đặt</a:t>
-            </a:r>
-            <a:r>
-              <a:rPr lang="en-US" sz="2400" dirty="0" smtClean="0">
-                <a:solidFill>
-                  <a:schemeClr val="tx1"/>
-                </a:solidFill>
-                <a:latin typeface="Times New Roman" panose="02020603050405020304" pitchFamily="18" charset="0"/>
-                <a:cs typeface="Times New Roman" panose="02020603050405020304" pitchFamily="18" charset="0"/>
-              </a:rPr>
-              <a:t> </a:t>
-            </a:r>
-            <a:r>
-              <a:rPr lang="en-US" sz="2400" dirty="0" err="1" smtClean="0">
-                <a:solidFill>
-                  <a:schemeClr val="tx1"/>
-                </a:solidFill>
-                <a:latin typeface="Times New Roman" panose="02020603050405020304" pitchFamily="18" charset="0"/>
-                <a:cs typeface="Times New Roman" panose="02020603050405020304" pitchFamily="18" charset="0"/>
-              </a:rPr>
-              <a:t>lịch</a:t>
-            </a:r>
-            <a:r>
-              <a:rPr lang="en-US" sz="2400" dirty="0" smtClean="0">
-                <a:solidFill>
-                  <a:schemeClr val="tx1"/>
-                </a:solidFill>
-                <a:latin typeface="Times New Roman" panose="02020603050405020304" pitchFamily="18" charset="0"/>
-                <a:cs typeface="Times New Roman" panose="02020603050405020304" pitchFamily="18" charset="0"/>
-              </a:rPr>
-              <a:t> </a:t>
-            </a:r>
-            <a:r>
-              <a:rPr lang="en-US" sz="2400" dirty="0" err="1" smtClean="0">
-                <a:solidFill>
-                  <a:schemeClr val="tx1"/>
-                </a:solidFill>
-                <a:latin typeface="Times New Roman" panose="02020603050405020304" pitchFamily="18" charset="0"/>
-                <a:cs typeface="Times New Roman" panose="02020603050405020304" pitchFamily="18" charset="0"/>
-              </a:rPr>
-              <a:t>thu</a:t>
-            </a:r>
-            <a:r>
-              <a:rPr lang="en-US" sz="2400" dirty="0" smtClean="0">
-                <a:solidFill>
-                  <a:schemeClr val="tx1"/>
-                </a:solidFill>
-                <a:latin typeface="Times New Roman" panose="02020603050405020304" pitchFamily="18" charset="0"/>
-                <a:cs typeface="Times New Roman" panose="02020603050405020304" pitchFamily="18" charset="0"/>
-              </a:rPr>
-              <a:t> </a:t>
-            </a:r>
-            <a:r>
-              <a:rPr lang="en-US" sz="2400" dirty="0" err="1" smtClean="0">
-                <a:solidFill>
-                  <a:schemeClr val="tx1"/>
-                </a:solidFill>
-                <a:latin typeface="Times New Roman" panose="02020603050405020304" pitchFamily="18" charset="0"/>
-                <a:cs typeface="Times New Roman" panose="02020603050405020304" pitchFamily="18" charset="0"/>
-              </a:rPr>
-              <a:t>thập</a:t>
-            </a:r>
-            <a:r>
-              <a:rPr lang="en-US" sz="2400" dirty="0" smtClean="0">
-                <a:solidFill>
-                  <a:schemeClr val="tx1"/>
-                </a:solidFill>
-                <a:latin typeface="Times New Roman" panose="02020603050405020304" pitchFamily="18" charset="0"/>
-                <a:cs typeface="Times New Roman" panose="02020603050405020304" pitchFamily="18" charset="0"/>
-              </a:rPr>
-              <a:t> </a:t>
-            </a:r>
-            <a:r>
-              <a:rPr lang="en-US" sz="2400" dirty="0" err="1" smtClean="0">
-                <a:solidFill>
-                  <a:schemeClr val="tx1"/>
-                </a:solidFill>
-                <a:latin typeface="Times New Roman" panose="02020603050405020304" pitchFamily="18" charset="0"/>
-                <a:cs typeface="Times New Roman" panose="02020603050405020304" pitchFamily="18" charset="0"/>
-              </a:rPr>
-              <a:t>dữ</a:t>
-            </a:r>
-            <a:r>
-              <a:rPr lang="en-US" sz="2400" dirty="0" smtClean="0">
-                <a:solidFill>
-                  <a:schemeClr val="tx1"/>
-                </a:solidFill>
-                <a:latin typeface="Times New Roman" panose="02020603050405020304" pitchFamily="18" charset="0"/>
-                <a:cs typeface="Times New Roman" panose="02020603050405020304" pitchFamily="18" charset="0"/>
-              </a:rPr>
-              <a:t> </a:t>
-            </a:r>
-            <a:r>
-              <a:rPr lang="en-US" sz="2400" dirty="0" err="1" smtClean="0">
-                <a:solidFill>
-                  <a:schemeClr val="tx1"/>
-                </a:solidFill>
-                <a:latin typeface="Times New Roman" panose="02020603050405020304" pitchFamily="18" charset="0"/>
-                <a:cs typeface="Times New Roman" panose="02020603050405020304" pitchFamily="18" charset="0"/>
-              </a:rPr>
-              <a:t>liệu</a:t>
-            </a:r>
-            <a:r>
-              <a:rPr lang="en-US" sz="2400" dirty="0" smtClean="0">
-                <a:solidFill>
-                  <a:schemeClr val="tx1"/>
-                </a:solidFill>
-                <a:latin typeface="Times New Roman" panose="02020603050405020304" pitchFamily="18" charset="0"/>
-                <a:cs typeface="Times New Roman" panose="02020603050405020304" pitchFamily="18" charset="0"/>
-              </a:rPr>
-              <a:t> </a:t>
-            </a:r>
-            <a:r>
-              <a:rPr lang="en-US" sz="2400" dirty="0" err="1" smtClean="0">
-                <a:solidFill>
-                  <a:schemeClr val="tx1"/>
-                </a:solidFill>
-                <a:latin typeface="Times New Roman" panose="02020603050405020304" pitchFamily="18" charset="0"/>
-                <a:cs typeface="Times New Roman" panose="02020603050405020304" pitchFamily="18" charset="0"/>
-              </a:rPr>
-              <a:t>mỗi</a:t>
-            </a:r>
-            <a:r>
-              <a:rPr lang="en-US" sz="2400" dirty="0" smtClean="0">
-                <a:solidFill>
-                  <a:schemeClr val="tx1"/>
-                </a:solidFill>
-                <a:latin typeface="Times New Roman" panose="02020603050405020304" pitchFamily="18" charset="0"/>
-                <a:cs typeface="Times New Roman" panose="02020603050405020304" pitchFamily="18" charset="0"/>
-              </a:rPr>
-              <a:t> </a:t>
-            </a:r>
-            <a:r>
-              <a:rPr lang="en-US" sz="2400" dirty="0" err="1" smtClean="0">
-                <a:solidFill>
-                  <a:schemeClr val="tx1"/>
-                </a:solidFill>
-                <a:latin typeface="Times New Roman" panose="02020603050405020304" pitchFamily="18" charset="0"/>
-                <a:cs typeface="Times New Roman" panose="02020603050405020304" pitchFamily="18" charset="0"/>
-              </a:rPr>
-              <a:t>ngày</a:t>
-            </a:r>
-            <a:r>
-              <a:rPr lang="en-US" sz="2400" dirty="0" smtClean="0">
-                <a:solidFill>
-                  <a:schemeClr val="tx1"/>
-                </a:solidFill>
-                <a:latin typeface="Times New Roman" panose="02020603050405020304" pitchFamily="18" charset="0"/>
-                <a:cs typeface="Times New Roman" panose="02020603050405020304" pitchFamily="18" charset="0"/>
-              </a:rPr>
-              <a:t> </a:t>
-            </a:r>
-            <a:r>
-              <a:rPr lang="en-US" sz="2400" dirty="0" err="1" smtClean="0">
-                <a:solidFill>
-                  <a:schemeClr val="tx1"/>
-                </a:solidFill>
-                <a:latin typeface="Times New Roman" panose="02020603050405020304" pitchFamily="18" charset="0"/>
-                <a:cs typeface="Times New Roman" panose="02020603050405020304" pitchFamily="18" charset="0"/>
-              </a:rPr>
-              <a:t>như</a:t>
-            </a:r>
-            <a:r>
-              <a:rPr lang="en-US" sz="2400" dirty="0" smtClean="0">
-                <a:solidFill>
-                  <a:schemeClr val="tx1"/>
-                </a:solidFill>
-                <a:latin typeface="Times New Roman" panose="02020603050405020304" pitchFamily="18" charset="0"/>
-                <a:cs typeface="Times New Roman" panose="02020603050405020304" pitchFamily="18" charset="0"/>
-              </a:rPr>
-              <a:t> </a:t>
-            </a:r>
-            <a:r>
-              <a:rPr lang="en-US" sz="2400" dirty="0" err="1" smtClean="0">
-                <a:solidFill>
-                  <a:schemeClr val="tx1"/>
-                </a:solidFill>
-                <a:latin typeface="Times New Roman" panose="02020603050405020304" pitchFamily="18" charset="0"/>
-                <a:cs typeface="Times New Roman" panose="02020603050405020304" pitchFamily="18" charset="0"/>
-              </a:rPr>
-              <a:t>sau</a:t>
-            </a:r>
-            <a:r>
-              <a:rPr lang="en-US" sz="2400" dirty="0" smtClean="0">
-                <a:solidFill>
-                  <a:schemeClr val="tx1"/>
-                </a:solidFill>
-                <a:latin typeface="Times New Roman" panose="02020603050405020304" pitchFamily="18" charset="0"/>
-                <a:cs typeface="Times New Roman" panose="02020603050405020304" pitchFamily="18" charset="0"/>
-              </a:rPr>
-              <a:t>:</a:t>
-            </a:r>
-          </a:p>
-        </p:txBody>
-      </p:sp>
-      <p:pic>
-        <p:nvPicPr>
-          <p:cNvPr id="5" name="Picture 4"/>
-          <p:cNvPicPr>
-            <a:picLocks noChangeAspect="1"/>
-          </p:cNvPicPr>
-          <p:nvPr/>
-        </p:nvPicPr>
-        <p:blipFill>
-          <a:blip r:embed="rId3"/>
-          <a:stretch>
-            <a:fillRect/>
-          </a:stretch>
-        </p:blipFill>
-        <p:spPr>
-          <a:xfrm>
-            <a:off x="2223610" y="2202565"/>
-            <a:ext cx="4273523" cy="2355148"/>
           </a:xfrm>
           <a:prstGeom prst="rect">
             <a:avLst/>

--- a/report/[KyThuatXuLyDuLieu]Báo cáo đồ án cuối kỳ_Nhóm_11.pptx
+++ b/report/[KyThuatXuLyDuLieu]Báo cáo đồ án cuối kỳ_Nhóm_11.pptx
@@ -14,7 +14,7 @@
     <p:sldId id="259" r:id="rId5"/>
     <p:sldId id="266" r:id="rId6"/>
     <p:sldId id="271" r:id="rId7"/>
-    <p:sldId id="288" r:id="rId8"/>
+    <p:sldId id="290" r:id="rId8"/>
     <p:sldId id="289" r:id="rId9"/>
     <p:sldId id="269" r:id="rId10"/>
     <p:sldId id="287" r:id="rId11"/>
@@ -836,115 +836,6 @@
   <p:cSld>
     <p:spTree>
       <p:nvGrpSpPr>
-        <p:cNvPr id="1" name="Shape 1118"/>
-        <p:cNvGrpSpPr/>
-        <p:nvPr/>
-      </p:nvGrpSpPr>
-      <p:grpSpPr>
-        <a:xfrm>
-          <a:off x="0" y="0"/>
-          <a:ext cx="0" cy="0"/>
-          <a:chOff x="0" y="0"/>
-          <a:chExt cx="0" cy="0"/>
-        </a:xfrm>
-      </p:grpSpPr>
-      <p:sp>
-        <p:nvSpPr>
-          <p:cNvPr id="1119" name="Google Shape;1119;ge49ec3022a_1_61:notes"/>
-          <p:cNvSpPr>
-            <a:spLocks noGrp="1" noRot="1" noChangeAspect="1"/>
-          </p:cNvSpPr>
-          <p:nvPr>
-            <p:ph type="sldImg" idx="2"/>
-          </p:nvPr>
-        </p:nvSpPr>
-        <p:spPr>
-          <a:xfrm>
-            <a:off x="381000" y="685800"/>
-            <a:ext cx="6096000" cy="3429000"/>
-          </a:xfrm>
-          <a:custGeom>
-            <a:avLst/>
-            <a:gdLst/>
-            <a:ahLst/>
-            <a:cxnLst/>
-            <a:rect l="l" t="t" r="r" b="b"/>
-            <a:pathLst>
-              <a:path w="120000" h="120000" extrusionOk="0">
-                <a:moveTo>
-                  <a:pt x="0" y="0"/>
-                </a:moveTo>
-                <a:lnTo>
-                  <a:pt x="120000" y="0"/>
-                </a:lnTo>
-                <a:lnTo>
-                  <a:pt x="120000" y="120000"/>
-                </a:lnTo>
-                <a:lnTo>
-                  <a:pt x="0" y="120000"/>
-                </a:lnTo>
-                <a:close/>
-              </a:path>
-            </a:pathLst>
-          </a:custGeom>
-        </p:spPr>
-      </p:sp>
-      <p:sp>
-        <p:nvSpPr>
-          <p:cNvPr id="1120" name="Google Shape;1120;ge49ec3022a_1_61:notes"/>
-          <p:cNvSpPr txBox="1">
-            <a:spLocks noGrp="1"/>
-          </p:cNvSpPr>
-          <p:nvPr>
-            <p:ph type="body" idx="1"/>
-          </p:nvPr>
-        </p:nvSpPr>
-        <p:spPr>
-          <a:xfrm>
-            <a:off x="685800" y="4343400"/>
-            <a:ext cx="5486400" cy="4114800"/>
-          </a:xfrm>
-          <a:prstGeom prst="rect">
-            <a:avLst/>
-          </a:prstGeom>
-        </p:spPr>
-        <p:txBody>
-          <a:bodyPr spcFirstLastPara="1" wrap="square" lIns="91425" tIns="91425" rIns="91425" bIns="91425" anchor="t" anchorCtr="0">
-            <a:noAutofit/>
-          </a:bodyPr>
-          <a:lstStyle/>
-          <a:p>
-            <a:pPr marL="0" lvl="0" indent="0" algn="l" rtl="0">
-              <a:spcBef>
-                <a:spcPts val="0"/>
-              </a:spcBef>
-              <a:spcAft>
-                <a:spcPts val="0"/>
-              </a:spcAft>
-              <a:buNone/>
-            </a:pPr>
-            <a:endParaRPr/>
-          </a:p>
-        </p:txBody>
-      </p:sp>
-    </p:spTree>
-    <p:extLst>
-      <p:ext uri="{BB962C8B-B14F-4D97-AF65-F5344CB8AC3E}">
-        <p14:creationId xmlns:p14="http://schemas.microsoft.com/office/powerpoint/2010/main" val="1749791600"/>
-      </p:ext>
-    </p:extLst>
-  </p:cSld>
-  <p:clrMapOvr>
-    <a:masterClrMapping/>
-  </p:clrMapOvr>
-</p:notes>
-</file>
-
-<file path=ppt/notesSlides/notesSlide11.xml><?xml version="1.0" encoding="utf-8"?>
-<p:notes xmlns:a="http://schemas.openxmlformats.org/drawingml/2006/main" xmlns:r="http://schemas.openxmlformats.org/officeDocument/2006/relationships" xmlns:p="http://schemas.openxmlformats.org/presentationml/2006/main" showMasterSp="0" showMasterPhAnim="0">
-  <p:cSld>
-    <p:spTree>
-      <p:nvGrpSpPr>
         <p:cNvPr id="1" name="Shape 2285"/>
         <p:cNvGrpSpPr/>
         <p:nvPr/>
@@ -1049,7 +940,7 @@
 </p:notes>
 </file>
 
-<file path=ppt/notesSlides/notesSlide12.xml><?xml version="1.0" encoding="utf-8"?>
+<file path=ppt/notesSlides/notesSlide11.xml><?xml version="1.0" encoding="utf-8"?>
 <p:notes xmlns:a="http://schemas.openxmlformats.org/drawingml/2006/main" xmlns:r="http://schemas.openxmlformats.org/officeDocument/2006/relationships" xmlns:p="http://schemas.openxmlformats.org/presentationml/2006/main" showMasterSp="0" showMasterPhAnim="0">
   <p:cSld>
     <p:spTree>
@@ -1475,7 +1366,7 @@
     </p:spTree>
     <p:extLst>
       <p:ext uri="{BB962C8B-B14F-4D97-AF65-F5344CB8AC3E}">
-        <p14:creationId xmlns:p14="http://schemas.microsoft.com/office/powerpoint/2010/main" val="1055101912"/>
+        <p14:creationId xmlns:p14="http://schemas.microsoft.com/office/powerpoint/2010/main" val="4119126150"/>
       </p:ext>
     </p:extLst>
   </p:cSld>
@@ -1490,7 +1381,7 @@
   <p:cSld>
     <p:spTree>
       <p:nvGrpSpPr>
-        <p:cNvPr id="1" name="Shape 1303"/>
+        <p:cNvPr id="1" name="Shape 1244"/>
         <p:cNvGrpSpPr/>
         <p:nvPr/>
       </p:nvGrpSpPr>
@@ -1504,7 +1395,7 @@
       </p:grpSpPr>
       <p:sp>
         <p:nvSpPr>
-          <p:cNvPr id="1304" name="Google Shape;1304;ge39e3565a8_0_184:notes"/>
+          <p:cNvPr id="1245" name="Google Shape;1245;ge39e3565a8_0_81:notes"/>
           <p:cNvSpPr>
             <a:spLocks noGrp="1" noRot="1" noChangeAspect="1"/>
           </p:cNvSpPr>
@@ -1545,7 +1436,7 @@
       </p:sp>
       <p:sp>
         <p:nvSpPr>
-          <p:cNvPr id="1305" name="Google Shape;1305;ge39e3565a8_0_184:notes"/>
+          <p:cNvPr id="1246" name="Google Shape;1246;ge39e3565a8_0_81:notes"/>
           <p:cNvSpPr txBox="1">
             <a:spLocks noGrp="1"/>
           </p:cNvSpPr>
@@ -1584,7 +1475,7 @@
     </p:spTree>
     <p:extLst>
       <p:ext uri="{BB962C8B-B14F-4D97-AF65-F5344CB8AC3E}">
-        <p14:creationId xmlns:p14="http://schemas.microsoft.com/office/powerpoint/2010/main" val="4119126150"/>
+        <p14:creationId xmlns:p14="http://schemas.microsoft.com/office/powerpoint/2010/main" val="156260274"/>
       </p:ext>
     </p:extLst>
   </p:cSld>
@@ -1693,7 +1584,7 @@
     </p:spTree>
     <p:extLst>
       <p:ext uri="{BB962C8B-B14F-4D97-AF65-F5344CB8AC3E}">
-        <p14:creationId xmlns:p14="http://schemas.microsoft.com/office/powerpoint/2010/main" val="156260274"/>
+        <p14:creationId xmlns:p14="http://schemas.microsoft.com/office/powerpoint/2010/main" val="3638776099"/>
       </p:ext>
     </p:extLst>
   </p:cSld>
@@ -1708,7 +1599,7 @@
   <p:cSld>
     <p:spTree>
       <p:nvGrpSpPr>
-        <p:cNvPr id="1" name="Shape 1244"/>
+        <p:cNvPr id="1" name="Shape 1118"/>
         <p:cNvGrpSpPr/>
         <p:nvPr/>
       </p:nvGrpSpPr>
@@ -1722,7 +1613,7 @@
       </p:grpSpPr>
       <p:sp>
         <p:nvSpPr>
-          <p:cNvPr id="1245" name="Google Shape;1245;ge39e3565a8_0_81:notes"/>
+          <p:cNvPr id="1119" name="Google Shape;1119;ge49ec3022a_1_61:notes"/>
           <p:cNvSpPr>
             <a:spLocks noGrp="1" noRot="1" noChangeAspect="1"/>
           </p:cNvSpPr>
@@ -1763,7 +1654,7 @@
       </p:sp>
       <p:sp>
         <p:nvSpPr>
-          <p:cNvPr id="1246" name="Google Shape;1246;ge39e3565a8_0_81:notes"/>
+          <p:cNvPr id="1120" name="Google Shape;1120;ge49ec3022a_1_61:notes"/>
           <p:cNvSpPr txBox="1">
             <a:spLocks noGrp="1"/>
           </p:cNvSpPr>
@@ -1802,7 +1693,7 @@
     </p:spTree>
     <p:extLst>
       <p:ext uri="{BB962C8B-B14F-4D97-AF65-F5344CB8AC3E}">
-        <p14:creationId xmlns:p14="http://schemas.microsoft.com/office/powerpoint/2010/main" val="3638776099"/>
+        <p14:creationId xmlns:p14="http://schemas.microsoft.com/office/powerpoint/2010/main" val="3152042002"/>
       </p:ext>
     </p:extLst>
   </p:cSld>
@@ -1911,7 +1802,7 @@
     </p:spTree>
     <p:extLst>
       <p:ext uri="{BB962C8B-B14F-4D97-AF65-F5344CB8AC3E}">
-        <p14:creationId xmlns:p14="http://schemas.microsoft.com/office/powerpoint/2010/main" val="3152042002"/>
+        <p14:creationId xmlns:p14="http://schemas.microsoft.com/office/powerpoint/2010/main" val="23082763"/>
       </p:ext>
     </p:extLst>
   </p:cSld>
@@ -2020,7 +1911,7 @@
     </p:spTree>
     <p:extLst>
       <p:ext uri="{BB962C8B-B14F-4D97-AF65-F5344CB8AC3E}">
-        <p14:creationId xmlns:p14="http://schemas.microsoft.com/office/powerpoint/2010/main" val="23082763"/>
+        <p14:creationId xmlns:p14="http://schemas.microsoft.com/office/powerpoint/2010/main" val="1749791600"/>
       </p:ext>
     </p:extLst>
   </p:cSld>
@@ -18431,7 +18322,7 @@
           <p:cNvPr id="2" name="Title 1">
             <a:extLst>
               <a:ext uri="{FF2B5EF4-FFF2-40B4-BE49-F238E27FC236}">
-                <a16:creationId xmlns="" xmlns:a16="http://schemas.microsoft.com/office/drawing/2014/main" id="{AE7ED732-9F48-46D0-9606-C01E66898756}"/>
+                <a16:creationId xmlns:a16="http://schemas.microsoft.com/office/drawing/2014/main" xmlns="" id="{AE7ED732-9F48-46D0-9606-C01E66898756}"/>
               </a:ext>
             </a:extLst>
           </p:cNvPr>
@@ -18956,7 +18847,7 @@
           <p:cNvPr id="3" name="Subtitle 2">
             <a:extLst>
               <a:ext uri="{FF2B5EF4-FFF2-40B4-BE49-F238E27FC236}">
-                <a16:creationId xmlns="" xmlns:a16="http://schemas.microsoft.com/office/drawing/2014/main" id="{4EDECE05-59F3-4F93-A209-A298C2F6D3A2}"/>
+                <a16:creationId xmlns:a16="http://schemas.microsoft.com/office/drawing/2014/main" xmlns="" id="{4EDECE05-59F3-4F93-A209-A298C2F6D3A2}"/>
               </a:ext>
             </a:extLst>
           </p:cNvPr>
@@ -19233,7 +19124,7 @@
           <p:cNvPr id="4" name="Title 1">
             <a:extLst>
               <a:ext uri="{FF2B5EF4-FFF2-40B4-BE49-F238E27FC236}">
-                <a16:creationId xmlns="" xmlns:a16="http://schemas.microsoft.com/office/drawing/2014/main" id="{AE7ED732-9F48-46D0-9606-C01E66898756}"/>
+                <a16:creationId xmlns:a16="http://schemas.microsoft.com/office/drawing/2014/main" xmlns="" id="{AE7ED732-9F48-46D0-9606-C01E66898756}"/>
               </a:ext>
             </a:extLst>
           </p:cNvPr>
@@ -24287,7 +24178,7 @@
           <p:cNvPr id="5" name="Title 1">
             <a:extLst>
               <a:ext uri="{FF2B5EF4-FFF2-40B4-BE49-F238E27FC236}">
-                <a16:creationId xmlns="" xmlns:a16="http://schemas.microsoft.com/office/drawing/2014/main" id="{AE7ED732-9F48-46D0-9606-C01E66898756}"/>
+                <a16:creationId xmlns:a16="http://schemas.microsoft.com/office/drawing/2014/main" xmlns="" id="{AE7ED732-9F48-46D0-9606-C01E66898756}"/>
               </a:ext>
             </a:extLst>
           </p:cNvPr>
@@ -24726,7 +24617,7 @@
           <p:cNvPr id="6" name="Title 1">
             <a:extLst>
               <a:ext uri="{FF2B5EF4-FFF2-40B4-BE49-F238E27FC236}">
-                <a16:creationId xmlns="" xmlns:a16="http://schemas.microsoft.com/office/drawing/2014/main" id="{AE7ED732-9F48-46D0-9606-C01E66898756}"/>
+                <a16:creationId xmlns:a16="http://schemas.microsoft.com/office/drawing/2014/main" xmlns="" id="{AE7ED732-9F48-46D0-9606-C01E66898756}"/>
               </a:ext>
             </a:extLst>
           </p:cNvPr>
@@ -25209,7 +25100,7 @@
           <p:cNvPr id="5" name="Title 1">
             <a:extLst>
               <a:ext uri="{FF2B5EF4-FFF2-40B4-BE49-F238E27FC236}">
-                <a16:creationId xmlns="" xmlns:a16="http://schemas.microsoft.com/office/drawing/2014/main" id="{AE7ED732-9F48-46D0-9606-C01E66898756}"/>
+                <a16:creationId xmlns:a16="http://schemas.microsoft.com/office/drawing/2014/main" xmlns="" id="{AE7ED732-9F48-46D0-9606-C01E66898756}"/>
               </a:ext>
             </a:extLst>
           </p:cNvPr>
@@ -26188,17 +26079,7 @@
                 <a:latin typeface="Times New Roman" panose="02020603050405020304" pitchFamily="18" charset="0"/>
                 <a:cs typeface="Times New Roman" panose="02020603050405020304" pitchFamily="18" charset="0"/>
               </a:rPr>
-              <a:t>   </a:t>
-            </a:r>
-            <a:r>
-              <a:rPr lang="en-US" sz="2400" dirty="0">
-                <a:solidFill>
-                  <a:schemeClr val="tx1"/>
-                </a:solidFill>
-                <a:latin typeface="Times New Roman" panose="02020603050405020304" pitchFamily="18" charset="0"/>
-                <a:cs typeface="Times New Roman" panose="02020603050405020304" pitchFamily="18" charset="0"/>
-              </a:rPr>
-              <a:t>https://www.iqair.com/vi/vietnam/ho-chi-minh-city</a:t>
+              <a:t>   https://www.iqair.com/vi/vietnam/ho-chi-minh-city</a:t>
             </a:r>
             <a:endParaRPr lang="en-US" sz="2400" dirty="0" smtClean="0">
               <a:solidFill>
@@ -29886,7 +29767,7 @@
   <p:cSld>
     <p:spTree>
       <p:nvGrpSpPr>
-        <p:cNvPr id="1" name="Shape 1306"/>
+        <p:cNvPr id="1" name=""/>
         <p:cNvGrpSpPr/>
         <p:nvPr/>
       </p:nvGrpSpPr>
@@ -29898,827 +29779,24 @@
           <a:chExt cx="0" cy="0"/>
         </a:xfrm>
       </p:grpSpPr>
-      <p:sp>
-        <p:nvSpPr>
-          <p:cNvPr id="6" name="Google Shape;1318;p48"/>
-          <p:cNvSpPr txBox="1">
-            <a:spLocks/>
-          </p:cNvSpPr>
-          <p:nvPr/>
-        </p:nvSpPr>
-        <p:spPr>
-          <a:xfrm>
-            <a:off x="420385" y="735808"/>
-            <a:ext cx="4101609" cy="3214687"/>
-          </a:xfrm>
-          <a:prstGeom prst="rect">
-            <a:avLst/>
-          </a:prstGeom>
-        </p:spPr>
-        <p:txBody>
-          <a:bodyPr spcFirstLastPara="1" wrap="square" lIns="91425" tIns="91425" rIns="91425" bIns="91425" anchor="ctr" anchorCtr="0">
-            <a:noAutofit/>
-          </a:bodyPr>
-          <a:lstStyle>
-            <a:defPPr marR="0" lvl="0" algn="l" rtl="0">
-              <a:lnSpc>
-                <a:spcPct val="100000"/>
-              </a:lnSpc>
-              <a:spcBef>
-                <a:spcPts val="0"/>
-              </a:spcBef>
-              <a:spcAft>
-                <a:spcPts val="0"/>
-              </a:spcAft>
-            </a:defPPr>
-            <a:lvl1pPr marR="0" lvl="0" algn="l" rtl="0">
-              <a:lnSpc>
-                <a:spcPct val="100000"/>
-              </a:lnSpc>
-              <a:spcBef>
-                <a:spcPts val="0"/>
-              </a:spcBef>
-              <a:spcAft>
-                <a:spcPts val="0"/>
-              </a:spcAft>
-              <a:buClr>
-                <a:srgbClr val="000000"/>
-              </a:buClr>
-              <a:buFont typeface="Arial"/>
-              <a:defRPr sz="1400" b="0" i="0" u="none" strike="noStrike" cap="none">
-                <a:solidFill>
-                  <a:srgbClr val="000000"/>
-                </a:solidFill>
-                <a:latin typeface="Arial"/>
-                <a:ea typeface="Arial"/>
-                <a:cs typeface="Arial"/>
-                <a:sym typeface="Arial"/>
-              </a:defRPr>
-            </a:lvl1pPr>
-            <a:lvl2pPr marR="0" lvl="1" algn="l" rtl="0">
-              <a:lnSpc>
-                <a:spcPct val="100000"/>
-              </a:lnSpc>
-              <a:spcBef>
-                <a:spcPts val="0"/>
-              </a:spcBef>
-              <a:spcAft>
-                <a:spcPts val="0"/>
-              </a:spcAft>
-              <a:buClr>
-                <a:srgbClr val="000000"/>
-              </a:buClr>
-              <a:buFont typeface="Arial"/>
-              <a:defRPr sz="1400" b="0" i="0" u="none" strike="noStrike" cap="none">
-                <a:solidFill>
-                  <a:srgbClr val="000000"/>
-                </a:solidFill>
-                <a:latin typeface="Arial"/>
-                <a:ea typeface="Arial"/>
-                <a:cs typeface="Arial"/>
-                <a:sym typeface="Arial"/>
-              </a:defRPr>
-            </a:lvl2pPr>
-            <a:lvl3pPr marR="0" lvl="2" algn="l" rtl="0">
-              <a:lnSpc>
-                <a:spcPct val="100000"/>
-              </a:lnSpc>
-              <a:spcBef>
-                <a:spcPts val="0"/>
-              </a:spcBef>
-              <a:spcAft>
-                <a:spcPts val="0"/>
-              </a:spcAft>
-              <a:buClr>
-                <a:srgbClr val="000000"/>
-              </a:buClr>
-              <a:buFont typeface="Arial"/>
-              <a:defRPr sz="1400" b="0" i="0" u="none" strike="noStrike" cap="none">
-                <a:solidFill>
-                  <a:srgbClr val="000000"/>
-                </a:solidFill>
-                <a:latin typeface="Arial"/>
-                <a:ea typeface="Arial"/>
-                <a:cs typeface="Arial"/>
-                <a:sym typeface="Arial"/>
-              </a:defRPr>
-            </a:lvl3pPr>
-            <a:lvl4pPr marR="0" lvl="3" algn="l" rtl="0">
-              <a:lnSpc>
-                <a:spcPct val="100000"/>
-              </a:lnSpc>
-              <a:spcBef>
-                <a:spcPts val="0"/>
-              </a:spcBef>
-              <a:spcAft>
-                <a:spcPts val="0"/>
-              </a:spcAft>
-              <a:buClr>
-                <a:srgbClr val="000000"/>
-              </a:buClr>
-              <a:buFont typeface="Arial"/>
-              <a:defRPr sz="1400" b="0" i="0" u="none" strike="noStrike" cap="none">
-                <a:solidFill>
-                  <a:srgbClr val="000000"/>
-                </a:solidFill>
-                <a:latin typeface="Arial"/>
-                <a:ea typeface="Arial"/>
-                <a:cs typeface="Arial"/>
-                <a:sym typeface="Arial"/>
-              </a:defRPr>
-            </a:lvl4pPr>
-            <a:lvl5pPr marR="0" lvl="4" algn="l" rtl="0">
-              <a:lnSpc>
-                <a:spcPct val="100000"/>
-              </a:lnSpc>
-              <a:spcBef>
-                <a:spcPts val="0"/>
-              </a:spcBef>
-              <a:spcAft>
-                <a:spcPts val="0"/>
-              </a:spcAft>
-              <a:buClr>
-                <a:srgbClr val="000000"/>
-              </a:buClr>
-              <a:buFont typeface="Arial"/>
-              <a:defRPr sz="1400" b="0" i="0" u="none" strike="noStrike" cap="none">
-                <a:solidFill>
-                  <a:srgbClr val="000000"/>
-                </a:solidFill>
-                <a:latin typeface="Arial"/>
-                <a:ea typeface="Arial"/>
-                <a:cs typeface="Arial"/>
-                <a:sym typeface="Arial"/>
-              </a:defRPr>
-            </a:lvl5pPr>
-            <a:lvl6pPr marR="0" lvl="5" algn="l" rtl="0">
-              <a:lnSpc>
-                <a:spcPct val="100000"/>
-              </a:lnSpc>
-              <a:spcBef>
-                <a:spcPts val="0"/>
-              </a:spcBef>
-              <a:spcAft>
-                <a:spcPts val="0"/>
-              </a:spcAft>
-              <a:buClr>
-                <a:srgbClr val="000000"/>
-              </a:buClr>
-              <a:buFont typeface="Arial"/>
-              <a:defRPr sz="1400" b="0" i="0" u="none" strike="noStrike" cap="none">
-                <a:solidFill>
-                  <a:srgbClr val="000000"/>
-                </a:solidFill>
-                <a:latin typeface="Arial"/>
-                <a:ea typeface="Arial"/>
-                <a:cs typeface="Arial"/>
-                <a:sym typeface="Arial"/>
-              </a:defRPr>
-            </a:lvl6pPr>
-            <a:lvl7pPr marR="0" lvl="6" algn="l" rtl="0">
-              <a:lnSpc>
-                <a:spcPct val="100000"/>
-              </a:lnSpc>
-              <a:spcBef>
-                <a:spcPts val="0"/>
-              </a:spcBef>
-              <a:spcAft>
-                <a:spcPts val="0"/>
-              </a:spcAft>
-              <a:buClr>
-                <a:srgbClr val="000000"/>
-              </a:buClr>
-              <a:buFont typeface="Arial"/>
-              <a:defRPr sz="1400" b="0" i="0" u="none" strike="noStrike" cap="none">
-                <a:solidFill>
-                  <a:srgbClr val="000000"/>
-                </a:solidFill>
-                <a:latin typeface="Arial"/>
-                <a:ea typeface="Arial"/>
-                <a:cs typeface="Arial"/>
-                <a:sym typeface="Arial"/>
-              </a:defRPr>
-            </a:lvl7pPr>
-            <a:lvl8pPr marR="0" lvl="7" algn="l" rtl="0">
-              <a:lnSpc>
-                <a:spcPct val="100000"/>
-              </a:lnSpc>
-              <a:spcBef>
-                <a:spcPts val="0"/>
-              </a:spcBef>
-              <a:spcAft>
-                <a:spcPts val="0"/>
-              </a:spcAft>
-              <a:buClr>
-                <a:srgbClr val="000000"/>
-              </a:buClr>
-              <a:buFont typeface="Arial"/>
-              <a:defRPr sz="1400" b="0" i="0" u="none" strike="noStrike" cap="none">
-                <a:solidFill>
-                  <a:srgbClr val="000000"/>
-                </a:solidFill>
-                <a:latin typeface="Arial"/>
-                <a:ea typeface="Arial"/>
-                <a:cs typeface="Arial"/>
-                <a:sym typeface="Arial"/>
-              </a:defRPr>
-            </a:lvl8pPr>
-            <a:lvl9pPr marR="0" lvl="8" algn="l" rtl="0">
-              <a:lnSpc>
-                <a:spcPct val="100000"/>
-              </a:lnSpc>
-              <a:spcBef>
-                <a:spcPts val="0"/>
-              </a:spcBef>
-              <a:spcAft>
-                <a:spcPts val="0"/>
-              </a:spcAft>
-              <a:buClr>
-                <a:srgbClr val="000000"/>
-              </a:buClr>
-              <a:buFont typeface="Arial"/>
-              <a:defRPr sz="1400" b="0" i="0" u="none" strike="noStrike" cap="none">
-                <a:solidFill>
-                  <a:srgbClr val="000000"/>
-                </a:solidFill>
-                <a:latin typeface="Arial"/>
-                <a:ea typeface="Arial"/>
-                <a:cs typeface="Arial"/>
-                <a:sym typeface="Arial"/>
-              </a:defRPr>
-            </a:lvl9pPr>
-          </a:lstStyle>
-          <a:p>
-            <a:r>
-              <a:rPr lang="en-US" sz="3200" dirty="0" smtClean="0">
-                <a:solidFill>
-                  <a:schemeClr val="tx1"/>
-                </a:solidFill>
-                <a:latin typeface="Times New Roman" panose="02020603050405020304" pitchFamily="18" charset="0"/>
-                <a:cs typeface="Times New Roman" panose="02020603050405020304" pitchFamily="18" charset="0"/>
-              </a:rPr>
-              <a:t>1.2 Crawl </a:t>
-            </a:r>
-            <a:r>
-              <a:rPr lang="en-US" sz="3200" dirty="0">
-                <a:solidFill>
-                  <a:schemeClr val="tx1"/>
-                </a:solidFill>
-                <a:latin typeface="Times New Roman" panose="02020603050405020304" pitchFamily="18" charset="0"/>
-                <a:cs typeface="Times New Roman" panose="02020603050405020304" pitchFamily="18" charset="0"/>
-              </a:rPr>
-              <a:t>data</a:t>
-            </a:r>
-            <a:r>
-              <a:rPr lang="en-US" sz="3200" dirty="0" smtClean="0">
-                <a:solidFill>
-                  <a:schemeClr val="tx1"/>
-                </a:solidFill>
-                <a:latin typeface="Times New Roman" panose="02020603050405020304" pitchFamily="18" charset="0"/>
-                <a:cs typeface="Times New Roman" panose="02020603050405020304" pitchFamily="18" charset="0"/>
-              </a:rPr>
-              <a:t>:</a:t>
-            </a:r>
-          </a:p>
-          <a:p>
-            <a:endParaRPr lang="en-US" sz="3200" dirty="0" smtClean="0">
-              <a:solidFill>
-                <a:schemeClr val="tx1"/>
-              </a:solidFill>
-              <a:latin typeface="Times New Roman" panose="02020603050405020304" pitchFamily="18" charset="0"/>
-              <a:cs typeface="Times New Roman" panose="02020603050405020304" pitchFamily="18" charset="0"/>
-            </a:endParaRPr>
-          </a:p>
-          <a:p>
-            <a:pPr lvl="0"/>
-            <a:r>
-              <a:rPr lang="en-US" sz="2400" dirty="0" err="1" smtClean="0">
-                <a:solidFill>
-                  <a:schemeClr val="tx1"/>
-                </a:solidFill>
-                <a:latin typeface="Times New Roman" panose="02020603050405020304" pitchFamily="18" charset="0"/>
-                <a:cs typeface="Times New Roman" panose="02020603050405020304" pitchFamily="18" charset="0"/>
-              </a:rPr>
-              <a:t>Hiện</a:t>
-            </a:r>
-            <a:r>
-              <a:rPr lang="en-US" sz="2400" dirty="0" smtClean="0">
-                <a:solidFill>
-                  <a:schemeClr val="tx1"/>
-                </a:solidFill>
-                <a:latin typeface="Times New Roman" panose="02020603050405020304" pitchFamily="18" charset="0"/>
-                <a:cs typeface="Times New Roman" panose="02020603050405020304" pitchFamily="18" charset="0"/>
-              </a:rPr>
-              <a:t> </a:t>
-            </a:r>
-            <a:r>
-              <a:rPr lang="en-US" sz="2400" dirty="0" err="1" smtClean="0">
-                <a:solidFill>
-                  <a:schemeClr val="tx1"/>
-                </a:solidFill>
-                <a:latin typeface="Times New Roman" panose="02020603050405020304" pitchFamily="18" charset="0"/>
-                <a:cs typeface="Times New Roman" panose="02020603050405020304" pitchFamily="18" charset="0"/>
-              </a:rPr>
-              <a:t>tại</a:t>
-            </a:r>
-            <a:r>
-              <a:rPr lang="en-US" sz="2400" dirty="0" smtClean="0">
-                <a:solidFill>
-                  <a:schemeClr val="tx1"/>
-                </a:solidFill>
-                <a:latin typeface="Times New Roman" panose="02020603050405020304" pitchFamily="18" charset="0"/>
-                <a:cs typeface="Times New Roman" panose="02020603050405020304" pitchFamily="18" charset="0"/>
-              </a:rPr>
-              <a:t> </a:t>
-            </a:r>
-            <a:r>
-              <a:rPr lang="en-US" sz="2400" dirty="0" err="1" smtClean="0">
-                <a:solidFill>
-                  <a:schemeClr val="tx1"/>
-                </a:solidFill>
-                <a:latin typeface="Times New Roman" panose="02020603050405020304" pitchFamily="18" charset="0"/>
-                <a:cs typeface="Times New Roman" panose="02020603050405020304" pitchFamily="18" charset="0"/>
-              </a:rPr>
-              <a:t>nhóm</a:t>
-            </a:r>
-            <a:r>
-              <a:rPr lang="en-US" sz="2400" dirty="0" smtClean="0">
-                <a:solidFill>
-                  <a:schemeClr val="tx1"/>
-                </a:solidFill>
-                <a:latin typeface="Times New Roman" panose="02020603050405020304" pitchFamily="18" charset="0"/>
-                <a:cs typeface="Times New Roman" panose="02020603050405020304" pitchFamily="18" charset="0"/>
-              </a:rPr>
-              <a:t> </a:t>
-            </a:r>
-            <a:r>
-              <a:rPr lang="en-US" sz="2400" dirty="0" err="1" smtClean="0">
-                <a:solidFill>
-                  <a:schemeClr val="tx1"/>
-                </a:solidFill>
-                <a:latin typeface="Times New Roman" panose="02020603050405020304" pitchFamily="18" charset="0"/>
-                <a:cs typeface="Times New Roman" panose="02020603050405020304" pitchFamily="18" charset="0"/>
-              </a:rPr>
-              <a:t>không</a:t>
-            </a:r>
-            <a:r>
-              <a:rPr lang="en-US" sz="2400" dirty="0" smtClean="0">
-                <a:solidFill>
-                  <a:schemeClr val="tx1"/>
-                </a:solidFill>
-                <a:latin typeface="Times New Roman" panose="02020603050405020304" pitchFamily="18" charset="0"/>
-                <a:cs typeface="Times New Roman" panose="02020603050405020304" pitchFamily="18" charset="0"/>
-              </a:rPr>
-              <a:t> hardcode </a:t>
-            </a:r>
-            <a:r>
-              <a:rPr lang="en-US" sz="2400" dirty="0" err="1" smtClean="0">
-                <a:solidFill>
-                  <a:schemeClr val="tx1"/>
-                </a:solidFill>
-                <a:latin typeface="Times New Roman" panose="02020603050405020304" pitchFamily="18" charset="0"/>
-                <a:cs typeface="Times New Roman" panose="02020603050405020304" pitchFamily="18" charset="0"/>
-              </a:rPr>
-              <a:t>các</a:t>
-            </a:r>
-            <a:r>
-              <a:rPr lang="en-US" sz="2400" dirty="0" smtClean="0">
-                <a:solidFill>
-                  <a:schemeClr val="tx1"/>
-                </a:solidFill>
-                <a:latin typeface="Times New Roman" panose="02020603050405020304" pitchFamily="18" charset="0"/>
-                <a:cs typeface="Times New Roman" panose="02020603050405020304" pitchFamily="18" charset="0"/>
-              </a:rPr>
-              <a:t> URL </a:t>
-            </a:r>
-            <a:r>
-              <a:rPr lang="en-US" sz="2400" dirty="0" err="1" smtClean="0">
-                <a:solidFill>
-                  <a:schemeClr val="tx1"/>
-                </a:solidFill>
-                <a:latin typeface="Times New Roman" panose="02020603050405020304" pitchFamily="18" charset="0"/>
-                <a:cs typeface="Times New Roman" panose="02020603050405020304" pitchFamily="18" charset="0"/>
-              </a:rPr>
-              <a:t>của</a:t>
-            </a:r>
-            <a:r>
-              <a:rPr lang="en-US" sz="2400" dirty="0" smtClean="0">
-                <a:solidFill>
-                  <a:schemeClr val="tx1"/>
-                </a:solidFill>
-                <a:latin typeface="Times New Roman" panose="02020603050405020304" pitchFamily="18" charset="0"/>
-                <a:cs typeface="Times New Roman" panose="02020603050405020304" pitchFamily="18" charset="0"/>
-              </a:rPr>
-              <a:t> </a:t>
-            </a:r>
-            <a:r>
-              <a:rPr lang="en-US" sz="2400" dirty="0" err="1" smtClean="0">
-                <a:solidFill>
-                  <a:schemeClr val="tx1"/>
-                </a:solidFill>
-                <a:latin typeface="Times New Roman" panose="02020603050405020304" pitchFamily="18" charset="0"/>
-                <a:cs typeface="Times New Roman" panose="02020603050405020304" pitchFamily="18" charset="0"/>
-              </a:rPr>
-              <a:t>các</a:t>
-            </a:r>
-            <a:r>
-              <a:rPr lang="en-US" sz="2400" dirty="0" smtClean="0">
-                <a:solidFill>
-                  <a:schemeClr val="tx1"/>
-                </a:solidFill>
-                <a:latin typeface="Times New Roman" panose="02020603050405020304" pitchFamily="18" charset="0"/>
-                <a:cs typeface="Times New Roman" panose="02020603050405020304" pitchFamily="18" charset="0"/>
-              </a:rPr>
-              <a:t> </a:t>
-            </a:r>
-            <a:r>
-              <a:rPr lang="en-US" sz="2400" dirty="0" err="1" smtClean="0">
-                <a:solidFill>
-                  <a:schemeClr val="tx1"/>
-                </a:solidFill>
-                <a:latin typeface="Times New Roman" panose="02020603050405020304" pitchFamily="18" charset="0"/>
-                <a:cs typeface="Times New Roman" panose="02020603050405020304" pitchFamily="18" charset="0"/>
-              </a:rPr>
-              <a:t>trạm</a:t>
-            </a:r>
-            <a:r>
-              <a:rPr lang="en-US" sz="2400" dirty="0" smtClean="0">
-                <a:solidFill>
-                  <a:schemeClr val="tx1"/>
-                </a:solidFill>
-                <a:latin typeface="Times New Roman" panose="02020603050405020304" pitchFamily="18" charset="0"/>
-                <a:cs typeface="Times New Roman" panose="02020603050405020304" pitchFamily="18" charset="0"/>
-              </a:rPr>
-              <a:t> </a:t>
-            </a:r>
-            <a:r>
-              <a:rPr lang="en-US" sz="2400" dirty="0" err="1" smtClean="0">
-                <a:solidFill>
-                  <a:schemeClr val="tx1"/>
-                </a:solidFill>
-                <a:latin typeface="Times New Roman" panose="02020603050405020304" pitchFamily="18" charset="0"/>
-                <a:cs typeface="Times New Roman" panose="02020603050405020304" pitchFamily="18" charset="0"/>
-              </a:rPr>
-              <a:t>cố</a:t>
-            </a:r>
-            <a:r>
-              <a:rPr lang="en-US" sz="2400" dirty="0" smtClean="0">
-                <a:solidFill>
-                  <a:schemeClr val="tx1"/>
-                </a:solidFill>
-                <a:latin typeface="Times New Roman" panose="02020603050405020304" pitchFamily="18" charset="0"/>
-                <a:cs typeface="Times New Roman" panose="02020603050405020304" pitchFamily="18" charset="0"/>
-              </a:rPr>
-              <a:t> </a:t>
-            </a:r>
-            <a:r>
-              <a:rPr lang="en-US" sz="2400" dirty="0" err="1" smtClean="0">
-                <a:solidFill>
-                  <a:schemeClr val="tx1"/>
-                </a:solidFill>
-                <a:latin typeface="Times New Roman" panose="02020603050405020304" pitchFamily="18" charset="0"/>
-                <a:cs typeface="Times New Roman" panose="02020603050405020304" pitchFamily="18" charset="0"/>
-              </a:rPr>
-              <a:t>định</a:t>
-            </a:r>
-            <a:r>
-              <a:rPr lang="en-US" sz="2400" dirty="0" smtClean="0">
-                <a:solidFill>
-                  <a:schemeClr val="tx1"/>
-                </a:solidFill>
-                <a:latin typeface="Times New Roman" panose="02020603050405020304" pitchFamily="18" charset="0"/>
-                <a:cs typeface="Times New Roman" panose="02020603050405020304" pitchFamily="18" charset="0"/>
-              </a:rPr>
-              <a:t>, </a:t>
-            </a:r>
-            <a:r>
-              <a:rPr lang="en-US" sz="2400" dirty="0" err="1" smtClean="0">
-                <a:solidFill>
-                  <a:schemeClr val="tx1"/>
-                </a:solidFill>
-                <a:latin typeface="Times New Roman" panose="02020603050405020304" pitchFamily="18" charset="0"/>
-                <a:cs typeface="Times New Roman" panose="02020603050405020304" pitchFamily="18" charset="0"/>
-              </a:rPr>
-              <a:t>mà</a:t>
-            </a:r>
-            <a:r>
-              <a:rPr lang="en-US" sz="2400" dirty="0" smtClean="0">
-                <a:solidFill>
-                  <a:schemeClr val="tx1"/>
-                </a:solidFill>
-                <a:latin typeface="Times New Roman" panose="02020603050405020304" pitchFamily="18" charset="0"/>
-                <a:cs typeface="Times New Roman" panose="02020603050405020304" pitchFamily="18" charset="0"/>
-              </a:rPr>
-              <a:t> </a:t>
-            </a:r>
-            <a:r>
-              <a:rPr lang="en-US" sz="2400" dirty="0" err="1" smtClean="0">
-                <a:solidFill>
-                  <a:schemeClr val="tx1"/>
-                </a:solidFill>
-                <a:latin typeface="Times New Roman" panose="02020603050405020304" pitchFamily="18" charset="0"/>
-                <a:cs typeface="Times New Roman" panose="02020603050405020304" pitchFamily="18" charset="0"/>
-              </a:rPr>
-              <a:t>cách</a:t>
-            </a:r>
-            <a:r>
-              <a:rPr lang="en-US" sz="2400" dirty="0" smtClean="0">
-                <a:solidFill>
-                  <a:schemeClr val="tx1"/>
-                </a:solidFill>
-                <a:latin typeface="Times New Roman" panose="02020603050405020304" pitchFamily="18" charset="0"/>
-                <a:cs typeface="Times New Roman" panose="02020603050405020304" pitchFamily="18" charset="0"/>
-              </a:rPr>
-              <a:t> bot </a:t>
-            </a:r>
-            <a:r>
-              <a:rPr lang="en-US" sz="2400" dirty="0" err="1" smtClean="0">
-                <a:solidFill>
-                  <a:schemeClr val="tx1"/>
-                </a:solidFill>
-                <a:latin typeface="Times New Roman" panose="02020603050405020304" pitchFamily="18" charset="0"/>
-                <a:cs typeface="Times New Roman" panose="02020603050405020304" pitchFamily="18" charset="0"/>
-              </a:rPr>
-              <a:t>lấy</a:t>
-            </a:r>
-            <a:r>
-              <a:rPr lang="en-US" sz="2400" dirty="0" smtClean="0">
-                <a:solidFill>
-                  <a:schemeClr val="tx1"/>
-                </a:solidFill>
-                <a:latin typeface="Times New Roman" panose="02020603050405020304" pitchFamily="18" charset="0"/>
-                <a:cs typeface="Times New Roman" panose="02020603050405020304" pitchFamily="18" charset="0"/>
-              </a:rPr>
-              <a:t> data </a:t>
-            </a:r>
-            <a:r>
-              <a:rPr lang="en-US" sz="2400" dirty="0" err="1" smtClean="0">
-                <a:solidFill>
-                  <a:schemeClr val="tx1"/>
-                </a:solidFill>
-                <a:latin typeface="Times New Roman" panose="02020603050405020304" pitchFamily="18" charset="0"/>
-                <a:cs typeface="Times New Roman" panose="02020603050405020304" pitchFamily="18" charset="0"/>
-              </a:rPr>
-              <a:t>là</a:t>
-            </a:r>
-            <a:r>
-              <a:rPr lang="en-US" sz="2400" dirty="0" smtClean="0">
-                <a:solidFill>
-                  <a:schemeClr val="tx1"/>
-                </a:solidFill>
-                <a:latin typeface="Times New Roman" panose="02020603050405020304" pitchFamily="18" charset="0"/>
-                <a:cs typeface="Times New Roman" panose="02020603050405020304" pitchFamily="18" charset="0"/>
-              </a:rPr>
-              <a:t> </a:t>
-            </a:r>
-            <a:r>
-              <a:rPr lang="en-US" sz="2400" dirty="0" err="1" smtClean="0">
-                <a:solidFill>
-                  <a:schemeClr val="tx1"/>
-                </a:solidFill>
-                <a:latin typeface="Times New Roman" panose="02020603050405020304" pitchFamily="18" charset="0"/>
-                <a:cs typeface="Times New Roman" panose="02020603050405020304" pitchFamily="18" charset="0"/>
-              </a:rPr>
-              <a:t>đầu</a:t>
-            </a:r>
-            <a:r>
-              <a:rPr lang="en-US" sz="2400" dirty="0" smtClean="0">
-                <a:solidFill>
-                  <a:schemeClr val="tx1"/>
-                </a:solidFill>
-                <a:latin typeface="Times New Roman" panose="02020603050405020304" pitchFamily="18" charset="0"/>
-                <a:cs typeface="Times New Roman" panose="02020603050405020304" pitchFamily="18" charset="0"/>
-              </a:rPr>
-              <a:t> </a:t>
-            </a:r>
-            <a:r>
-              <a:rPr lang="en-US" sz="2400" dirty="0" err="1" smtClean="0">
-                <a:solidFill>
-                  <a:schemeClr val="tx1"/>
-                </a:solidFill>
-                <a:latin typeface="Times New Roman" panose="02020603050405020304" pitchFamily="18" charset="0"/>
-                <a:cs typeface="Times New Roman" panose="02020603050405020304" pitchFamily="18" charset="0"/>
-              </a:rPr>
-              <a:t>tiên</a:t>
-            </a:r>
-            <a:r>
-              <a:rPr lang="en-US" sz="2400" dirty="0" smtClean="0">
-                <a:solidFill>
-                  <a:schemeClr val="tx1"/>
-                </a:solidFill>
-                <a:latin typeface="Times New Roman" panose="02020603050405020304" pitchFamily="18" charset="0"/>
-                <a:cs typeface="Times New Roman" panose="02020603050405020304" pitchFamily="18" charset="0"/>
-              </a:rPr>
-              <a:t> bot </a:t>
-            </a:r>
-            <a:r>
-              <a:rPr lang="en-US" sz="2400" dirty="0" err="1" smtClean="0">
-                <a:solidFill>
-                  <a:schemeClr val="tx1"/>
-                </a:solidFill>
-                <a:latin typeface="Times New Roman" panose="02020603050405020304" pitchFamily="18" charset="0"/>
-                <a:cs typeface="Times New Roman" panose="02020603050405020304" pitchFamily="18" charset="0"/>
-              </a:rPr>
-              <a:t>vào</a:t>
-            </a:r>
-            <a:r>
-              <a:rPr lang="en-US" sz="2400" dirty="0" smtClean="0">
-                <a:solidFill>
-                  <a:schemeClr val="tx1"/>
-                </a:solidFill>
-                <a:latin typeface="Times New Roman" panose="02020603050405020304" pitchFamily="18" charset="0"/>
-                <a:cs typeface="Times New Roman" panose="02020603050405020304" pitchFamily="18" charset="0"/>
-              </a:rPr>
-              <a:t> web </a:t>
-            </a:r>
-            <a:r>
-              <a:rPr lang="en-US" sz="2400" dirty="0" err="1" smtClean="0">
-                <a:solidFill>
-                  <a:schemeClr val="tx1"/>
-                </a:solidFill>
-                <a:latin typeface="Times New Roman" panose="02020603050405020304" pitchFamily="18" charset="0"/>
-                <a:cs typeface="Times New Roman" panose="02020603050405020304" pitchFamily="18" charset="0"/>
-              </a:rPr>
-              <a:t>tìm</a:t>
-            </a:r>
-            <a:r>
-              <a:rPr lang="en-US" sz="2400" dirty="0" smtClean="0">
-                <a:solidFill>
-                  <a:schemeClr val="tx1"/>
-                </a:solidFill>
-                <a:latin typeface="Times New Roman" panose="02020603050405020304" pitchFamily="18" charset="0"/>
-                <a:cs typeface="Times New Roman" panose="02020603050405020304" pitchFamily="18" charset="0"/>
-              </a:rPr>
-              <a:t> </a:t>
-            </a:r>
-            <a:r>
-              <a:rPr lang="en-US" sz="2400" dirty="0" err="1" smtClean="0">
-                <a:solidFill>
-                  <a:schemeClr val="tx1"/>
-                </a:solidFill>
-                <a:latin typeface="Times New Roman" panose="02020603050405020304" pitchFamily="18" charset="0"/>
-                <a:cs typeface="Times New Roman" panose="02020603050405020304" pitchFamily="18" charset="0"/>
-              </a:rPr>
-              <a:t>dan</a:t>
-            </a:r>
-            <a:r>
-              <a:rPr lang="en-US" sz="2400" dirty="0" err="1" smtClean="0">
-                <a:solidFill>
-                  <a:schemeClr val="tx1"/>
-                </a:solidFill>
-                <a:latin typeface="Times New Roman" panose="02020603050405020304" pitchFamily="18" charset="0"/>
-                <a:cs typeface="Times New Roman" panose="02020603050405020304" pitchFamily="18" charset="0"/>
-              </a:rPr>
-              <a:t>h</a:t>
-            </a:r>
-            <a:r>
-              <a:rPr lang="en-US" sz="2400" dirty="0" smtClean="0">
-                <a:solidFill>
-                  <a:schemeClr val="tx1"/>
-                </a:solidFill>
-                <a:latin typeface="Times New Roman" panose="02020603050405020304" pitchFamily="18" charset="0"/>
-                <a:cs typeface="Times New Roman" panose="02020603050405020304" pitchFamily="18" charset="0"/>
-              </a:rPr>
-              <a:t> </a:t>
-            </a:r>
-            <a:r>
-              <a:rPr lang="en-US" sz="2400" dirty="0" err="1" smtClean="0">
-                <a:solidFill>
-                  <a:schemeClr val="tx1"/>
-                </a:solidFill>
-                <a:latin typeface="Times New Roman" panose="02020603050405020304" pitchFamily="18" charset="0"/>
-                <a:cs typeface="Times New Roman" panose="02020603050405020304" pitchFamily="18" charset="0"/>
-              </a:rPr>
-              <a:t>sách</a:t>
-            </a:r>
-            <a:r>
-              <a:rPr lang="en-US" sz="2400" dirty="0" smtClean="0">
-                <a:solidFill>
-                  <a:schemeClr val="tx1"/>
-                </a:solidFill>
-                <a:latin typeface="Times New Roman" panose="02020603050405020304" pitchFamily="18" charset="0"/>
-                <a:cs typeface="Times New Roman" panose="02020603050405020304" pitchFamily="18" charset="0"/>
-              </a:rPr>
-              <a:t> </a:t>
-            </a:r>
-            <a:r>
-              <a:rPr lang="en-US" sz="2400" dirty="0" err="1" smtClean="0">
-                <a:solidFill>
-                  <a:schemeClr val="tx1"/>
-                </a:solidFill>
-                <a:latin typeface="Times New Roman" panose="02020603050405020304" pitchFamily="18" charset="0"/>
-                <a:cs typeface="Times New Roman" panose="02020603050405020304" pitchFamily="18" charset="0"/>
-              </a:rPr>
-              <a:t>tất</a:t>
-            </a:r>
-            <a:r>
-              <a:rPr lang="en-US" sz="2400" dirty="0" smtClean="0">
-                <a:solidFill>
-                  <a:schemeClr val="tx1"/>
-                </a:solidFill>
-                <a:latin typeface="Times New Roman" panose="02020603050405020304" pitchFamily="18" charset="0"/>
-                <a:cs typeface="Times New Roman" panose="02020603050405020304" pitchFamily="18" charset="0"/>
-              </a:rPr>
-              <a:t> </a:t>
-            </a:r>
-            <a:r>
-              <a:rPr lang="en-US" sz="2400" dirty="0" err="1" smtClean="0">
-                <a:solidFill>
-                  <a:schemeClr val="tx1"/>
-                </a:solidFill>
-                <a:latin typeface="Times New Roman" panose="02020603050405020304" pitchFamily="18" charset="0"/>
-                <a:cs typeface="Times New Roman" panose="02020603050405020304" pitchFamily="18" charset="0"/>
-              </a:rPr>
-              <a:t>cả</a:t>
-            </a:r>
-            <a:r>
-              <a:rPr lang="en-US" sz="2400" dirty="0" smtClean="0">
-                <a:solidFill>
-                  <a:schemeClr val="tx1"/>
-                </a:solidFill>
-                <a:latin typeface="Times New Roman" panose="02020603050405020304" pitchFamily="18" charset="0"/>
-                <a:cs typeface="Times New Roman" panose="02020603050405020304" pitchFamily="18" charset="0"/>
-              </a:rPr>
-              <a:t> </a:t>
-            </a:r>
-            <a:r>
-              <a:rPr lang="en-US" sz="2400" dirty="0" err="1" smtClean="0">
-                <a:solidFill>
-                  <a:schemeClr val="tx1"/>
-                </a:solidFill>
-                <a:latin typeface="Times New Roman" panose="02020603050405020304" pitchFamily="18" charset="0"/>
-                <a:cs typeface="Times New Roman" panose="02020603050405020304" pitchFamily="18" charset="0"/>
-              </a:rPr>
-              <a:t>các</a:t>
-            </a:r>
-            <a:r>
-              <a:rPr lang="en-US" sz="2400" dirty="0" smtClean="0">
-                <a:solidFill>
-                  <a:schemeClr val="tx1"/>
-                </a:solidFill>
-                <a:latin typeface="Times New Roman" panose="02020603050405020304" pitchFamily="18" charset="0"/>
-                <a:cs typeface="Times New Roman" panose="02020603050405020304" pitchFamily="18" charset="0"/>
-              </a:rPr>
-              <a:t> </a:t>
-            </a:r>
-            <a:r>
-              <a:rPr lang="en-US" sz="2400" dirty="0" err="1" smtClean="0">
-                <a:solidFill>
-                  <a:schemeClr val="tx1"/>
-                </a:solidFill>
-                <a:latin typeface="Times New Roman" panose="02020603050405020304" pitchFamily="18" charset="0"/>
-                <a:cs typeface="Times New Roman" panose="02020603050405020304" pitchFamily="18" charset="0"/>
-              </a:rPr>
-              <a:t>trạm</a:t>
-            </a:r>
-            <a:r>
-              <a:rPr lang="en-US" sz="2400" dirty="0" smtClean="0">
-                <a:solidFill>
-                  <a:schemeClr val="tx1"/>
-                </a:solidFill>
-                <a:latin typeface="Times New Roman" panose="02020603050405020304" pitchFamily="18" charset="0"/>
-                <a:cs typeface="Times New Roman" panose="02020603050405020304" pitchFamily="18" charset="0"/>
-              </a:rPr>
-              <a:t>.</a:t>
-            </a:r>
-            <a:r>
-              <a:rPr lang="en-US" sz="2400" dirty="0" smtClean="0">
-                <a:solidFill>
-                  <a:schemeClr val="tx1"/>
-                </a:solidFill>
-                <a:latin typeface="Times New Roman" panose="02020603050405020304" pitchFamily="18" charset="0"/>
-                <a:cs typeface="Times New Roman" panose="02020603050405020304" pitchFamily="18" charset="0"/>
-              </a:rPr>
-              <a:t> </a:t>
-            </a:r>
-            <a:endParaRPr lang="en-US" sz="2400" dirty="0" smtClean="0">
-              <a:solidFill>
-                <a:schemeClr val="tx1"/>
-              </a:solidFill>
-              <a:latin typeface="Times New Roman" panose="02020603050405020304" pitchFamily="18" charset="0"/>
-              <a:cs typeface="Times New Roman" panose="02020603050405020304" pitchFamily="18" charset="0"/>
-            </a:endParaRPr>
-          </a:p>
-        </p:txBody>
-      </p:sp>
       <p:pic>
         <p:nvPicPr>
-          <p:cNvPr id="2" name="Picture 1"/>
+          <p:cNvPr id="3" name="Picture 2"/>
           <p:cNvPicPr>
             <a:picLocks noChangeAspect="1"/>
           </p:cNvPicPr>
           <p:nvPr/>
         </p:nvPicPr>
         <p:blipFill>
-          <a:blip r:embed="rId3"/>
+          <a:blip r:embed="rId2"/>
           <a:stretch>
             <a:fillRect/>
           </a:stretch>
         </p:blipFill>
         <p:spPr>
           <a:xfrm>
-            <a:off x="4807743" y="205000"/>
-            <a:ext cx="3120725" cy="4788482"/>
+            <a:off x="192881" y="2579133"/>
+            <a:ext cx="8669753" cy="2431575"/>
           </a:xfrm>
           <a:prstGeom prst="rect">
             <a:avLst/>
@@ -30727,13 +29805,13 @@
       </p:pic>
       <p:sp>
         <p:nvSpPr>
-          <p:cNvPr id="3" name="Rectangle 2"/>
+          <p:cNvPr id="4" name="Rectangle 3"/>
           <p:cNvSpPr/>
           <p:nvPr/>
         </p:nvSpPr>
         <p:spPr>
           <a:xfrm>
-            <a:off x="5436394" y="205000"/>
+            <a:off x="678657" y="2586277"/>
             <a:ext cx="2185987" cy="280775"/>
           </a:xfrm>
           <a:prstGeom prst="rect">
@@ -30773,14 +29851,14 @@
       </p:sp>
       <p:sp>
         <p:nvSpPr>
-          <p:cNvPr id="5" name="Rectangle 4"/>
+          <p:cNvPr id="6" name="Rectangle 5"/>
           <p:cNvSpPr/>
           <p:nvPr/>
         </p:nvSpPr>
         <p:spPr>
           <a:xfrm>
-            <a:off x="4888706" y="1879019"/>
-            <a:ext cx="2185987" cy="3114463"/>
+            <a:off x="257175" y="3943350"/>
+            <a:ext cx="8508205" cy="1014413"/>
           </a:xfrm>
           <a:prstGeom prst="rect">
             <a:avLst/>
@@ -30817,10 +29895,816 @@
           </a:p>
         </p:txBody>
       </p:sp>
+      <p:sp>
+        <p:nvSpPr>
+          <p:cNvPr id="7" name="Google Shape;1318;p48"/>
+          <p:cNvSpPr txBox="1">
+            <a:spLocks/>
+          </p:cNvSpPr>
+          <p:nvPr/>
+        </p:nvSpPr>
+        <p:spPr>
+          <a:xfrm>
+            <a:off x="213217" y="135732"/>
+            <a:ext cx="8573596" cy="2100262"/>
+          </a:xfrm>
+          <a:prstGeom prst="rect">
+            <a:avLst/>
+          </a:prstGeom>
+        </p:spPr>
+        <p:txBody>
+          <a:bodyPr spcFirstLastPara="1" wrap="square" lIns="91425" tIns="91425" rIns="91425" bIns="91425" anchor="ctr" anchorCtr="0">
+            <a:noAutofit/>
+          </a:bodyPr>
+          <a:lstStyle>
+            <a:defPPr marR="0" lvl="0" algn="l" rtl="0">
+              <a:lnSpc>
+                <a:spcPct val="100000"/>
+              </a:lnSpc>
+              <a:spcBef>
+                <a:spcPts val="0"/>
+              </a:spcBef>
+              <a:spcAft>
+                <a:spcPts val="0"/>
+              </a:spcAft>
+            </a:defPPr>
+            <a:lvl1pPr marR="0" lvl="0" algn="l" rtl="0">
+              <a:lnSpc>
+                <a:spcPct val="100000"/>
+              </a:lnSpc>
+              <a:spcBef>
+                <a:spcPts val="0"/>
+              </a:spcBef>
+              <a:spcAft>
+                <a:spcPts val="0"/>
+              </a:spcAft>
+              <a:buClr>
+                <a:srgbClr val="000000"/>
+              </a:buClr>
+              <a:buFont typeface="Arial"/>
+              <a:defRPr sz="1400" b="0" i="0" u="none" strike="noStrike" cap="none">
+                <a:solidFill>
+                  <a:srgbClr val="000000"/>
+                </a:solidFill>
+                <a:latin typeface="Arial"/>
+                <a:ea typeface="Arial"/>
+                <a:cs typeface="Arial"/>
+                <a:sym typeface="Arial"/>
+              </a:defRPr>
+            </a:lvl1pPr>
+            <a:lvl2pPr marR="0" lvl="1" algn="l" rtl="0">
+              <a:lnSpc>
+                <a:spcPct val="100000"/>
+              </a:lnSpc>
+              <a:spcBef>
+                <a:spcPts val="0"/>
+              </a:spcBef>
+              <a:spcAft>
+                <a:spcPts val="0"/>
+              </a:spcAft>
+              <a:buClr>
+                <a:srgbClr val="000000"/>
+              </a:buClr>
+              <a:buFont typeface="Arial"/>
+              <a:defRPr sz="1400" b="0" i="0" u="none" strike="noStrike" cap="none">
+                <a:solidFill>
+                  <a:srgbClr val="000000"/>
+                </a:solidFill>
+                <a:latin typeface="Arial"/>
+                <a:ea typeface="Arial"/>
+                <a:cs typeface="Arial"/>
+                <a:sym typeface="Arial"/>
+              </a:defRPr>
+            </a:lvl2pPr>
+            <a:lvl3pPr marR="0" lvl="2" algn="l" rtl="0">
+              <a:lnSpc>
+                <a:spcPct val="100000"/>
+              </a:lnSpc>
+              <a:spcBef>
+                <a:spcPts val="0"/>
+              </a:spcBef>
+              <a:spcAft>
+                <a:spcPts val="0"/>
+              </a:spcAft>
+              <a:buClr>
+                <a:srgbClr val="000000"/>
+              </a:buClr>
+              <a:buFont typeface="Arial"/>
+              <a:defRPr sz="1400" b="0" i="0" u="none" strike="noStrike" cap="none">
+                <a:solidFill>
+                  <a:srgbClr val="000000"/>
+                </a:solidFill>
+                <a:latin typeface="Arial"/>
+                <a:ea typeface="Arial"/>
+                <a:cs typeface="Arial"/>
+                <a:sym typeface="Arial"/>
+              </a:defRPr>
+            </a:lvl3pPr>
+            <a:lvl4pPr marR="0" lvl="3" algn="l" rtl="0">
+              <a:lnSpc>
+                <a:spcPct val="100000"/>
+              </a:lnSpc>
+              <a:spcBef>
+                <a:spcPts val="0"/>
+              </a:spcBef>
+              <a:spcAft>
+                <a:spcPts val="0"/>
+              </a:spcAft>
+              <a:buClr>
+                <a:srgbClr val="000000"/>
+              </a:buClr>
+              <a:buFont typeface="Arial"/>
+              <a:defRPr sz="1400" b="0" i="0" u="none" strike="noStrike" cap="none">
+                <a:solidFill>
+                  <a:srgbClr val="000000"/>
+                </a:solidFill>
+                <a:latin typeface="Arial"/>
+                <a:ea typeface="Arial"/>
+                <a:cs typeface="Arial"/>
+                <a:sym typeface="Arial"/>
+              </a:defRPr>
+            </a:lvl4pPr>
+            <a:lvl5pPr marR="0" lvl="4" algn="l" rtl="0">
+              <a:lnSpc>
+                <a:spcPct val="100000"/>
+              </a:lnSpc>
+              <a:spcBef>
+                <a:spcPts val="0"/>
+              </a:spcBef>
+              <a:spcAft>
+                <a:spcPts val="0"/>
+              </a:spcAft>
+              <a:buClr>
+                <a:srgbClr val="000000"/>
+              </a:buClr>
+              <a:buFont typeface="Arial"/>
+              <a:defRPr sz="1400" b="0" i="0" u="none" strike="noStrike" cap="none">
+                <a:solidFill>
+                  <a:srgbClr val="000000"/>
+                </a:solidFill>
+                <a:latin typeface="Arial"/>
+                <a:ea typeface="Arial"/>
+                <a:cs typeface="Arial"/>
+                <a:sym typeface="Arial"/>
+              </a:defRPr>
+            </a:lvl5pPr>
+            <a:lvl6pPr marR="0" lvl="5" algn="l" rtl="0">
+              <a:lnSpc>
+                <a:spcPct val="100000"/>
+              </a:lnSpc>
+              <a:spcBef>
+                <a:spcPts val="0"/>
+              </a:spcBef>
+              <a:spcAft>
+                <a:spcPts val="0"/>
+              </a:spcAft>
+              <a:buClr>
+                <a:srgbClr val="000000"/>
+              </a:buClr>
+              <a:buFont typeface="Arial"/>
+              <a:defRPr sz="1400" b="0" i="0" u="none" strike="noStrike" cap="none">
+                <a:solidFill>
+                  <a:srgbClr val="000000"/>
+                </a:solidFill>
+                <a:latin typeface="Arial"/>
+                <a:ea typeface="Arial"/>
+                <a:cs typeface="Arial"/>
+                <a:sym typeface="Arial"/>
+              </a:defRPr>
+            </a:lvl6pPr>
+            <a:lvl7pPr marR="0" lvl="6" algn="l" rtl="0">
+              <a:lnSpc>
+                <a:spcPct val="100000"/>
+              </a:lnSpc>
+              <a:spcBef>
+                <a:spcPts val="0"/>
+              </a:spcBef>
+              <a:spcAft>
+                <a:spcPts val="0"/>
+              </a:spcAft>
+              <a:buClr>
+                <a:srgbClr val="000000"/>
+              </a:buClr>
+              <a:buFont typeface="Arial"/>
+              <a:defRPr sz="1400" b="0" i="0" u="none" strike="noStrike" cap="none">
+                <a:solidFill>
+                  <a:srgbClr val="000000"/>
+                </a:solidFill>
+                <a:latin typeface="Arial"/>
+                <a:ea typeface="Arial"/>
+                <a:cs typeface="Arial"/>
+                <a:sym typeface="Arial"/>
+              </a:defRPr>
+            </a:lvl7pPr>
+            <a:lvl8pPr marR="0" lvl="7" algn="l" rtl="0">
+              <a:lnSpc>
+                <a:spcPct val="100000"/>
+              </a:lnSpc>
+              <a:spcBef>
+                <a:spcPts val="0"/>
+              </a:spcBef>
+              <a:spcAft>
+                <a:spcPts val="0"/>
+              </a:spcAft>
+              <a:buClr>
+                <a:srgbClr val="000000"/>
+              </a:buClr>
+              <a:buFont typeface="Arial"/>
+              <a:defRPr sz="1400" b="0" i="0" u="none" strike="noStrike" cap="none">
+                <a:solidFill>
+                  <a:srgbClr val="000000"/>
+                </a:solidFill>
+                <a:latin typeface="Arial"/>
+                <a:ea typeface="Arial"/>
+                <a:cs typeface="Arial"/>
+                <a:sym typeface="Arial"/>
+              </a:defRPr>
+            </a:lvl8pPr>
+            <a:lvl9pPr marR="0" lvl="8" algn="l" rtl="0">
+              <a:lnSpc>
+                <a:spcPct val="100000"/>
+              </a:lnSpc>
+              <a:spcBef>
+                <a:spcPts val="0"/>
+              </a:spcBef>
+              <a:spcAft>
+                <a:spcPts val="0"/>
+              </a:spcAft>
+              <a:buClr>
+                <a:srgbClr val="000000"/>
+              </a:buClr>
+              <a:buFont typeface="Arial"/>
+              <a:defRPr sz="1400" b="0" i="0" u="none" strike="noStrike" cap="none">
+                <a:solidFill>
+                  <a:srgbClr val="000000"/>
+                </a:solidFill>
+                <a:latin typeface="Arial"/>
+                <a:ea typeface="Arial"/>
+                <a:cs typeface="Arial"/>
+                <a:sym typeface="Arial"/>
+              </a:defRPr>
+            </a:lvl9pPr>
+          </a:lstStyle>
+          <a:p>
+            <a:r>
+              <a:rPr lang="en-US" sz="3200" dirty="0" smtClean="0">
+                <a:solidFill>
+                  <a:schemeClr val="tx1"/>
+                </a:solidFill>
+                <a:latin typeface="Times New Roman" panose="02020603050405020304" pitchFamily="18" charset="0"/>
+                <a:cs typeface="Times New Roman" panose="02020603050405020304" pitchFamily="18" charset="0"/>
+              </a:rPr>
+              <a:t>1.2 Crawl </a:t>
+            </a:r>
+            <a:r>
+              <a:rPr lang="en-US" sz="3200" dirty="0">
+                <a:solidFill>
+                  <a:schemeClr val="tx1"/>
+                </a:solidFill>
+                <a:latin typeface="Times New Roman" panose="02020603050405020304" pitchFamily="18" charset="0"/>
+                <a:cs typeface="Times New Roman" panose="02020603050405020304" pitchFamily="18" charset="0"/>
+              </a:rPr>
+              <a:t>data</a:t>
+            </a:r>
+            <a:r>
+              <a:rPr lang="en-US" sz="3200" dirty="0" smtClean="0">
+                <a:solidFill>
+                  <a:schemeClr val="tx1"/>
+                </a:solidFill>
+                <a:latin typeface="Times New Roman" panose="02020603050405020304" pitchFamily="18" charset="0"/>
+                <a:cs typeface="Times New Roman" panose="02020603050405020304" pitchFamily="18" charset="0"/>
+              </a:rPr>
+              <a:t>:</a:t>
+            </a:r>
+          </a:p>
+          <a:p>
+            <a:endParaRPr lang="en-US" sz="3200" dirty="0" smtClean="0">
+              <a:solidFill>
+                <a:schemeClr val="tx1"/>
+              </a:solidFill>
+              <a:latin typeface="Times New Roman" panose="02020603050405020304" pitchFamily="18" charset="0"/>
+              <a:cs typeface="Times New Roman" panose="02020603050405020304" pitchFamily="18" charset="0"/>
+            </a:endParaRPr>
+          </a:p>
+          <a:p>
+            <a:pPr lvl="0"/>
+            <a:r>
+              <a:rPr lang="en-US" sz="2400" dirty="0" err="1" smtClean="0">
+                <a:solidFill>
+                  <a:schemeClr val="tx1"/>
+                </a:solidFill>
+                <a:latin typeface="Times New Roman" panose="02020603050405020304" pitchFamily="18" charset="0"/>
+                <a:cs typeface="Times New Roman" panose="02020603050405020304" pitchFamily="18" charset="0"/>
+              </a:rPr>
+              <a:t>Hiện</a:t>
+            </a:r>
+            <a:r>
+              <a:rPr lang="en-US" sz="2400" dirty="0" smtClean="0">
+                <a:solidFill>
+                  <a:schemeClr val="tx1"/>
+                </a:solidFill>
+                <a:latin typeface="Times New Roman" panose="02020603050405020304" pitchFamily="18" charset="0"/>
+                <a:cs typeface="Times New Roman" panose="02020603050405020304" pitchFamily="18" charset="0"/>
+              </a:rPr>
+              <a:t> </a:t>
+            </a:r>
+            <a:r>
+              <a:rPr lang="en-US" sz="2400" dirty="0" err="1" smtClean="0">
+                <a:solidFill>
+                  <a:schemeClr val="tx1"/>
+                </a:solidFill>
+                <a:latin typeface="Times New Roman" panose="02020603050405020304" pitchFamily="18" charset="0"/>
+                <a:cs typeface="Times New Roman" panose="02020603050405020304" pitchFamily="18" charset="0"/>
+              </a:rPr>
+              <a:t>tại</a:t>
+            </a:r>
+            <a:r>
+              <a:rPr lang="en-US" sz="2400" dirty="0" smtClean="0">
+                <a:solidFill>
+                  <a:schemeClr val="tx1"/>
+                </a:solidFill>
+                <a:latin typeface="Times New Roman" panose="02020603050405020304" pitchFamily="18" charset="0"/>
+                <a:cs typeface="Times New Roman" panose="02020603050405020304" pitchFamily="18" charset="0"/>
+              </a:rPr>
+              <a:t> </a:t>
+            </a:r>
+            <a:r>
+              <a:rPr lang="en-US" sz="2400" dirty="0" err="1" smtClean="0">
+                <a:solidFill>
+                  <a:schemeClr val="tx1"/>
+                </a:solidFill>
+                <a:latin typeface="Times New Roman" panose="02020603050405020304" pitchFamily="18" charset="0"/>
+                <a:cs typeface="Times New Roman" panose="02020603050405020304" pitchFamily="18" charset="0"/>
+              </a:rPr>
+              <a:t>nhóm</a:t>
+            </a:r>
+            <a:r>
+              <a:rPr lang="en-US" sz="2400" dirty="0" smtClean="0">
+                <a:solidFill>
+                  <a:schemeClr val="tx1"/>
+                </a:solidFill>
+                <a:latin typeface="Times New Roman" panose="02020603050405020304" pitchFamily="18" charset="0"/>
+                <a:cs typeface="Times New Roman" panose="02020603050405020304" pitchFamily="18" charset="0"/>
+              </a:rPr>
+              <a:t> </a:t>
+            </a:r>
+            <a:r>
+              <a:rPr lang="en-US" sz="2400" dirty="0" err="1" smtClean="0">
+                <a:solidFill>
+                  <a:schemeClr val="tx1"/>
+                </a:solidFill>
+                <a:latin typeface="Times New Roman" panose="02020603050405020304" pitchFamily="18" charset="0"/>
+                <a:cs typeface="Times New Roman" panose="02020603050405020304" pitchFamily="18" charset="0"/>
+              </a:rPr>
+              <a:t>không</a:t>
+            </a:r>
+            <a:r>
+              <a:rPr lang="en-US" sz="2400" dirty="0" smtClean="0">
+                <a:solidFill>
+                  <a:schemeClr val="tx1"/>
+                </a:solidFill>
+                <a:latin typeface="Times New Roman" panose="02020603050405020304" pitchFamily="18" charset="0"/>
+                <a:cs typeface="Times New Roman" panose="02020603050405020304" pitchFamily="18" charset="0"/>
+              </a:rPr>
+              <a:t> hardcode </a:t>
+            </a:r>
+            <a:r>
+              <a:rPr lang="en-US" sz="2400" dirty="0" err="1" smtClean="0">
+                <a:solidFill>
+                  <a:schemeClr val="tx1"/>
+                </a:solidFill>
+                <a:latin typeface="Times New Roman" panose="02020603050405020304" pitchFamily="18" charset="0"/>
+                <a:cs typeface="Times New Roman" panose="02020603050405020304" pitchFamily="18" charset="0"/>
+              </a:rPr>
+              <a:t>các</a:t>
+            </a:r>
+            <a:r>
+              <a:rPr lang="en-US" sz="2400" dirty="0" smtClean="0">
+                <a:solidFill>
+                  <a:schemeClr val="tx1"/>
+                </a:solidFill>
+                <a:latin typeface="Times New Roman" panose="02020603050405020304" pitchFamily="18" charset="0"/>
+                <a:cs typeface="Times New Roman" panose="02020603050405020304" pitchFamily="18" charset="0"/>
+              </a:rPr>
+              <a:t> URL </a:t>
+            </a:r>
+            <a:r>
+              <a:rPr lang="en-US" sz="2400" dirty="0" err="1" smtClean="0">
+                <a:solidFill>
+                  <a:schemeClr val="tx1"/>
+                </a:solidFill>
+                <a:latin typeface="Times New Roman" panose="02020603050405020304" pitchFamily="18" charset="0"/>
+                <a:cs typeface="Times New Roman" panose="02020603050405020304" pitchFamily="18" charset="0"/>
+              </a:rPr>
+              <a:t>của</a:t>
+            </a:r>
+            <a:r>
+              <a:rPr lang="en-US" sz="2400" dirty="0" smtClean="0">
+                <a:solidFill>
+                  <a:schemeClr val="tx1"/>
+                </a:solidFill>
+                <a:latin typeface="Times New Roman" panose="02020603050405020304" pitchFamily="18" charset="0"/>
+                <a:cs typeface="Times New Roman" panose="02020603050405020304" pitchFamily="18" charset="0"/>
+              </a:rPr>
+              <a:t> </a:t>
+            </a:r>
+            <a:r>
+              <a:rPr lang="en-US" sz="2400" dirty="0" err="1" smtClean="0">
+                <a:solidFill>
+                  <a:schemeClr val="tx1"/>
+                </a:solidFill>
+                <a:latin typeface="Times New Roman" panose="02020603050405020304" pitchFamily="18" charset="0"/>
+                <a:cs typeface="Times New Roman" panose="02020603050405020304" pitchFamily="18" charset="0"/>
+              </a:rPr>
+              <a:t>các</a:t>
+            </a:r>
+            <a:r>
+              <a:rPr lang="en-US" sz="2400" dirty="0" smtClean="0">
+                <a:solidFill>
+                  <a:schemeClr val="tx1"/>
+                </a:solidFill>
+                <a:latin typeface="Times New Roman" panose="02020603050405020304" pitchFamily="18" charset="0"/>
+                <a:cs typeface="Times New Roman" panose="02020603050405020304" pitchFamily="18" charset="0"/>
+              </a:rPr>
+              <a:t> </a:t>
+            </a:r>
+            <a:r>
+              <a:rPr lang="en-US" sz="2400" dirty="0" err="1" smtClean="0">
+                <a:solidFill>
+                  <a:schemeClr val="tx1"/>
+                </a:solidFill>
+                <a:latin typeface="Times New Roman" panose="02020603050405020304" pitchFamily="18" charset="0"/>
+                <a:cs typeface="Times New Roman" panose="02020603050405020304" pitchFamily="18" charset="0"/>
+              </a:rPr>
+              <a:t>trạm</a:t>
+            </a:r>
+            <a:r>
+              <a:rPr lang="en-US" sz="2400" dirty="0" smtClean="0">
+                <a:solidFill>
+                  <a:schemeClr val="tx1"/>
+                </a:solidFill>
+                <a:latin typeface="Times New Roman" panose="02020603050405020304" pitchFamily="18" charset="0"/>
+                <a:cs typeface="Times New Roman" panose="02020603050405020304" pitchFamily="18" charset="0"/>
+              </a:rPr>
+              <a:t> </a:t>
+            </a:r>
+            <a:r>
+              <a:rPr lang="en-US" sz="2400" dirty="0" err="1" smtClean="0">
+                <a:solidFill>
+                  <a:schemeClr val="tx1"/>
+                </a:solidFill>
+                <a:latin typeface="Times New Roman" panose="02020603050405020304" pitchFamily="18" charset="0"/>
+                <a:cs typeface="Times New Roman" panose="02020603050405020304" pitchFamily="18" charset="0"/>
+              </a:rPr>
+              <a:t>cố</a:t>
+            </a:r>
+            <a:r>
+              <a:rPr lang="en-US" sz="2400" dirty="0" smtClean="0">
+                <a:solidFill>
+                  <a:schemeClr val="tx1"/>
+                </a:solidFill>
+                <a:latin typeface="Times New Roman" panose="02020603050405020304" pitchFamily="18" charset="0"/>
+                <a:cs typeface="Times New Roman" panose="02020603050405020304" pitchFamily="18" charset="0"/>
+              </a:rPr>
+              <a:t> </a:t>
+            </a:r>
+            <a:r>
+              <a:rPr lang="en-US" sz="2400" dirty="0" err="1" smtClean="0">
+                <a:solidFill>
+                  <a:schemeClr val="tx1"/>
+                </a:solidFill>
+                <a:latin typeface="Times New Roman" panose="02020603050405020304" pitchFamily="18" charset="0"/>
+                <a:cs typeface="Times New Roman" panose="02020603050405020304" pitchFamily="18" charset="0"/>
+              </a:rPr>
+              <a:t>định</a:t>
+            </a:r>
+            <a:r>
+              <a:rPr lang="en-US" sz="2400" dirty="0" smtClean="0">
+                <a:solidFill>
+                  <a:schemeClr val="tx1"/>
+                </a:solidFill>
+                <a:latin typeface="Times New Roman" panose="02020603050405020304" pitchFamily="18" charset="0"/>
+                <a:cs typeface="Times New Roman" panose="02020603050405020304" pitchFamily="18" charset="0"/>
+              </a:rPr>
+              <a:t>, </a:t>
+            </a:r>
+            <a:r>
+              <a:rPr lang="en-US" sz="2400" dirty="0" err="1" smtClean="0">
+                <a:solidFill>
+                  <a:schemeClr val="tx1"/>
+                </a:solidFill>
+                <a:latin typeface="Times New Roman" panose="02020603050405020304" pitchFamily="18" charset="0"/>
+                <a:cs typeface="Times New Roman" panose="02020603050405020304" pitchFamily="18" charset="0"/>
+              </a:rPr>
+              <a:t>mà</a:t>
+            </a:r>
+            <a:r>
+              <a:rPr lang="en-US" sz="2400" dirty="0" smtClean="0">
+                <a:solidFill>
+                  <a:schemeClr val="tx1"/>
+                </a:solidFill>
+                <a:latin typeface="Times New Roman" panose="02020603050405020304" pitchFamily="18" charset="0"/>
+                <a:cs typeface="Times New Roman" panose="02020603050405020304" pitchFamily="18" charset="0"/>
+              </a:rPr>
+              <a:t> </a:t>
+            </a:r>
+            <a:r>
+              <a:rPr lang="en-US" sz="2400" dirty="0" err="1" smtClean="0">
+                <a:solidFill>
+                  <a:schemeClr val="tx1"/>
+                </a:solidFill>
+                <a:latin typeface="Times New Roman" panose="02020603050405020304" pitchFamily="18" charset="0"/>
+                <a:cs typeface="Times New Roman" panose="02020603050405020304" pitchFamily="18" charset="0"/>
+              </a:rPr>
+              <a:t>cách</a:t>
+            </a:r>
+            <a:r>
+              <a:rPr lang="en-US" sz="2400" dirty="0" smtClean="0">
+                <a:solidFill>
+                  <a:schemeClr val="tx1"/>
+                </a:solidFill>
+                <a:latin typeface="Times New Roman" panose="02020603050405020304" pitchFamily="18" charset="0"/>
+                <a:cs typeface="Times New Roman" panose="02020603050405020304" pitchFamily="18" charset="0"/>
+              </a:rPr>
+              <a:t> bot </a:t>
+            </a:r>
+            <a:r>
+              <a:rPr lang="en-US" sz="2400" dirty="0" err="1" smtClean="0">
+                <a:solidFill>
+                  <a:schemeClr val="tx1"/>
+                </a:solidFill>
+                <a:latin typeface="Times New Roman" panose="02020603050405020304" pitchFamily="18" charset="0"/>
+                <a:cs typeface="Times New Roman" panose="02020603050405020304" pitchFamily="18" charset="0"/>
+              </a:rPr>
+              <a:t>lấy</a:t>
+            </a:r>
+            <a:r>
+              <a:rPr lang="en-US" sz="2400" dirty="0" smtClean="0">
+                <a:solidFill>
+                  <a:schemeClr val="tx1"/>
+                </a:solidFill>
+                <a:latin typeface="Times New Roman" panose="02020603050405020304" pitchFamily="18" charset="0"/>
+                <a:cs typeface="Times New Roman" panose="02020603050405020304" pitchFamily="18" charset="0"/>
+              </a:rPr>
+              <a:t> data </a:t>
+            </a:r>
+            <a:r>
+              <a:rPr lang="en-US" sz="2400" dirty="0" err="1" smtClean="0">
+                <a:solidFill>
+                  <a:schemeClr val="tx1"/>
+                </a:solidFill>
+                <a:latin typeface="Times New Roman" panose="02020603050405020304" pitchFamily="18" charset="0"/>
+                <a:cs typeface="Times New Roman" panose="02020603050405020304" pitchFamily="18" charset="0"/>
+              </a:rPr>
+              <a:t>là</a:t>
+            </a:r>
+            <a:r>
+              <a:rPr lang="en-US" sz="2400" dirty="0" smtClean="0">
+                <a:solidFill>
+                  <a:schemeClr val="tx1"/>
+                </a:solidFill>
+                <a:latin typeface="Times New Roman" panose="02020603050405020304" pitchFamily="18" charset="0"/>
+                <a:cs typeface="Times New Roman" panose="02020603050405020304" pitchFamily="18" charset="0"/>
+              </a:rPr>
+              <a:t> </a:t>
+            </a:r>
+            <a:r>
+              <a:rPr lang="en-US" sz="2400" dirty="0" err="1" smtClean="0">
+                <a:solidFill>
+                  <a:schemeClr val="tx1"/>
+                </a:solidFill>
+                <a:latin typeface="Times New Roman" panose="02020603050405020304" pitchFamily="18" charset="0"/>
+                <a:cs typeface="Times New Roman" panose="02020603050405020304" pitchFamily="18" charset="0"/>
+              </a:rPr>
+              <a:t>đầu</a:t>
+            </a:r>
+            <a:r>
+              <a:rPr lang="en-US" sz="2400" dirty="0" smtClean="0">
+                <a:solidFill>
+                  <a:schemeClr val="tx1"/>
+                </a:solidFill>
+                <a:latin typeface="Times New Roman" panose="02020603050405020304" pitchFamily="18" charset="0"/>
+                <a:cs typeface="Times New Roman" panose="02020603050405020304" pitchFamily="18" charset="0"/>
+              </a:rPr>
+              <a:t> </a:t>
+            </a:r>
+            <a:r>
+              <a:rPr lang="en-US" sz="2400" dirty="0" err="1" smtClean="0">
+                <a:solidFill>
+                  <a:schemeClr val="tx1"/>
+                </a:solidFill>
+                <a:latin typeface="Times New Roman" panose="02020603050405020304" pitchFamily="18" charset="0"/>
+                <a:cs typeface="Times New Roman" panose="02020603050405020304" pitchFamily="18" charset="0"/>
+              </a:rPr>
+              <a:t>tiên</a:t>
+            </a:r>
+            <a:r>
+              <a:rPr lang="en-US" sz="2400" dirty="0" smtClean="0">
+                <a:solidFill>
+                  <a:schemeClr val="tx1"/>
+                </a:solidFill>
+                <a:latin typeface="Times New Roman" panose="02020603050405020304" pitchFamily="18" charset="0"/>
+                <a:cs typeface="Times New Roman" panose="02020603050405020304" pitchFamily="18" charset="0"/>
+              </a:rPr>
+              <a:t> bot </a:t>
+            </a:r>
+            <a:r>
+              <a:rPr lang="en-US" sz="2400" dirty="0" err="1" smtClean="0">
+                <a:solidFill>
+                  <a:schemeClr val="tx1"/>
+                </a:solidFill>
+                <a:latin typeface="Times New Roman" panose="02020603050405020304" pitchFamily="18" charset="0"/>
+                <a:cs typeface="Times New Roman" panose="02020603050405020304" pitchFamily="18" charset="0"/>
+              </a:rPr>
+              <a:t>vào</a:t>
+            </a:r>
+            <a:r>
+              <a:rPr lang="en-US" sz="2400" dirty="0" smtClean="0">
+                <a:solidFill>
+                  <a:schemeClr val="tx1"/>
+                </a:solidFill>
+                <a:latin typeface="Times New Roman" panose="02020603050405020304" pitchFamily="18" charset="0"/>
+                <a:cs typeface="Times New Roman" panose="02020603050405020304" pitchFamily="18" charset="0"/>
+              </a:rPr>
+              <a:t> </a:t>
+            </a:r>
+            <a:r>
+              <a:rPr lang="en-US" sz="2400" dirty="0" smtClean="0">
+                <a:solidFill>
+                  <a:schemeClr val="tx1"/>
+                </a:solidFill>
+                <a:latin typeface="Times New Roman" panose="02020603050405020304" pitchFamily="18" charset="0"/>
+                <a:cs typeface="Times New Roman" panose="02020603050405020304" pitchFamily="18" charset="0"/>
+              </a:rPr>
+              <a:t>website </a:t>
+            </a:r>
+            <a:r>
+              <a:rPr lang="en-US" sz="2400" dirty="0" err="1" smtClean="0">
+                <a:solidFill>
+                  <a:schemeClr val="tx1"/>
+                </a:solidFill>
+                <a:latin typeface="Times New Roman" panose="02020603050405020304" pitchFamily="18" charset="0"/>
+                <a:cs typeface="Times New Roman" panose="02020603050405020304" pitchFamily="18" charset="0"/>
+              </a:rPr>
+              <a:t>chính</a:t>
+            </a:r>
+            <a:r>
+              <a:rPr lang="en-US" sz="2400" dirty="0" smtClean="0">
+                <a:solidFill>
+                  <a:schemeClr val="tx1"/>
+                </a:solidFill>
+                <a:latin typeface="Times New Roman" panose="02020603050405020304" pitchFamily="18" charset="0"/>
+                <a:cs typeface="Times New Roman" panose="02020603050405020304" pitchFamily="18" charset="0"/>
+              </a:rPr>
+              <a:t>, </a:t>
+            </a:r>
+            <a:r>
+              <a:rPr lang="en-US" sz="2400" dirty="0" err="1" smtClean="0">
+                <a:solidFill>
+                  <a:schemeClr val="tx1"/>
+                </a:solidFill>
+                <a:latin typeface="Times New Roman" panose="02020603050405020304" pitchFamily="18" charset="0"/>
+                <a:cs typeface="Times New Roman" panose="02020603050405020304" pitchFamily="18" charset="0"/>
+              </a:rPr>
+              <a:t>tìm</a:t>
+            </a:r>
+            <a:r>
+              <a:rPr lang="en-US" sz="2400" dirty="0" smtClean="0">
+                <a:solidFill>
+                  <a:schemeClr val="tx1"/>
+                </a:solidFill>
+                <a:latin typeface="Times New Roman" panose="02020603050405020304" pitchFamily="18" charset="0"/>
+                <a:cs typeface="Times New Roman" panose="02020603050405020304" pitchFamily="18" charset="0"/>
+              </a:rPr>
+              <a:t> </a:t>
+            </a:r>
+            <a:r>
+              <a:rPr lang="en-US" sz="2400" dirty="0" err="1" smtClean="0">
+                <a:solidFill>
+                  <a:schemeClr val="tx1"/>
+                </a:solidFill>
+                <a:latin typeface="Times New Roman" panose="02020603050405020304" pitchFamily="18" charset="0"/>
+                <a:cs typeface="Times New Roman" panose="02020603050405020304" pitchFamily="18" charset="0"/>
+              </a:rPr>
+              <a:t>danh</a:t>
+            </a:r>
+            <a:r>
+              <a:rPr lang="en-US" sz="2400" dirty="0" smtClean="0">
+                <a:solidFill>
+                  <a:schemeClr val="tx1"/>
+                </a:solidFill>
+                <a:latin typeface="Times New Roman" panose="02020603050405020304" pitchFamily="18" charset="0"/>
+                <a:cs typeface="Times New Roman" panose="02020603050405020304" pitchFamily="18" charset="0"/>
+              </a:rPr>
+              <a:t> </a:t>
+            </a:r>
+            <a:r>
+              <a:rPr lang="en-US" sz="2400" dirty="0" err="1" smtClean="0">
+                <a:solidFill>
+                  <a:schemeClr val="tx1"/>
+                </a:solidFill>
+                <a:latin typeface="Times New Roman" panose="02020603050405020304" pitchFamily="18" charset="0"/>
+                <a:cs typeface="Times New Roman" panose="02020603050405020304" pitchFamily="18" charset="0"/>
+              </a:rPr>
+              <a:t>sách</a:t>
+            </a:r>
+            <a:r>
+              <a:rPr lang="en-US" sz="2400" dirty="0" smtClean="0">
+                <a:solidFill>
+                  <a:schemeClr val="tx1"/>
+                </a:solidFill>
+                <a:latin typeface="Times New Roman" panose="02020603050405020304" pitchFamily="18" charset="0"/>
+                <a:cs typeface="Times New Roman" panose="02020603050405020304" pitchFamily="18" charset="0"/>
+              </a:rPr>
+              <a:t> </a:t>
+            </a:r>
+            <a:r>
+              <a:rPr lang="en-US" sz="2400" dirty="0" err="1" smtClean="0">
+                <a:solidFill>
+                  <a:schemeClr val="tx1"/>
+                </a:solidFill>
+                <a:latin typeface="Times New Roman" panose="02020603050405020304" pitchFamily="18" charset="0"/>
+                <a:cs typeface="Times New Roman" panose="02020603050405020304" pitchFamily="18" charset="0"/>
+              </a:rPr>
+              <a:t>tất</a:t>
+            </a:r>
+            <a:r>
+              <a:rPr lang="en-US" sz="2400" dirty="0" smtClean="0">
+                <a:solidFill>
+                  <a:schemeClr val="tx1"/>
+                </a:solidFill>
+                <a:latin typeface="Times New Roman" panose="02020603050405020304" pitchFamily="18" charset="0"/>
+                <a:cs typeface="Times New Roman" panose="02020603050405020304" pitchFamily="18" charset="0"/>
+              </a:rPr>
+              <a:t> </a:t>
+            </a:r>
+            <a:r>
+              <a:rPr lang="en-US" sz="2400" dirty="0" err="1" smtClean="0">
+                <a:solidFill>
+                  <a:schemeClr val="tx1"/>
+                </a:solidFill>
+                <a:latin typeface="Times New Roman" panose="02020603050405020304" pitchFamily="18" charset="0"/>
+                <a:cs typeface="Times New Roman" panose="02020603050405020304" pitchFamily="18" charset="0"/>
+              </a:rPr>
+              <a:t>cả</a:t>
+            </a:r>
+            <a:r>
+              <a:rPr lang="en-US" sz="2400" dirty="0" smtClean="0">
+                <a:solidFill>
+                  <a:schemeClr val="tx1"/>
+                </a:solidFill>
+                <a:latin typeface="Times New Roman" panose="02020603050405020304" pitchFamily="18" charset="0"/>
+                <a:cs typeface="Times New Roman" panose="02020603050405020304" pitchFamily="18" charset="0"/>
+              </a:rPr>
+              <a:t> </a:t>
+            </a:r>
+            <a:r>
+              <a:rPr lang="en-US" sz="2400" dirty="0" err="1" smtClean="0">
+                <a:solidFill>
+                  <a:schemeClr val="tx1"/>
+                </a:solidFill>
+                <a:latin typeface="Times New Roman" panose="02020603050405020304" pitchFamily="18" charset="0"/>
+                <a:cs typeface="Times New Roman" panose="02020603050405020304" pitchFamily="18" charset="0"/>
+              </a:rPr>
+              <a:t>các</a:t>
+            </a:r>
+            <a:r>
+              <a:rPr lang="en-US" sz="2400" dirty="0" smtClean="0">
+                <a:solidFill>
+                  <a:schemeClr val="tx1"/>
+                </a:solidFill>
+                <a:latin typeface="Times New Roman" panose="02020603050405020304" pitchFamily="18" charset="0"/>
+                <a:cs typeface="Times New Roman" panose="02020603050405020304" pitchFamily="18" charset="0"/>
+              </a:rPr>
+              <a:t> </a:t>
+            </a:r>
+            <a:r>
+              <a:rPr lang="en-US" sz="2400" dirty="0" err="1" smtClean="0">
+                <a:solidFill>
+                  <a:schemeClr val="tx1"/>
+                </a:solidFill>
+                <a:latin typeface="Times New Roman" panose="02020603050405020304" pitchFamily="18" charset="0"/>
+                <a:cs typeface="Times New Roman" panose="02020603050405020304" pitchFamily="18" charset="0"/>
+              </a:rPr>
+              <a:t>trạm</a:t>
+            </a:r>
+            <a:r>
+              <a:rPr lang="en-US" sz="2400" dirty="0" smtClean="0">
+                <a:solidFill>
+                  <a:schemeClr val="tx1"/>
+                </a:solidFill>
+                <a:latin typeface="Times New Roman" panose="02020603050405020304" pitchFamily="18" charset="0"/>
+                <a:cs typeface="Times New Roman" panose="02020603050405020304" pitchFamily="18" charset="0"/>
+              </a:rPr>
+              <a:t>. </a:t>
+            </a:r>
+          </a:p>
+        </p:txBody>
+      </p:sp>
     </p:spTree>
     <p:extLst>
       <p:ext uri="{BB962C8B-B14F-4D97-AF65-F5344CB8AC3E}">
-        <p14:creationId xmlns:p14="http://schemas.microsoft.com/office/powerpoint/2010/main" val="3499212716"/>
+        <p14:creationId xmlns:p14="http://schemas.microsoft.com/office/powerpoint/2010/main" val="3727754110"/>
       </p:ext>
     </p:extLst>
   </p:cSld>
@@ -31440,13 +31324,6 @@
               </a:rPr>
               <a:t> data.</a:t>
             </a:r>
-            <a:endParaRPr lang="en-US" sz="2400" dirty="0" smtClean="0">
-              <a:solidFill>
-                <a:schemeClr val="tx1"/>
-              </a:solidFill>
-              <a:latin typeface="Times New Roman" panose="02020603050405020304" pitchFamily="18" charset="0"/>
-              <a:cs typeface="Times New Roman" panose="02020603050405020304" pitchFamily="18" charset="0"/>
-            </a:endParaRPr>
           </a:p>
         </p:txBody>
       </p:sp>

--- a/report/[KyThuatXuLyDuLieu]Báo cáo đồ án cuối kỳ_Nhóm_11.pptx
+++ b/report/[KyThuatXuLyDuLieu]Báo cáo đồ án cuối kỳ_Nhóm_11.pptx
@@ -18322,7 +18322,7 @@
           <p:cNvPr id="2" name="Title 1">
             <a:extLst>
               <a:ext uri="{FF2B5EF4-FFF2-40B4-BE49-F238E27FC236}">
-                <a16:creationId xmlns:a16="http://schemas.microsoft.com/office/drawing/2014/main" xmlns="" id="{AE7ED732-9F48-46D0-9606-C01E66898756}"/>
+                <a16:creationId xmlns="" xmlns:a16="http://schemas.microsoft.com/office/drawing/2014/main" id="{AE7ED732-9F48-46D0-9606-C01E66898756}"/>
               </a:ext>
             </a:extLst>
           </p:cNvPr>
@@ -18847,7 +18847,7 @@
           <p:cNvPr id="3" name="Subtitle 2">
             <a:extLst>
               <a:ext uri="{FF2B5EF4-FFF2-40B4-BE49-F238E27FC236}">
-                <a16:creationId xmlns:a16="http://schemas.microsoft.com/office/drawing/2014/main" xmlns="" id="{4EDECE05-59F3-4F93-A209-A298C2F6D3A2}"/>
+                <a16:creationId xmlns="" xmlns:a16="http://schemas.microsoft.com/office/drawing/2014/main" id="{4EDECE05-59F3-4F93-A209-A298C2F6D3A2}"/>
               </a:ext>
             </a:extLst>
           </p:cNvPr>
@@ -19124,7 +19124,7 @@
           <p:cNvPr id="4" name="Title 1">
             <a:extLst>
               <a:ext uri="{FF2B5EF4-FFF2-40B4-BE49-F238E27FC236}">
-                <a16:creationId xmlns:a16="http://schemas.microsoft.com/office/drawing/2014/main" xmlns="" id="{AE7ED732-9F48-46D0-9606-C01E66898756}"/>
+                <a16:creationId xmlns="" xmlns:a16="http://schemas.microsoft.com/office/drawing/2014/main" id="{AE7ED732-9F48-46D0-9606-C01E66898756}"/>
               </a:ext>
             </a:extLst>
           </p:cNvPr>
@@ -21781,7 +21781,7 @@
                 <a:latin typeface="Times New Roman" panose="02020603050405020304" pitchFamily="18" charset="0"/>
                 <a:cs typeface="Times New Roman" panose="02020603050405020304" pitchFamily="18" charset="0"/>
               </a:rPr>
-              <a:t>vùng</a:t>
+              <a:t>trạm</a:t>
             </a:r>
             <a:r>
               <a:rPr lang="en-US" sz="2400" dirty="0" smtClean="0">
@@ -21793,413 +21793,40 @@
               </a:rPr>
               <a:t>:</a:t>
             </a:r>
+            <a:endParaRPr lang="en-US" sz="2400" dirty="0" smtClean="0">
+              <a:solidFill>
+                <a:schemeClr val="tx1"/>
+              </a:solidFill>
+              <a:latin typeface="Times New Roman" panose="02020603050405020304" pitchFamily="18" charset="0"/>
+              <a:cs typeface="Times New Roman" panose="02020603050405020304" pitchFamily="18" charset="0"/>
+            </a:endParaRPr>
           </a:p>
         </p:txBody>
       </p:sp>
-      <p:sp>
-        <p:nvSpPr>
-          <p:cNvPr id="21" name="Google Shape;1318;p48"/>
-          <p:cNvSpPr txBox="1">
-            <a:spLocks/>
-          </p:cNvSpPr>
+      <p:pic>
+        <p:nvPicPr>
+          <p:cNvPr id="2" name="Picture 1"/>
+          <p:cNvPicPr>
+            <a:picLocks noChangeAspect="1"/>
+          </p:cNvPicPr>
           <p:nvPr/>
-        </p:nvSpPr>
+        </p:nvPicPr>
+        <p:blipFill>
+          <a:blip r:embed="rId3"/>
+          <a:stretch>
+            <a:fillRect/>
+          </a:stretch>
+        </p:blipFill>
         <p:spPr>
           <a:xfrm>
-            <a:off x="670416" y="1557341"/>
-            <a:ext cx="7552041" cy="2378865"/>
+            <a:off x="1085850" y="914401"/>
+            <a:ext cx="6903639" cy="3838772"/>
           </a:xfrm>
           <a:prstGeom prst="rect">
             <a:avLst/>
           </a:prstGeom>
         </p:spPr>
-        <p:txBody>
-          <a:bodyPr spcFirstLastPara="1" wrap="square" lIns="91425" tIns="91425" rIns="91425" bIns="91425" anchor="ctr" anchorCtr="0">
-            <a:noAutofit/>
-          </a:bodyPr>
-          <a:lstStyle>
-            <a:defPPr marR="0" lvl="0" algn="l" rtl="0">
-              <a:lnSpc>
-                <a:spcPct val="100000"/>
-              </a:lnSpc>
-              <a:spcBef>
-                <a:spcPts val="0"/>
-              </a:spcBef>
-              <a:spcAft>
-                <a:spcPts val="0"/>
-              </a:spcAft>
-            </a:defPPr>
-            <a:lvl1pPr marR="0" lvl="0" algn="l" rtl="0">
-              <a:lnSpc>
-                <a:spcPct val="100000"/>
-              </a:lnSpc>
-              <a:spcBef>
-                <a:spcPts val="0"/>
-              </a:spcBef>
-              <a:spcAft>
-                <a:spcPts val="0"/>
-              </a:spcAft>
-              <a:buClr>
-                <a:srgbClr val="000000"/>
-              </a:buClr>
-              <a:buFont typeface="Arial"/>
-              <a:defRPr sz="1400" b="0" i="0" u="none" strike="noStrike" cap="none">
-                <a:solidFill>
-                  <a:srgbClr val="000000"/>
-                </a:solidFill>
-                <a:latin typeface="Arial"/>
-                <a:ea typeface="Arial"/>
-                <a:cs typeface="Arial"/>
-                <a:sym typeface="Arial"/>
-              </a:defRPr>
-            </a:lvl1pPr>
-            <a:lvl2pPr marR="0" lvl="1" algn="l" rtl="0">
-              <a:lnSpc>
-                <a:spcPct val="100000"/>
-              </a:lnSpc>
-              <a:spcBef>
-                <a:spcPts val="0"/>
-              </a:spcBef>
-              <a:spcAft>
-                <a:spcPts val="0"/>
-              </a:spcAft>
-              <a:buClr>
-                <a:srgbClr val="000000"/>
-              </a:buClr>
-              <a:buFont typeface="Arial"/>
-              <a:defRPr sz="1400" b="0" i="0" u="none" strike="noStrike" cap="none">
-                <a:solidFill>
-                  <a:srgbClr val="000000"/>
-                </a:solidFill>
-                <a:latin typeface="Arial"/>
-                <a:ea typeface="Arial"/>
-                <a:cs typeface="Arial"/>
-                <a:sym typeface="Arial"/>
-              </a:defRPr>
-            </a:lvl2pPr>
-            <a:lvl3pPr marR="0" lvl="2" algn="l" rtl="0">
-              <a:lnSpc>
-                <a:spcPct val="100000"/>
-              </a:lnSpc>
-              <a:spcBef>
-                <a:spcPts val="0"/>
-              </a:spcBef>
-              <a:spcAft>
-                <a:spcPts val="0"/>
-              </a:spcAft>
-              <a:buClr>
-                <a:srgbClr val="000000"/>
-              </a:buClr>
-              <a:buFont typeface="Arial"/>
-              <a:defRPr sz="1400" b="0" i="0" u="none" strike="noStrike" cap="none">
-                <a:solidFill>
-                  <a:srgbClr val="000000"/>
-                </a:solidFill>
-                <a:latin typeface="Arial"/>
-                <a:ea typeface="Arial"/>
-                <a:cs typeface="Arial"/>
-                <a:sym typeface="Arial"/>
-              </a:defRPr>
-            </a:lvl3pPr>
-            <a:lvl4pPr marR="0" lvl="3" algn="l" rtl="0">
-              <a:lnSpc>
-                <a:spcPct val="100000"/>
-              </a:lnSpc>
-              <a:spcBef>
-                <a:spcPts val="0"/>
-              </a:spcBef>
-              <a:spcAft>
-                <a:spcPts val="0"/>
-              </a:spcAft>
-              <a:buClr>
-                <a:srgbClr val="000000"/>
-              </a:buClr>
-              <a:buFont typeface="Arial"/>
-              <a:defRPr sz="1400" b="0" i="0" u="none" strike="noStrike" cap="none">
-                <a:solidFill>
-                  <a:srgbClr val="000000"/>
-                </a:solidFill>
-                <a:latin typeface="Arial"/>
-                <a:ea typeface="Arial"/>
-                <a:cs typeface="Arial"/>
-                <a:sym typeface="Arial"/>
-              </a:defRPr>
-            </a:lvl4pPr>
-            <a:lvl5pPr marR="0" lvl="4" algn="l" rtl="0">
-              <a:lnSpc>
-                <a:spcPct val="100000"/>
-              </a:lnSpc>
-              <a:spcBef>
-                <a:spcPts val="0"/>
-              </a:spcBef>
-              <a:spcAft>
-                <a:spcPts val="0"/>
-              </a:spcAft>
-              <a:buClr>
-                <a:srgbClr val="000000"/>
-              </a:buClr>
-              <a:buFont typeface="Arial"/>
-              <a:defRPr sz="1400" b="0" i="0" u="none" strike="noStrike" cap="none">
-                <a:solidFill>
-                  <a:srgbClr val="000000"/>
-                </a:solidFill>
-                <a:latin typeface="Arial"/>
-                <a:ea typeface="Arial"/>
-                <a:cs typeface="Arial"/>
-                <a:sym typeface="Arial"/>
-              </a:defRPr>
-            </a:lvl5pPr>
-            <a:lvl6pPr marR="0" lvl="5" algn="l" rtl="0">
-              <a:lnSpc>
-                <a:spcPct val="100000"/>
-              </a:lnSpc>
-              <a:spcBef>
-                <a:spcPts val="0"/>
-              </a:spcBef>
-              <a:spcAft>
-                <a:spcPts val="0"/>
-              </a:spcAft>
-              <a:buClr>
-                <a:srgbClr val="000000"/>
-              </a:buClr>
-              <a:buFont typeface="Arial"/>
-              <a:defRPr sz="1400" b="0" i="0" u="none" strike="noStrike" cap="none">
-                <a:solidFill>
-                  <a:srgbClr val="000000"/>
-                </a:solidFill>
-                <a:latin typeface="Arial"/>
-                <a:ea typeface="Arial"/>
-                <a:cs typeface="Arial"/>
-                <a:sym typeface="Arial"/>
-              </a:defRPr>
-            </a:lvl6pPr>
-            <a:lvl7pPr marR="0" lvl="6" algn="l" rtl="0">
-              <a:lnSpc>
-                <a:spcPct val="100000"/>
-              </a:lnSpc>
-              <a:spcBef>
-                <a:spcPts val="0"/>
-              </a:spcBef>
-              <a:spcAft>
-                <a:spcPts val="0"/>
-              </a:spcAft>
-              <a:buClr>
-                <a:srgbClr val="000000"/>
-              </a:buClr>
-              <a:buFont typeface="Arial"/>
-              <a:defRPr sz="1400" b="0" i="0" u="none" strike="noStrike" cap="none">
-                <a:solidFill>
-                  <a:srgbClr val="000000"/>
-                </a:solidFill>
-                <a:latin typeface="Arial"/>
-                <a:ea typeface="Arial"/>
-                <a:cs typeface="Arial"/>
-                <a:sym typeface="Arial"/>
-              </a:defRPr>
-            </a:lvl7pPr>
-            <a:lvl8pPr marR="0" lvl="7" algn="l" rtl="0">
-              <a:lnSpc>
-                <a:spcPct val="100000"/>
-              </a:lnSpc>
-              <a:spcBef>
-                <a:spcPts val="0"/>
-              </a:spcBef>
-              <a:spcAft>
-                <a:spcPts val="0"/>
-              </a:spcAft>
-              <a:buClr>
-                <a:srgbClr val="000000"/>
-              </a:buClr>
-              <a:buFont typeface="Arial"/>
-              <a:defRPr sz="1400" b="0" i="0" u="none" strike="noStrike" cap="none">
-                <a:solidFill>
-                  <a:srgbClr val="000000"/>
-                </a:solidFill>
-                <a:latin typeface="Arial"/>
-                <a:ea typeface="Arial"/>
-                <a:cs typeface="Arial"/>
-                <a:sym typeface="Arial"/>
-              </a:defRPr>
-            </a:lvl8pPr>
-            <a:lvl9pPr marR="0" lvl="8" algn="l" rtl="0">
-              <a:lnSpc>
-                <a:spcPct val="100000"/>
-              </a:lnSpc>
-              <a:spcBef>
-                <a:spcPts val="0"/>
-              </a:spcBef>
-              <a:spcAft>
-                <a:spcPts val="0"/>
-              </a:spcAft>
-              <a:buClr>
-                <a:srgbClr val="000000"/>
-              </a:buClr>
-              <a:buFont typeface="Arial"/>
-              <a:defRPr sz="1400" b="0" i="0" u="none" strike="noStrike" cap="none">
-                <a:solidFill>
-                  <a:srgbClr val="000000"/>
-                </a:solidFill>
-                <a:latin typeface="Arial"/>
-                <a:ea typeface="Arial"/>
-                <a:cs typeface="Arial"/>
-                <a:sym typeface="Arial"/>
-              </a:defRPr>
-            </a:lvl9pPr>
-          </a:lstStyle>
-          <a:p>
-            <a:r>
-              <a:rPr lang="en-US" sz="2400" dirty="0" smtClean="0">
-                <a:solidFill>
-                  <a:schemeClr val="tx1"/>
-                </a:solidFill>
-                <a:latin typeface="Times New Roman" panose="02020603050405020304" pitchFamily="18" charset="0"/>
-                <a:cs typeface="Times New Roman" panose="02020603050405020304" pitchFamily="18" charset="0"/>
-              </a:rPr>
-              <a:t>&lt;&lt;</a:t>
-            </a:r>
-            <a:r>
-              <a:rPr lang="en-US" sz="2400" dirty="0" err="1" smtClean="0">
-                <a:solidFill>
-                  <a:schemeClr val="tx1"/>
-                </a:solidFill>
-                <a:latin typeface="Times New Roman" panose="02020603050405020304" pitchFamily="18" charset="0"/>
-                <a:cs typeface="Times New Roman" panose="02020603050405020304" pitchFamily="18" charset="0"/>
-              </a:rPr>
-              <a:t>Phụng</a:t>
-            </a:r>
-            <a:r>
-              <a:rPr lang="en-US" sz="2400" dirty="0" smtClean="0">
-                <a:solidFill>
-                  <a:schemeClr val="tx1"/>
-                </a:solidFill>
-                <a:latin typeface="Times New Roman" panose="02020603050405020304" pitchFamily="18" charset="0"/>
-                <a:cs typeface="Times New Roman" panose="02020603050405020304" pitchFamily="18" charset="0"/>
-              </a:rPr>
-              <a:t> </a:t>
-            </a:r>
-            <a:r>
-              <a:rPr lang="en-US" sz="2400" dirty="0" err="1" smtClean="0">
-                <a:solidFill>
-                  <a:schemeClr val="tx1"/>
-                </a:solidFill>
-                <a:latin typeface="Times New Roman" panose="02020603050405020304" pitchFamily="18" charset="0"/>
-                <a:cs typeface="Times New Roman" panose="02020603050405020304" pitchFamily="18" charset="0"/>
-              </a:rPr>
-              <a:t>chụp</a:t>
-            </a:r>
-            <a:r>
-              <a:rPr lang="en-US" sz="2400" dirty="0" smtClean="0">
-                <a:solidFill>
-                  <a:schemeClr val="tx1"/>
-                </a:solidFill>
-                <a:latin typeface="Times New Roman" panose="02020603050405020304" pitchFamily="18" charset="0"/>
-                <a:cs typeface="Times New Roman" panose="02020603050405020304" pitchFamily="18" charset="0"/>
-              </a:rPr>
-              <a:t> </a:t>
-            </a:r>
-            <a:r>
-              <a:rPr lang="en-US" sz="2400" dirty="0" err="1" smtClean="0">
-                <a:solidFill>
-                  <a:schemeClr val="tx1"/>
-                </a:solidFill>
-                <a:latin typeface="Times New Roman" panose="02020603050405020304" pitchFamily="18" charset="0"/>
-                <a:cs typeface="Times New Roman" panose="02020603050405020304" pitchFamily="18" charset="0"/>
-              </a:rPr>
-              <a:t>màn</a:t>
-            </a:r>
-            <a:r>
-              <a:rPr lang="en-US" sz="2400" dirty="0" smtClean="0">
-                <a:solidFill>
-                  <a:schemeClr val="tx1"/>
-                </a:solidFill>
-                <a:latin typeface="Times New Roman" panose="02020603050405020304" pitchFamily="18" charset="0"/>
-                <a:cs typeface="Times New Roman" panose="02020603050405020304" pitchFamily="18" charset="0"/>
-              </a:rPr>
-              <a:t> </a:t>
-            </a:r>
-            <a:r>
-              <a:rPr lang="en-US" sz="2400" dirty="0" err="1" smtClean="0">
-                <a:solidFill>
-                  <a:schemeClr val="tx1"/>
-                </a:solidFill>
-                <a:latin typeface="Times New Roman" panose="02020603050405020304" pitchFamily="18" charset="0"/>
-                <a:cs typeface="Times New Roman" panose="02020603050405020304" pitchFamily="18" charset="0"/>
-              </a:rPr>
-              <a:t>hình</a:t>
-            </a:r>
-            <a:r>
-              <a:rPr lang="en-US" sz="2400" dirty="0" smtClean="0">
-                <a:solidFill>
-                  <a:schemeClr val="tx1"/>
-                </a:solidFill>
-                <a:latin typeface="Times New Roman" panose="02020603050405020304" pitchFamily="18" charset="0"/>
-                <a:cs typeface="Times New Roman" panose="02020603050405020304" pitchFamily="18" charset="0"/>
-              </a:rPr>
-              <a:t> dashboard </a:t>
-            </a:r>
-            <a:r>
-              <a:rPr lang="en-US" sz="2400" dirty="0" err="1" smtClean="0">
-                <a:solidFill>
-                  <a:schemeClr val="tx1"/>
-                </a:solidFill>
-                <a:latin typeface="Times New Roman" panose="02020603050405020304" pitchFamily="18" charset="0"/>
-                <a:cs typeface="Times New Roman" panose="02020603050405020304" pitchFamily="18" charset="0"/>
-              </a:rPr>
-              <a:t>thứ</a:t>
-            </a:r>
-            <a:r>
-              <a:rPr lang="en-US" sz="2400" dirty="0" smtClean="0">
-                <a:solidFill>
-                  <a:schemeClr val="tx1"/>
-                </a:solidFill>
-                <a:latin typeface="Times New Roman" panose="02020603050405020304" pitchFamily="18" charset="0"/>
-                <a:cs typeface="Times New Roman" panose="02020603050405020304" pitchFamily="18" charset="0"/>
-              </a:rPr>
-              <a:t> 1 </a:t>
-            </a:r>
-            <a:r>
-              <a:rPr lang="en-US" sz="2400" dirty="0" err="1" smtClean="0">
-                <a:solidFill>
-                  <a:schemeClr val="tx1"/>
-                </a:solidFill>
-                <a:latin typeface="Times New Roman" panose="02020603050405020304" pitchFamily="18" charset="0"/>
-                <a:cs typeface="Times New Roman" panose="02020603050405020304" pitchFamily="18" charset="0"/>
-              </a:rPr>
-              <a:t>vào</a:t>
-            </a:r>
-            <a:r>
-              <a:rPr lang="en-US" sz="2400" dirty="0" smtClean="0">
-                <a:solidFill>
-                  <a:schemeClr val="tx1"/>
-                </a:solidFill>
-                <a:latin typeface="Times New Roman" panose="02020603050405020304" pitchFamily="18" charset="0"/>
-                <a:cs typeface="Times New Roman" panose="02020603050405020304" pitchFamily="18" charset="0"/>
-              </a:rPr>
-              <a:t> </a:t>
-            </a:r>
-            <a:r>
-              <a:rPr lang="en-US" sz="2400" dirty="0" err="1" smtClean="0">
-                <a:solidFill>
-                  <a:schemeClr val="tx1"/>
-                </a:solidFill>
-                <a:latin typeface="Times New Roman" panose="02020603050405020304" pitchFamily="18" charset="0"/>
-                <a:cs typeface="Times New Roman" panose="02020603050405020304" pitchFamily="18" charset="0"/>
-              </a:rPr>
-              <a:t>đây</a:t>
-            </a:r>
-            <a:r>
-              <a:rPr lang="en-US" sz="2400" dirty="0" smtClean="0">
-                <a:solidFill>
-                  <a:schemeClr val="tx1"/>
-                </a:solidFill>
-                <a:latin typeface="Times New Roman" panose="02020603050405020304" pitchFamily="18" charset="0"/>
-                <a:cs typeface="Times New Roman" panose="02020603050405020304" pitchFamily="18" charset="0"/>
-              </a:rPr>
-              <a:t>&gt;&gt;</a:t>
-            </a:r>
-          </a:p>
-        </p:txBody>
-      </p:sp>
+      </p:pic>
     </p:spTree>
     <p:extLst>
       <p:ext uri="{BB962C8B-B14F-4D97-AF65-F5344CB8AC3E}">
@@ -22654,410 +22281,30 @@
           </a:p>
         </p:txBody>
       </p:sp>
-      <p:sp>
-        <p:nvSpPr>
-          <p:cNvPr id="11" name="Google Shape;1318;p48"/>
-          <p:cNvSpPr txBox="1">
-            <a:spLocks/>
-          </p:cNvSpPr>
+      <p:pic>
+        <p:nvPicPr>
+          <p:cNvPr id="2" name="Picture 1"/>
+          <p:cNvPicPr>
+            <a:picLocks noChangeAspect="1"/>
+          </p:cNvPicPr>
           <p:nvPr/>
-        </p:nvSpPr>
+        </p:nvPicPr>
+        <p:blipFill>
+          <a:blip r:embed="rId3"/>
+          <a:stretch>
+            <a:fillRect/>
+          </a:stretch>
+        </p:blipFill>
         <p:spPr>
           <a:xfrm>
-            <a:off x="670416" y="1557341"/>
-            <a:ext cx="7552041" cy="2378865"/>
+            <a:off x="949568" y="971550"/>
+            <a:ext cx="6831865" cy="4143374"/>
           </a:xfrm>
           <a:prstGeom prst="rect">
             <a:avLst/>
           </a:prstGeom>
         </p:spPr>
-        <p:txBody>
-          <a:bodyPr spcFirstLastPara="1" wrap="square" lIns="91425" tIns="91425" rIns="91425" bIns="91425" anchor="ctr" anchorCtr="0">
-            <a:noAutofit/>
-          </a:bodyPr>
-          <a:lstStyle>
-            <a:defPPr marR="0" lvl="0" algn="l" rtl="0">
-              <a:lnSpc>
-                <a:spcPct val="100000"/>
-              </a:lnSpc>
-              <a:spcBef>
-                <a:spcPts val="0"/>
-              </a:spcBef>
-              <a:spcAft>
-                <a:spcPts val="0"/>
-              </a:spcAft>
-            </a:defPPr>
-            <a:lvl1pPr marR="0" lvl="0" algn="l" rtl="0">
-              <a:lnSpc>
-                <a:spcPct val="100000"/>
-              </a:lnSpc>
-              <a:spcBef>
-                <a:spcPts val="0"/>
-              </a:spcBef>
-              <a:spcAft>
-                <a:spcPts val="0"/>
-              </a:spcAft>
-              <a:buClr>
-                <a:srgbClr val="000000"/>
-              </a:buClr>
-              <a:buFont typeface="Arial"/>
-              <a:defRPr sz="1400" b="0" i="0" u="none" strike="noStrike" cap="none">
-                <a:solidFill>
-                  <a:srgbClr val="000000"/>
-                </a:solidFill>
-                <a:latin typeface="Arial"/>
-                <a:ea typeface="Arial"/>
-                <a:cs typeface="Arial"/>
-                <a:sym typeface="Arial"/>
-              </a:defRPr>
-            </a:lvl1pPr>
-            <a:lvl2pPr marR="0" lvl="1" algn="l" rtl="0">
-              <a:lnSpc>
-                <a:spcPct val="100000"/>
-              </a:lnSpc>
-              <a:spcBef>
-                <a:spcPts val="0"/>
-              </a:spcBef>
-              <a:spcAft>
-                <a:spcPts val="0"/>
-              </a:spcAft>
-              <a:buClr>
-                <a:srgbClr val="000000"/>
-              </a:buClr>
-              <a:buFont typeface="Arial"/>
-              <a:defRPr sz="1400" b="0" i="0" u="none" strike="noStrike" cap="none">
-                <a:solidFill>
-                  <a:srgbClr val="000000"/>
-                </a:solidFill>
-                <a:latin typeface="Arial"/>
-                <a:ea typeface="Arial"/>
-                <a:cs typeface="Arial"/>
-                <a:sym typeface="Arial"/>
-              </a:defRPr>
-            </a:lvl2pPr>
-            <a:lvl3pPr marR="0" lvl="2" algn="l" rtl="0">
-              <a:lnSpc>
-                <a:spcPct val="100000"/>
-              </a:lnSpc>
-              <a:spcBef>
-                <a:spcPts val="0"/>
-              </a:spcBef>
-              <a:spcAft>
-                <a:spcPts val="0"/>
-              </a:spcAft>
-              <a:buClr>
-                <a:srgbClr val="000000"/>
-              </a:buClr>
-              <a:buFont typeface="Arial"/>
-              <a:defRPr sz="1400" b="0" i="0" u="none" strike="noStrike" cap="none">
-                <a:solidFill>
-                  <a:srgbClr val="000000"/>
-                </a:solidFill>
-                <a:latin typeface="Arial"/>
-                <a:ea typeface="Arial"/>
-                <a:cs typeface="Arial"/>
-                <a:sym typeface="Arial"/>
-              </a:defRPr>
-            </a:lvl3pPr>
-            <a:lvl4pPr marR="0" lvl="3" algn="l" rtl="0">
-              <a:lnSpc>
-                <a:spcPct val="100000"/>
-              </a:lnSpc>
-              <a:spcBef>
-                <a:spcPts val="0"/>
-              </a:spcBef>
-              <a:spcAft>
-                <a:spcPts val="0"/>
-              </a:spcAft>
-              <a:buClr>
-                <a:srgbClr val="000000"/>
-              </a:buClr>
-              <a:buFont typeface="Arial"/>
-              <a:defRPr sz="1400" b="0" i="0" u="none" strike="noStrike" cap="none">
-                <a:solidFill>
-                  <a:srgbClr val="000000"/>
-                </a:solidFill>
-                <a:latin typeface="Arial"/>
-                <a:ea typeface="Arial"/>
-                <a:cs typeface="Arial"/>
-                <a:sym typeface="Arial"/>
-              </a:defRPr>
-            </a:lvl4pPr>
-            <a:lvl5pPr marR="0" lvl="4" algn="l" rtl="0">
-              <a:lnSpc>
-                <a:spcPct val="100000"/>
-              </a:lnSpc>
-              <a:spcBef>
-                <a:spcPts val="0"/>
-              </a:spcBef>
-              <a:spcAft>
-                <a:spcPts val="0"/>
-              </a:spcAft>
-              <a:buClr>
-                <a:srgbClr val="000000"/>
-              </a:buClr>
-              <a:buFont typeface="Arial"/>
-              <a:defRPr sz="1400" b="0" i="0" u="none" strike="noStrike" cap="none">
-                <a:solidFill>
-                  <a:srgbClr val="000000"/>
-                </a:solidFill>
-                <a:latin typeface="Arial"/>
-                <a:ea typeface="Arial"/>
-                <a:cs typeface="Arial"/>
-                <a:sym typeface="Arial"/>
-              </a:defRPr>
-            </a:lvl5pPr>
-            <a:lvl6pPr marR="0" lvl="5" algn="l" rtl="0">
-              <a:lnSpc>
-                <a:spcPct val="100000"/>
-              </a:lnSpc>
-              <a:spcBef>
-                <a:spcPts val="0"/>
-              </a:spcBef>
-              <a:spcAft>
-                <a:spcPts val="0"/>
-              </a:spcAft>
-              <a:buClr>
-                <a:srgbClr val="000000"/>
-              </a:buClr>
-              <a:buFont typeface="Arial"/>
-              <a:defRPr sz="1400" b="0" i="0" u="none" strike="noStrike" cap="none">
-                <a:solidFill>
-                  <a:srgbClr val="000000"/>
-                </a:solidFill>
-                <a:latin typeface="Arial"/>
-                <a:ea typeface="Arial"/>
-                <a:cs typeface="Arial"/>
-                <a:sym typeface="Arial"/>
-              </a:defRPr>
-            </a:lvl6pPr>
-            <a:lvl7pPr marR="0" lvl="6" algn="l" rtl="0">
-              <a:lnSpc>
-                <a:spcPct val="100000"/>
-              </a:lnSpc>
-              <a:spcBef>
-                <a:spcPts val="0"/>
-              </a:spcBef>
-              <a:spcAft>
-                <a:spcPts val="0"/>
-              </a:spcAft>
-              <a:buClr>
-                <a:srgbClr val="000000"/>
-              </a:buClr>
-              <a:buFont typeface="Arial"/>
-              <a:defRPr sz="1400" b="0" i="0" u="none" strike="noStrike" cap="none">
-                <a:solidFill>
-                  <a:srgbClr val="000000"/>
-                </a:solidFill>
-                <a:latin typeface="Arial"/>
-                <a:ea typeface="Arial"/>
-                <a:cs typeface="Arial"/>
-                <a:sym typeface="Arial"/>
-              </a:defRPr>
-            </a:lvl7pPr>
-            <a:lvl8pPr marR="0" lvl="7" algn="l" rtl="0">
-              <a:lnSpc>
-                <a:spcPct val="100000"/>
-              </a:lnSpc>
-              <a:spcBef>
-                <a:spcPts val="0"/>
-              </a:spcBef>
-              <a:spcAft>
-                <a:spcPts val="0"/>
-              </a:spcAft>
-              <a:buClr>
-                <a:srgbClr val="000000"/>
-              </a:buClr>
-              <a:buFont typeface="Arial"/>
-              <a:defRPr sz="1400" b="0" i="0" u="none" strike="noStrike" cap="none">
-                <a:solidFill>
-                  <a:srgbClr val="000000"/>
-                </a:solidFill>
-                <a:latin typeface="Arial"/>
-                <a:ea typeface="Arial"/>
-                <a:cs typeface="Arial"/>
-                <a:sym typeface="Arial"/>
-              </a:defRPr>
-            </a:lvl8pPr>
-            <a:lvl9pPr marR="0" lvl="8" algn="l" rtl="0">
-              <a:lnSpc>
-                <a:spcPct val="100000"/>
-              </a:lnSpc>
-              <a:spcBef>
-                <a:spcPts val="0"/>
-              </a:spcBef>
-              <a:spcAft>
-                <a:spcPts val="0"/>
-              </a:spcAft>
-              <a:buClr>
-                <a:srgbClr val="000000"/>
-              </a:buClr>
-              <a:buFont typeface="Arial"/>
-              <a:defRPr sz="1400" b="0" i="0" u="none" strike="noStrike" cap="none">
-                <a:solidFill>
-                  <a:srgbClr val="000000"/>
-                </a:solidFill>
-                <a:latin typeface="Arial"/>
-                <a:ea typeface="Arial"/>
-                <a:cs typeface="Arial"/>
-                <a:sym typeface="Arial"/>
-              </a:defRPr>
-            </a:lvl9pPr>
-          </a:lstStyle>
-          <a:p>
-            <a:r>
-              <a:rPr lang="en-US" sz="2400" dirty="0" smtClean="0">
-                <a:solidFill>
-                  <a:schemeClr val="tx1"/>
-                </a:solidFill>
-                <a:latin typeface="Times New Roman" panose="02020603050405020304" pitchFamily="18" charset="0"/>
-                <a:cs typeface="Times New Roman" panose="02020603050405020304" pitchFamily="18" charset="0"/>
-              </a:rPr>
-              <a:t>&lt;&lt;</a:t>
-            </a:r>
-            <a:r>
-              <a:rPr lang="en-US" sz="2400" dirty="0" err="1" smtClean="0">
-                <a:solidFill>
-                  <a:schemeClr val="tx1"/>
-                </a:solidFill>
-                <a:latin typeface="Times New Roman" panose="02020603050405020304" pitchFamily="18" charset="0"/>
-                <a:cs typeface="Times New Roman" panose="02020603050405020304" pitchFamily="18" charset="0"/>
-              </a:rPr>
-              <a:t>Phụng</a:t>
-            </a:r>
-            <a:r>
-              <a:rPr lang="en-US" sz="2400" dirty="0" smtClean="0">
-                <a:solidFill>
-                  <a:schemeClr val="tx1"/>
-                </a:solidFill>
-                <a:latin typeface="Times New Roman" panose="02020603050405020304" pitchFamily="18" charset="0"/>
-                <a:cs typeface="Times New Roman" panose="02020603050405020304" pitchFamily="18" charset="0"/>
-              </a:rPr>
-              <a:t> </a:t>
-            </a:r>
-            <a:r>
-              <a:rPr lang="en-US" sz="2400" dirty="0" err="1" smtClean="0">
-                <a:solidFill>
-                  <a:schemeClr val="tx1"/>
-                </a:solidFill>
-                <a:latin typeface="Times New Roman" panose="02020603050405020304" pitchFamily="18" charset="0"/>
-                <a:cs typeface="Times New Roman" panose="02020603050405020304" pitchFamily="18" charset="0"/>
-              </a:rPr>
-              <a:t>chụp</a:t>
-            </a:r>
-            <a:r>
-              <a:rPr lang="en-US" sz="2400" dirty="0" smtClean="0">
-                <a:solidFill>
-                  <a:schemeClr val="tx1"/>
-                </a:solidFill>
-                <a:latin typeface="Times New Roman" panose="02020603050405020304" pitchFamily="18" charset="0"/>
-                <a:cs typeface="Times New Roman" panose="02020603050405020304" pitchFamily="18" charset="0"/>
-              </a:rPr>
-              <a:t> </a:t>
-            </a:r>
-            <a:r>
-              <a:rPr lang="en-US" sz="2400" dirty="0" err="1" smtClean="0">
-                <a:solidFill>
-                  <a:schemeClr val="tx1"/>
-                </a:solidFill>
-                <a:latin typeface="Times New Roman" panose="02020603050405020304" pitchFamily="18" charset="0"/>
-                <a:cs typeface="Times New Roman" panose="02020603050405020304" pitchFamily="18" charset="0"/>
-              </a:rPr>
-              <a:t>màn</a:t>
-            </a:r>
-            <a:r>
-              <a:rPr lang="en-US" sz="2400" dirty="0" smtClean="0">
-                <a:solidFill>
-                  <a:schemeClr val="tx1"/>
-                </a:solidFill>
-                <a:latin typeface="Times New Roman" panose="02020603050405020304" pitchFamily="18" charset="0"/>
-                <a:cs typeface="Times New Roman" panose="02020603050405020304" pitchFamily="18" charset="0"/>
-              </a:rPr>
-              <a:t> </a:t>
-            </a:r>
-            <a:r>
-              <a:rPr lang="en-US" sz="2400" dirty="0" err="1" smtClean="0">
-                <a:solidFill>
-                  <a:schemeClr val="tx1"/>
-                </a:solidFill>
-                <a:latin typeface="Times New Roman" panose="02020603050405020304" pitchFamily="18" charset="0"/>
-                <a:cs typeface="Times New Roman" panose="02020603050405020304" pitchFamily="18" charset="0"/>
-              </a:rPr>
-              <a:t>hình</a:t>
-            </a:r>
-            <a:r>
-              <a:rPr lang="en-US" sz="2400" dirty="0" smtClean="0">
-                <a:solidFill>
-                  <a:schemeClr val="tx1"/>
-                </a:solidFill>
-                <a:latin typeface="Times New Roman" panose="02020603050405020304" pitchFamily="18" charset="0"/>
-                <a:cs typeface="Times New Roman" panose="02020603050405020304" pitchFamily="18" charset="0"/>
-              </a:rPr>
-              <a:t> dashboard </a:t>
-            </a:r>
-            <a:r>
-              <a:rPr lang="en-US" sz="2400" dirty="0" err="1" smtClean="0">
-                <a:solidFill>
-                  <a:schemeClr val="tx1"/>
-                </a:solidFill>
-                <a:latin typeface="Times New Roman" panose="02020603050405020304" pitchFamily="18" charset="0"/>
-                <a:cs typeface="Times New Roman" panose="02020603050405020304" pitchFamily="18" charset="0"/>
-              </a:rPr>
-              <a:t>thứ</a:t>
-            </a:r>
-            <a:r>
-              <a:rPr lang="en-US" sz="2400" dirty="0" smtClean="0">
-                <a:solidFill>
-                  <a:schemeClr val="tx1"/>
-                </a:solidFill>
-                <a:latin typeface="Times New Roman" panose="02020603050405020304" pitchFamily="18" charset="0"/>
-                <a:cs typeface="Times New Roman" panose="02020603050405020304" pitchFamily="18" charset="0"/>
-              </a:rPr>
-              <a:t> 2 </a:t>
-            </a:r>
-            <a:r>
-              <a:rPr lang="en-US" sz="2400" dirty="0" err="1" smtClean="0">
-                <a:solidFill>
-                  <a:schemeClr val="tx1"/>
-                </a:solidFill>
-                <a:latin typeface="Times New Roman" panose="02020603050405020304" pitchFamily="18" charset="0"/>
-                <a:cs typeface="Times New Roman" panose="02020603050405020304" pitchFamily="18" charset="0"/>
-              </a:rPr>
-              <a:t>vào</a:t>
-            </a:r>
-            <a:r>
-              <a:rPr lang="en-US" sz="2400" dirty="0" smtClean="0">
-                <a:solidFill>
-                  <a:schemeClr val="tx1"/>
-                </a:solidFill>
-                <a:latin typeface="Times New Roman" panose="02020603050405020304" pitchFamily="18" charset="0"/>
-                <a:cs typeface="Times New Roman" panose="02020603050405020304" pitchFamily="18" charset="0"/>
-              </a:rPr>
-              <a:t> </a:t>
-            </a:r>
-            <a:r>
-              <a:rPr lang="en-US" sz="2400" dirty="0" err="1" smtClean="0">
-                <a:solidFill>
-                  <a:schemeClr val="tx1"/>
-                </a:solidFill>
-                <a:latin typeface="Times New Roman" panose="02020603050405020304" pitchFamily="18" charset="0"/>
-                <a:cs typeface="Times New Roman" panose="02020603050405020304" pitchFamily="18" charset="0"/>
-              </a:rPr>
-              <a:t>đây</a:t>
-            </a:r>
-            <a:r>
-              <a:rPr lang="en-US" sz="2400" dirty="0" smtClean="0">
-                <a:solidFill>
-                  <a:schemeClr val="tx1"/>
-                </a:solidFill>
-                <a:latin typeface="Times New Roman" panose="02020603050405020304" pitchFamily="18" charset="0"/>
-                <a:cs typeface="Times New Roman" panose="02020603050405020304" pitchFamily="18" charset="0"/>
-              </a:rPr>
-              <a:t>&gt;&gt;</a:t>
-            </a:r>
-          </a:p>
-        </p:txBody>
-      </p:sp>
+      </p:pic>
     </p:spTree>
   </p:cSld>
   <p:clrMapOvr>
@@ -24178,7 +23425,7 @@
           <p:cNvPr id="5" name="Title 1">
             <a:extLst>
               <a:ext uri="{FF2B5EF4-FFF2-40B4-BE49-F238E27FC236}">
-                <a16:creationId xmlns:a16="http://schemas.microsoft.com/office/drawing/2014/main" xmlns="" id="{AE7ED732-9F48-46D0-9606-C01E66898756}"/>
+                <a16:creationId xmlns="" xmlns:a16="http://schemas.microsoft.com/office/drawing/2014/main" id="{AE7ED732-9F48-46D0-9606-C01E66898756}"/>
               </a:ext>
             </a:extLst>
           </p:cNvPr>
@@ -24617,7 +23864,7 @@
           <p:cNvPr id="6" name="Title 1">
             <a:extLst>
               <a:ext uri="{FF2B5EF4-FFF2-40B4-BE49-F238E27FC236}">
-                <a16:creationId xmlns:a16="http://schemas.microsoft.com/office/drawing/2014/main" xmlns="" id="{AE7ED732-9F48-46D0-9606-C01E66898756}"/>
+                <a16:creationId xmlns="" xmlns:a16="http://schemas.microsoft.com/office/drawing/2014/main" id="{AE7ED732-9F48-46D0-9606-C01E66898756}"/>
               </a:ext>
             </a:extLst>
           </p:cNvPr>
@@ -25100,7 +24347,7 @@
           <p:cNvPr id="5" name="Title 1">
             <a:extLst>
               <a:ext uri="{FF2B5EF4-FFF2-40B4-BE49-F238E27FC236}">
-                <a16:creationId xmlns:a16="http://schemas.microsoft.com/office/drawing/2014/main" xmlns="" id="{AE7ED732-9F48-46D0-9606-C01E66898756}"/>
+                <a16:creationId xmlns="" xmlns:a16="http://schemas.microsoft.com/office/drawing/2014/main" id="{AE7ED732-9F48-46D0-9606-C01E66898756}"/>
               </a:ext>
             </a:extLst>
           </p:cNvPr>
@@ -30526,17 +29773,7 @@
                 <a:latin typeface="Times New Roman" panose="02020603050405020304" pitchFamily="18" charset="0"/>
                 <a:cs typeface="Times New Roman" panose="02020603050405020304" pitchFamily="18" charset="0"/>
               </a:rPr>
-              <a:t> </a:t>
-            </a:r>
-            <a:r>
-              <a:rPr lang="en-US" sz="2400" dirty="0" smtClean="0">
-                <a:solidFill>
-                  <a:schemeClr val="tx1"/>
-                </a:solidFill>
-                <a:latin typeface="Times New Roman" panose="02020603050405020304" pitchFamily="18" charset="0"/>
-                <a:cs typeface="Times New Roman" panose="02020603050405020304" pitchFamily="18" charset="0"/>
-              </a:rPr>
-              <a:t>website </a:t>
+              <a:t> website </a:t>
             </a:r>
             <a:r>
               <a:rPr lang="en-US" sz="2400" dirty="0" err="1" smtClean="0">
